--- a/PLPTH813Bioinformatis/2023/lectures/lecture13_BEDtools.pptx
+++ b/PLPTH813Bioinformatis/2023/lectures/lecture13_BEDtools.pptx
@@ -5,40 +5,41 @@
     <p:sldMasterId id="2147483660" r:id="rId1"/>
   </p:sldMasterIdLst>
   <p:notesMasterIdLst>
-    <p:notesMasterId r:id="rId33"/>
+    <p:notesMasterId r:id="rId34"/>
   </p:notesMasterIdLst>
   <p:sldIdLst>
     <p:sldId id="272" r:id="rId2"/>
     <p:sldId id="322" r:id="rId3"/>
-    <p:sldId id="257" r:id="rId4"/>
-    <p:sldId id="290" r:id="rId5"/>
-    <p:sldId id="313" r:id="rId6"/>
-    <p:sldId id="260" r:id="rId7"/>
-    <p:sldId id="308" r:id="rId8"/>
-    <p:sldId id="309" r:id="rId9"/>
-    <p:sldId id="293" r:id="rId10"/>
-    <p:sldId id="310" r:id="rId11"/>
-    <p:sldId id="292" r:id="rId12"/>
-    <p:sldId id="294" r:id="rId13"/>
-    <p:sldId id="291" r:id="rId14"/>
-    <p:sldId id="289" r:id="rId15"/>
-    <p:sldId id="311" r:id="rId16"/>
-    <p:sldId id="295" r:id="rId17"/>
-    <p:sldId id="312" r:id="rId18"/>
-    <p:sldId id="258" r:id="rId19"/>
-    <p:sldId id="263" r:id="rId20"/>
-    <p:sldId id="264" r:id="rId21"/>
-    <p:sldId id="265" r:id="rId22"/>
-    <p:sldId id="307" r:id="rId23"/>
-    <p:sldId id="318" r:id="rId24"/>
-    <p:sldId id="299" r:id="rId25"/>
-    <p:sldId id="317" r:id="rId26"/>
-    <p:sldId id="297" r:id="rId27"/>
-    <p:sldId id="298" r:id="rId28"/>
-    <p:sldId id="314" r:id="rId29"/>
-    <p:sldId id="320" r:id="rId30"/>
-    <p:sldId id="321" r:id="rId31"/>
-    <p:sldId id="319" r:id="rId32"/>
+    <p:sldId id="323" r:id="rId4"/>
+    <p:sldId id="257" r:id="rId5"/>
+    <p:sldId id="290" r:id="rId6"/>
+    <p:sldId id="313" r:id="rId7"/>
+    <p:sldId id="260" r:id="rId8"/>
+    <p:sldId id="308" r:id="rId9"/>
+    <p:sldId id="309" r:id="rId10"/>
+    <p:sldId id="293" r:id="rId11"/>
+    <p:sldId id="310" r:id="rId12"/>
+    <p:sldId id="292" r:id="rId13"/>
+    <p:sldId id="294" r:id="rId14"/>
+    <p:sldId id="291" r:id="rId15"/>
+    <p:sldId id="289" r:id="rId16"/>
+    <p:sldId id="311" r:id="rId17"/>
+    <p:sldId id="295" r:id="rId18"/>
+    <p:sldId id="312" r:id="rId19"/>
+    <p:sldId id="258" r:id="rId20"/>
+    <p:sldId id="263" r:id="rId21"/>
+    <p:sldId id="264" r:id="rId22"/>
+    <p:sldId id="265" r:id="rId23"/>
+    <p:sldId id="307" r:id="rId24"/>
+    <p:sldId id="318" r:id="rId25"/>
+    <p:sldId id="299" r:id="rId26"/>
+    <p:sldId id="317" r:id="rId27"/>
+    <p:sldId id="297" r:id="rId28"/>
+    <p:sldId id="298" r:id="rId29"/>
+    <p:sldId id="314" r:id="rId30"/>
+    <p:sldId id="320" r:id="rId31"/>
+    <p:sldId id="321" r:id="rId32"/>
+    <p:sldId id="319" r:id="rId33"/>
   </p:sldIdLst>
   <p:sldSz cx="9144000" cy="6858000" type="screen4x3"/>
   <p:notesSz cx="6858000" cy="9144000"/>
@@ -643,7 +644,7 @@
           <a:p>
             <a:fld id="{D2042D64-B0EB-4845-B085-D499D4D09042}" type="slidenum">
               <a:rPr lang="en-US" smtClean="0"/>
-              <a:t>21</a:t>
+              <a:t>22</a:t>
             </a:fld>
             <a:endParaRPr lang="en-US"/>
           </a:p>
@@ -727,7 +728,7 @@
           <a:p>
             <a:fld id="{D2042D64-B0EB-4845-B085-D499D4D09042}" type="slidenum">
               <a:rPr lang="en-US" smtClean="0"/>
-              <a:t>24</a:t>
+              <a:t>25</a:t>
             </a:fld>
             <a:endParaRPr lang="en-US"/>
           </a:p>
@@ -861,7 +862,7 @@
           <a:p>
             <a:fld id="{D2042D64-B0EB-4845-B085-D499D4D09042}" type="slidenum">
               <a:rPr lang="en-US" smtClean="0"/>
-              <a:t>25</a:t>
+              <a:t>26</a:t>
             </a:fld>
             <a:endParaRPr lang="en-US"/>
           </a:p>
@@ -956,7 +957,7 @@
           <a:p>
             <a:fld id="{D2042D64-B0EB-4845-B085-D499D4D09042}" type="slidenum">
               <a:rPr lang="en-US" smtClean="0"/>
-              <a:t>27</a:t>
+              <a:t>28</a:t>
             </a:fld>
             <a:endParaRPr lang="en-US"/>
           </a:p>
@@ -1040,7 +1041,7 @@
           <a:p>
             <a:fld id="{D2042D64-B0EB-4845-B085-D499D4D09042}" type="slidenum">
               <a:rPr lang="en-US" smtClean="0"/>
-              <a:t>29</a:t>
+              <a:t>30</a:t>
             </a:fld>
             <a:endParaRPr lang="en-US"/>
           </a:p>
@@ -1166,7 +1167,7 @@
           <a:p>
             <a:fld id="{D2042D64-B0EB-4845-B085-D499D4D09042}" type="slidenum">
               <a:rPr lang="en-US" smtClean="0"/>
-              <a:t>31</a:t>
+              <a:t>32</a:t>
             </a:fld>
             <a:endParaRPr lang="en-US"/>
           </a:p>
@@ -4214,6 +4215,261 @@
                 <a:latin typeface="Calibri Light" panose="020F0302020204030204" pitchFamily="34" charset="0"/>
                 <a:cs typeface="Calibri Light" panose="020F0302020204030204" pitchFamily="34" charset="0"/>
               </a:rPr>
+              <a:t>Extract promoter sequences of genes (I)</a:t>
+            </a:r>
+          </a:p>
+        </p:txBody>
+      </p:sp>
+      <p:sp>
+        <p:nvSpPr>
+          <p:cNvPr id="5" name="Rectangle 4">
+            <a:extLst>
+              <a:ext uri="{FF2B5EF4-FFF2-40B4-BE49-F238E27FC236}">
+                <a16:creationId xmlns:a16="http://schemas.microsoft.com/office/drawing/2014/main" id="{62A512CD-D95C-3845-90F7-4548A186B559}"/>
+              </a:ext>
+            </a:extLst>
+          </p:cNvPr>
+          <p:cNvSpPr/>
+          <p:nvPr/>
+        </p:nvSpPr>
+        <p:spPr>
+          <a:xfrm>
+            <a:off x="616527" y="2441048"/>
+            <a:ext cx="7910946" cy="1569660"/>
+          </a:xfrm>
+          <a:prstGeom prst="rect">
+            <a:avLst/>
+          </a:prstGeom>
+        </p:spPr>
+        <p:txBody>
+          <a:bodyPr wrap="square">
+            <a:spAutoFit/>
+          </a:bodyPr>
+          <a:lstStyle/>
+          <a:p>
+            <a:pPr marL="457200" indent="-457200">
+              <a:buFont typeface="+mj-lt"/>
+              <a:buAutoNum type="arabicPeriod"/>
+            </a:pPr>
+            <a:r>
+              <a:rPr lang="en-US" sz="2400" dirty="0">
+                <a:solidFill>
+                  <a:srgbClr val="333333"/>
+                </a:solidFill>
+                <a:latin typeface="Courier" pitchFamily="2" charset="0"/>
+              </a:rPr>
+              <a:t>a BED file of genes (.bed)</a:t>
+            </a:r>
+          </a:p>
+          <a:p>
+            <a:pPr marL="457200" indent="-457200">
+              <a:buFont typeface="+mj-lt"/>
+              <a:buAutoNum type="arabicPeriod"/>
+            </a:pPr>
+            <a:r>
+              <a:rPr lang="en-US" sz="2400" dirty="0">
+                <a:solidFill>
+                  <a:srgbClr val="333333"/>
+                </a:solidFill>
+                <a:latin typeface="Courier" pitchFamily="2" charset="0"/>
+              </a:rPr>
+              <a:t>Genome sequences (.</a:t>
+            </a:r>
+            <a:r>
+              <a:rPr lang="en-US" sz="2400" dirty="0" err="1">
+                <a:solidFill>
+                  <a:srgbClr val="333333"/>
+                </a:solidFill>
+                <a:latin typeface="Courier" pitchFamily="2" charset="0"/>
+              </a:rPr>
+              <a:t>fasta</a:t>
+            </a:r>
+            <a:r>
+              <a:rPr lang="en-US" sz="2400" dirty="0">
+                <a:solidFill>
+                  <a:srgbClr val="333333"/>
+                </a:solidFill>
+                <a:latin typeface="Courier" pitchFamily="2" charset="0"/>
+              </a:rPr>
+              <a:t>)</a:t>
+            </a:r>
+          </a:p>
+          <a:p>
+            <a:pPr marL="457200" indent="-457200">
+              <a:buFont typeface="+mj-lt"/>
+              <a:buAutoNum type="arabicPeriod"/>
+            </a:pPr>
+            <a:r>
+              <a:rPr lang="en-US" sz="2400" dirty="0">
+                <a:solidFill>
+                  <a:srgbClr val="333333"/>
+                </a:solidFill>
+                <a:latin typeface="Courier" pitchFamily="2" charset="0"/>
+              </a:rPr>
+              <a:t>Chromosome/contig lengths (.length)</a:t>
+            </a:r>
+          </a:p>
+          <a:p>
+            <a:pPr marL="457200" indent="-457200">
+              <a:buFont typeface="+mj-lt"/>
+              <a:buAutoNum type="arabicPeriod"/>
+            </a:pPr>
+            <a:r>
+              <a:rPr lang="en-US" sz="2400" dirty="0">
+                <a:solidFill>
+                  <a:srgbClr val="333333"/>
+                </a:solidFill>
+                <a:latin typeface="Courier" pitchFamily="2" charset="0"/>
+              </a:rPr>
+              <a:t>length of promoters to be extracted</a:t>
+            </a:r>
+          </a:p>
+        </p:txBody>
+      </p:sp>
+      <p:sp>
+        <p:nvSpPr>
+          <p:cNvPr id="6" name="TextBox 5">
+            <a:extLst>
+              <a:ext uri="{FF2B5EF4-FFF2-40B4-BE49-F238E27FC236}">
+                <a16:creationId xmlns:a16="http://schemas.microsoft.com/office/drawing/2014/main" id="{365806A7-83A9-074C-8CB5-C0E16B229FDC}"/>
+              </a:ext>
+            </a:extLst>
+          </p:cNvPr>
+          <p:cNvSpPr txBox="1"/>
+          <p:nvPr/>
+        </p:nvSpPr>
+        <p:spPr>
+          <a:xfrm>
+            <a:off x="487507" y="1593273"/>
+            <a:ext cx="5769528" cy="523220"/>
+          </a:xfrm>
+          <a:prstGeom prst="rect">
+            <a:avLst/>
+          </a:prstGeom>
+          <a:noFill/>
+        </p:spPr>
+        <p:txBody>
+          <a:bodyPr wrap="none" rtlCol="0">
+            <a:spAutoFit/>
+          </a:bodyPr>
+          <a:lstStyle/>
+          <a:p>
+            <a:r>
+              <a:rPr lang="en-US" sz="2800" dirty="0">
+                <a:solidFill>
+                  <a:srgbClr val="333333"/>
+                </a:solidFill>
+                <a:latin typeface="Courier" pitchFamily="2" charset="0"/>
+              </a:rPr>
+              <a:t>Required input information</a:t>
+            </a:r>
+          </a:p>
+        </p:txBody>
+      </p:sp>
+      <p:sp>
+        <p:nvSpPr>
+          <p:cNvPr id="7" name="Rectangle 6">
+            <a:extLst>
+              <a:ext uri="{FF2B5EF4-FFF2-40B4-BE49-F238E27FC236}">
+                <a16:creationId xmlns:a16="http://schemas.microsoft.com/office/drawing/2014/main" id="{A6DBABEA-EE6D-D649-AE8C-214AAF457F41}"/>
+              </a:ext>
+            </a:extLst>
+          </p:cNvPr>
+          <p:cNvSpPr/>
+          <p:nvPr/>
+        </p:nvSpPr>
+        <p:spPr>
+          <a:xfrm>
+            <a:off x="616527" y="5003117"/>
+            <a:ext cx="6542625" cy="523220"/>
+          </a:xfrm>
+          <a:prstGeom prst="rect">
+            <a:avLst/>
+          </a:prstGeom>
+        </p:spPr>
+        <p:txBody>
+          <a:bodyPr wrap="none">
+            <a:spAutoFit/>
+          </a:bodyPr>
+          <a:lstStyle/>
+          <a:p>
+            <a:r>
+              <a:rPr lang="en-US" sz="2800" dirty="0">
+                <a:hlinkClick r:id="rId2"/>
+              </a:rPr>
+              <a:t>How To Use Bedtools To Extract Promoters?</a:t>
+            </a:r>
+            <a:endParaRPr lang="en-US" sz="2800" dirty="0"/>
+          </a:p>
+        </p:txBody>
+      </p:sp>
+    </p:spTree>
+    <p:extLst>
+      <p:ext uri="{BB962C8B-B14F-4D97-AF65-F5344CB8AC3E}">
+        <p14:creationId xmlns:p14="http://schemas.microsoft.com/office/powerpoint/2010/main" val="1279823496"/>
+      </p:ext>
+    </p:extLst>
+  </p:cSld>
+  <p:clrMapOvr>
+    <a:masterClrMapping/>
+  </p:clrMapOvr>
+</p:sld>
+</file>
+
+<file path=ppt/slides/slide11.xml><?xml version="1.0" encoding="utf-8"?>
+<p:sld xmlns:a="http://schemas.openxmlformats.org/drawingml/2006/main" xmlns:r="http://schemas.openxmlformats.org/officeDocument/2006/relationships" xmlns:p="http://schemas.openxmlformats.org/presentationml/2006/main">
+  <p:cSld>
+    <p:spTree>
+      <p:nvGrpSpPr>
+        <p:cNvPr id="1" name=""/>
+        <p:cNvGrpSpPr/>
+        <p:nvPr/>
+      </p:nvGrpSpPr>
+      <p:grpSpPr>
+        <a:xfrm>
+          <a:off x="0" y="0"/>
+          <a:ext cx="0" cy="0"/>
+          <a:chOff x="0" y="0"/>
+          <a:chExt cx="0" cy="0"/>
+        </a:xfrm>
+      </p:grpSpPr>
+      <p:sp>
+        <p:nvSpPr>
+          <p:cNvPr id="2" name="Title 1">
+            <a:extLst>
+              <a:ext uri="{FF2B5EF4-FFF2-40B4-BE49-F238E27FC236}">
+                <a16:creationId xmlns:a16="http://schemas.microsoft.com/office/drawing/2014/main" id="{C2B771A0-17DD-904B-BBA2-ECFD898798C3}"/>
+              </a:ext>
+            </a:extLst>
+          </p:cNvPr>
+          <p:cNvSpPr>
+            <a:spLocks noGrp="1"/>
+          </p:cNvSpPr>
+          <p:nvPr>
+            <p:ph type="title"/>
+          </p:nvPr>
+        </p:nvSpPr>
+        <p:spPr>
+          <a:xfrm>
+            <a:off x="487507" y="406693"/>
+            <a:ext cx="8168986" cy="787018"/>
+          </a:xfrm>
+        </p:spPr>
+        <p:txBody>
+          <a:bodyPr>
+            <a:normAutofit/>
+          </a:bodyPr>
+          <a:lstStyle/>
+          <a:p>
+            <a:pPr algn="ctr"/>
+            <a:r>
+              <a:rPr lang="en-US" sz="3200" b="1" dirty="0">
+                <a:solidFill>
+                  <a:srgbClr val="333333"/>
+                </a:solidFill>
+                <a:latin typeface="Calibri Light" panose="020F0302020204030204" pitchFamily="34" charset="0"/>
+                <a:cs typeface="Calibri Light" panose="020F0302020204030204" pitchFamily="34" charset="0"/>
+              </a:rPr>
               <a:t>Extract promoter sequences of genes (II)</a:t>
             </a:r>
           </a:p>
@@ -4628,7 +4884,7 @@
 </p:sld>
 </file>
 
-<file path=ppt/slides/slide11.xml><?xml version="1.0" encoding="utf-8"?>
+<file path=ppt/slides/slide12.xml><?xml version="1.0" encoding="utf-8"?>
 <p:sld xmlns:a="http://schemas.openxmlformats.org/drawingml/2006/main" xmlns:r="http://schemas.openxmlformats.org/officeDocument/2006/relationships" xmlns:p="http://schemas.openxmlformats.org/presentationml/2006/main">
   <p:cSld>
     <p:spTree>
@@ -5954,7 +6210,7 @@
 </p:sld>
 </file>
 
-<file path=ppt/slides/slide12.xml><?xml version="1.0" encoding="utf-8"?>
+<file path=ppt/slides/slide13.xml><?xml version="1.0" encoding="utf-8"?>
 <p:sld xmlns:a="http://schemas.openxmlformats.org/drawingml/2006/main" xmlns:r="http://schemas.openxmlformats.org/officeDocument/2006/relationships" xmlns:p="http://schemas.openxmlformats.org/presentationml/2006/main">
   <p:cSld>
     <p:spTree>
@@ -6471,7 +6727,7 @@
 </p:sld>
 </file>
 
-<file path=ppt/slides/slide13.xml><?xml version="1.0" encoding="utf-8"?>
+<file path=ppt/slides/slide14.xml><?xml version="1.0" encoding="utf-8"?>
 <p:sld xmlns:a="http://schemas.openxmlformats.org/drawingml/2006/main" xmlns:r="http://schemas.openxmlformats.org/officeDocument/2006/relationships" xmlns:p="http://schemas.openxmlformats.org/presentationml/2006/main">
   <p:cSld>
     <p:spTree>
@@ -7269,206 +7525,6 @@
 </p:sld>
 </file>
 
-<file path=ppt/slides/slide14.xml><?xml version="1.0" encoding="utf-8"?>
-<p:sld xmlns:a="http://schemas.openxmlformats.org/drawingml/2006/main" xmlns:r="http://schemas.openxmlformats.org/officeDocument/2006/relationships" xmlns:p="http://schemas.openxmlformats.org/presentationml/2006/main">
-  <p:cSld>
-    <p:spTree>
-      <p:nvGrpSpPr>
-        <p:cNvPr id="1" name=""/>
-        <p:cNvGrpSpPr/>
-        <p:nvPr/>
-      </p:nvGrpSpPr>
-      <p:grpSpPr>
-        <a:xfrm>
-          <a:off x="0" y="0"/>
-          <a:ext cx="0" cy="0"/>
-          <a:chOff x="0" y="0"/>
-          <a:chExt cx="0" cy="0"/>
-        </a:xfrm>
-      </p:grpSpPr>
-      <p:sp>
-        <p:nvSpPr>
-          <p:cNvPr id="2" name="Title 1">
-            <a:extLst>
-              <a:ext uri="{FF2B5EF4-FFF2-40B4-BE49-F238E27FC236}">
-                <a16:creationId xmlns:a16="http://schemas.microsoft.com/office/drawing/2014/main" id="{C2B771A0-17DD-904B-BBA2-ECFD898798C3}"/>
-              </a:ext>
-            </a:extLst>
-          </p:cNvPr>
-          <p:cNvSpPr>
-            <a:spLocks noGrp="1"/>
-          </p:cNvSpPr>
-          <p:nvPr>
-            <p:ph type="title"/>
-          </p:nvPr>
-        </p:nvSpPr>
-        <p:spPr>
-          <a:xfrm>
-            <a:off x="628650" y="365127"/>
-            <a:ext cx="7886700" cy="787018"/>
-          </a:xfrm>
-        </p:spPr>
-        <p:txBody>
-          <a:bodyPr>
-            <a:normAutofit/>
-          </a:bodyPr>
-          <a:lstStyle/>
-          <a:p>
-            <a:pPr algn="ctr"/>
-            <a:r>
-              <a:rPr lang="en-US" sz="3200" dirty="0"/>
-              <a:t>intersect (I)</a:t>
-            </a:r>
-          </a:p>
-        </p:txBody>
-      </p:sp>
-      <p:sp>
-        <p:nvSpPr>
-          <p:cNvPr id="3" name="Content Placeholder 2">
-            <a:extLst>
-              <a:ext uri="{FF2B5EF4-FFF2-40B4-BE49-F238E27FC236}">
-                <a16:creationId xmlns:a16="http://schemas.microsoft.com/office/drawing/2014/main" id="{3661A253-6582-8B4F-8100-89DD262132B8}"/>
-              </a:ext>
-            </a:extLst>
-          </p:cNvPr>
-          <p:cNvSpPr>
-            <a:spLocks noGrp="1"/>
-          </p:cNvSpPr>
-          <p:nvPr>
-            <p:ph idx="1"/>
-          </p:nvPr>
-        </p:nvSpPr>
-        <p:spPr>
-          <a:xfrm>
-            <a:off x="1349086" y="1367641"/>
-            <a:ext cx="6922078" cy="4740049"/>
-          </a:xfrm>
-        </p:spPr>
-        <p:txBody>
-          <a:bodyPr>
-            <a:normAutofit lnSpcReduction="10000"/>
-          </a:bodyPr>
-          <a:lstStyle/>
-          <a:p>
-            <a:pPr marL="0" indent="0">
-              <a:lnSpc>
-                <a:spcPct val="100000"/>
-              </a:lnSpc>
-              <a:buNone/>
-            </a:pPr>
-            <a:r>
-              <a:rPr lang="en-US" b="1" dirty="0"/>
-              <a:t>cat d1.bed</a:t>
-            </a:r>
-          </a:p>
-          <a:p>
-            <a:pPr marL="0" indent="0">
-              <a:lnSpc>
-                <a:spcPct val="100000"/>
-              </a:lnSpc>
-              <a:buNone/>
-            </a:pPr>
-            <a:r>
-              <a:rPr lang="en-US" dirty="0"/>
-              <a:t>chr1	10	100	a1	.	+</a:t>
-            </a:r>
-          </a:p>
-          <a:p>
-            <a:pPr marL="0" indent="0">
-              <a:lnSpc>
-                <a:spcPct val="100000"/>
-              </a:lnSpc>
-              <a:buNone/>
-            </a:pPr>
-            <a:r>
-              <a:rPr lang="en-US" dirty="0"/>
-              <a:t>chr1	200	300	a2	.	+</a:t>
-            </a:r>
-          </a:p>
-          <a:p>
-            <a:pPr marL="0" indent="0">
-              <a:lnSpc>
-                <a:spcPct val="100000"/>
-              </a:lnSpc>
-              <a:buNone/>
-            </a:pPr>
-            <a:r>
-              <a:rPr lang="en-US" dirty="0"/>
-              <a:t>chr1	500	550	a3	.	+</a:t>
-            </a:r>
-          </a:p>
-          <a:p>
-            <a:pPr marL="0" indent="0">
-              <a:lnSpc>
-                <a:spcPct val="100000"/>
-              </a:lnSpc>
-              <a:buNone/>
-            </a:pPr>
-            <a:endParaRPr lang="en-US" dirty="0"/>
-          </a:p>
-          <a:p>
-            <a:pPr marL="0" indent="0">
-              <a:lnSpc>
-                <a:spcPct val="100000"/>
-              </a:lnSpc>
-              <a:buNone/>
-            </a:pPr>
-            <a:r>
-              <a:rPr lang="en-US" b="1" dirty="0"/>
-              <a:t>cat d2.bed</a:t>
-            </a:r>
-          </a:p>
-          <a:p>
-            <a:pPr marL="0" indent="0">
-              <a:lnSpc>
-                <a:spcPct val="100000"/>
-              </a:lnSpc>
-              <a:buNone/>
-            </a:pPr>
-            <a:r>
-              <a:rPr lang="en-US" dirty="0"/>
-              <a:t>chr1	10	20	a1	.	+</a:t>
-            </a:r>
-          </a:p>
-          <a:p>
-            <a:pPr marL="0" indent="0">
-              <a:lnSpc>
-                <a:spcPct val="100000"/>
-              </a:lnSpc>
-              <a:buNone/>
-            </a:pPr>
-            <a:r>
-              <a:rPr lang="en-US" dirty="0"/>
-              <a:t>chr1	150	250	a2	.	+</a:t>
-            </a:r>
-          </a:p>
-          <a:p>
-            <a:pPr marL="0" indent="0">
-              <a:lnSpc>
-                <a:spcPct val="100000"/>
-              </a:lnSpc>
-              <a:buNone/>
-            </a:pPr>
-            <a:r>
-              <a:rPr lang="en-US" dirty="0"/>
-              <a:t>chr1	600	750	a3	.	+</a:t>
-            </a:r>
-          </a:p>
-        </p:txBody>
-      </p:sp>
-    </p:spTree>
-    <p:extLst>
-      <p:ext uri="{BB962C8B-B14F-4D97-AF65-F5344CB8AC3E}">
-        <p14:creationId xmlns:p14="http://schemas.microsoft.com/office/powerpoint/2010/main" val="1017976540"/>
-      </p:ext>
-    </p:extLst>
-  </p:cSld>
-  <p:clrMapOvr>
-    <a:masterClrMapping/>
-  </p:clrMapOvr>
-</p:sld>
-</file>
-
 <file path=ppt/slides/slide15.xml><?xml version="1.0" encoding="utf-8"?>
 <p:sld xmlns:a="http://schemas.openxmlformats.org/drawingml/2006/main" xmlns:r="http://schemas.openxmlformats.org/officeDocument/2006/relationships" xmlns:p="http://schemas.openxmlformats.org/presentationml/2006/main">
   <p:cSld>
@@ -7517,7 +7573,7 @@
             <a:pPr algn="ctr"/>
             <a:r>
               <a:rPr lang="en-US" sz="3200" dirty="0"/>
-              <a:t>intersect (II)</a:t>
+              <a:t>intersect (I)</a:t>
             </a:r>
           </a:p>
         </p:txBody>
@@ -7540,364 +7596,117 @@
         </p:nvSpPr>
         <p:spPr>
           <a:xfrm>
-            <a:off x="265833" y="4623458"/>
-            <a:ext cx="8612333" cy="1680360"/>
+            <a:off x="1349086" y="1367641"/>
+            <a:ext cx="6922078" cy="4740049"/>
           </a:xfrm>
         </p:spPr>
         <p:txBody>
-          <a:bodyPr/>
-          <a:lstStyle/>
-          <a:p>
-            <a:pPr marL="0" indent="0">
-              <a:buNone/>
-            </a:pPr>
-            <a:r>
-              <a:rPr lang="en-US" dirty="0" err="1">
-                <a:latin typeface="Courier" pitchFamily="2" charset="0"/>
-              </a:rPr>
-              <a:t>bedtools</a:t>
-            </a:r>
-            <a:r>
-              <a:rPr lang="en-US" dirty="0">
-                <a:latin typeface="Courier" pitchFamily="2" charset="0"/>
-              </a:rPr>
-              <a:t> intersect -a d1.bed -b d2.bed</a:t>
-            </a:r>
-          </a:p>
-          <a:p>
-            <a:pPr marL="0" indent="0">
-              <a:buNone/>
-            </a:pPr>
-            <a:r>
-              <a:rPr lang="en-US" dirty="0">
-                <a:latin typeface="Courier" pitchFamily="2" charset="0"/>
-              </a:rPr>
-              <a:t>chr1 10 20 a1 . +</a:t>
-            </a:r>
-          </a:p>
-          <a:p>
-            <a:pPr marL="0" indent="0">
-              <a:buNone/>
-            </a:pPr>
-            <a:r>
-              <a:rPr lang="en-US" dirty="0">
-                <a:latin typeface="Courier" pitchFamily="2" charset="0"/>
-              </a:rPr>
-              <a:t>chr1 200 250 a2 . +</a:t>
-            </a:r>
-          </a:p>
-          <a:p>
-            <a:pPr marL="0" indent="0">
-              <a:buNone/>
-            </a:pPr>
-            <a:endParaRPr lang="en-US" dirty="0">
-              <a:latin typeface="Courier" pitchFamily="2" charset="0"/>
-            </a:endParaRPr>
-          </a:p>
-        </p:txBody>
-      </p:sp>
-      <p:sp>
-        <p:nvSpPr>
-          <p:cNvPr id="4" name="Content Placeholder 2">
-            <a:extLst>
-              <a:ext uri="{FF2B5EF4-FFF2-40B4-BE49-F238E27FC236}">
-                <a16:creationId xmlns:a16="http://schemas.microsoft.com/office/drawing/2014/main" id="{0315AA59-B4DA-874A-A506-2C40551460CD}"/>
-              </a:ext>
-            </a:extLst>
-          </p:cNvPr>
-          <p:cNvSpPr txBox="1">
-            <a:spLocks/>
-          </p:cNvSpPr>
-          <p:nvPr/>
-        </p:nvSpPr>
-        <p:spPr>
-          <a:xfrm>
-            <a:off x="628650" y="1152145"/>
-            <a:ext cx="6922078" cy="3006438"/>
-          </a:xfrm>
-          <a:prstGeom prst="rect">
-            <a:avLst/>
-          </a:prstGeom>
-        </p:spPr>
-        <p:txBody>
-          <a:bodyPr vert="horz" lIns="91440" tIns="45720" rIns="91440" bIns="45720" rtlCol="0">
-            <a:noAutofit/>
+          <a:bodyPr>
+            <a:normAutofit lnSpcReduction="10000"/>
           </a:bodyPr>
-          <a:lstStyle>
-            <a:lvl1pPr marL="228600" indent="-228600" algn="l" defTabSz="914400" rtl="0" eaLnBrk="1" latinLnBrk="0" hangingPunct="1">
+          <a:lstStyle/>
+          <a:p>
+            <a:pPr marL="0" indent="0">
               <a:lnSpc>
-                <a:spcPct val="90000"/>
+                <a:spcPct val="100000"/>
               </a:lnSpc>
-              <a:spcBef>
-                <a:spcPts val="1000"/>
-              </a:spcBef>
-              <a:buFont typeface="Arial" panose="020B0604020202020204" pitchFamily="34" charset="0"/>
-              <a:buChar char="•"/>
-              <a:defRPr sz="2800" kern="1200">
-                <a:solidFill>
-                  <a:schemeClr val="tx1"/>
-                </a:solidFill>
-                <a:latin typeface="+mn-lt"/>
-                <a:ea typeface="+mn-ea"/>
-                <a:cs typeface="+mn-cs"/>
-              </a:defRPr>
-            </a:lvl1pPr>
-            <a:lvl2pPr marL="685800" indent="-228600" algn="l" defTabSz="914400" rtl="0" eaLnBrk="1" latinLnBrk="0" hangingPunct="1">
+              <a:buNone/>
+            </a:pPr>
+            <a:r>
+              <a:rPr lang="en-US" b="1" dirty="0"/>
+              <a:t>cat d1.bed</a:t>
+            </a:r>
+          </a:p>
+          <a:p>
+            <a:pPr marL="0" indent="0">
               <a:lnSpc>
-                <a:spcPct val="90000"/>
+                <a:spcPct val="100000"/>
               </a:lnSpc>
-              <a:spcBef>
-                <a:spcPts val="500"/>
-              </a:spcBef>
-              <a:buFont typeface="Arial" panose="020B0604020202020204" pitchFamily="34" charset="0"/>
-              <a:buChar char="•"/>
-              <a:defRPr sz="2400" kern="1200">
-                <a:solidFill>
-                  <a:schemeClr val="tx1"/>
-                </a:solidFill>
-                <a:latin typeface="+mn-lt"/>
-                <a:ea typeface="+mn-ea"/>
-                <a:cs typeface="+mn-cs"/>
-              </a:defRPr>
-            </a:lvl2pPr>
-            <a:lvl3pPr marL="1143000" indent="-228600" algn="l" defTabSz="914400" rtl="0" eaLnBrk="1" latinLnBrk="0" hangingPunct="1">
+              <a:buNone/>
+            </a:pPr>
+            <a:r>
+              <a:rPr lang="en-US" dirty="0"/>
+              <a:t>chr1	10	100	a1	.	+</a:t>
+            </a:r>
+          </a:p>
+          <a:p>
+            <a:pPr marL="0" indent="0">
               <a:lnSpc>
-                <a:spcPct val="90000"/>
+                <a:spcPct val="100000"/>
               </a:lnSpc>
-              <a:spcBef>
-                <a:spcPts val="500"/>
-              </a:spcBef>
-              <a:buFont typeface="Arial" panose="020B0604020202020204" pitchFamily="34" charset="0"/>
-              <a:buChar char="•"/>
-              <a:defRPr sz="2000" kern="1200">
-                <a:solidFill>
-                  <a:schemeClr val="tx1"/>
-                </a:solidFill>
-                <a:latin typeface="+mn-lt"/>
-                <a:ea typeface="+mn-ea"/>
-                <a:cs typeface="+mn-cs"/>
-              </a:defRPr>
-            </a:lvl3pPr>
-            <a:lvl4pPr marL="1600200" indent="-228600" algn="l" defTabSz="914400" rtl="0" eaLnBrk="1" latinLnBrk="0" hangingPunct="1">
+              <a:buNone/>
+            </a:pPr>
+            <a:r>
+              <a:rPr lang="en-US" dirty="0"/>
+              <a:t>chr1	200	300	a2	.	+</a:t>
+            </a:r>
+          </a:p>
+          <a:p>
+            <a:pPr marL="0" indent="0">
               <a:lnSpc>
-                <a:spcPct val="90000"/>
+                <a:spcPct val="100000"/>
               </a:lnSpc>
-              <a:spcBef>
-                <a:spcPts val="500"/>
-              </a:spcBef>
-              <a:buFont typeface="Arial" panose="020B0604020202020204" pitchFamily="34" charset="0"/>
-              <a:buChar char="•"/>
-              <a:defRPr sz="1800" kern="1200">
-                <a:solidFill>
-                  <a:schemeClr val="tx1"/>
-                </a:solidFill>
-                <a:latin typeface="+mn-lt"/>
-                <a:ea typeface="+mn-ea"/>
-                <a:cs typeface="+mn-cs"/>
-              </a:defRPr>
-            </a:lvl4pPr>
-            <a:lvl5pPr marL="2057400" indent="-228600" algn="l" defTabSz="914400" rtl="0" eaLnBrk="1" latinLnBrk="0" hangingPunct="1">
+              <a:buNone/>
+            </a:pPr>
+            <a:r>
+              <a:rPr lang="en-US" dirty="0"/>
+              <a:t>chr1	500	550	a3	.	+</a:t>
+            </a:r>
+          </a:p>
+          <a:p>
+            <a:pPr marL="0" indent="0">
               <a:lnSpc>
-                <a:spcPct val="90000"/>
+                <a:spcPct val="100000"/>
               </a:lnSpc>
-              <a:spcBef>
-                <a:spcPts val="500"/>
-              </a:spcBef>
-              <a:buFont typeface="Arial" panose="020B0604020202020204" pitchFamily="34" charset="0"/>
-              <a:buChar char="•"/>
-              <a:defRPr sz="1800" kern="1200">
-                <a:solidFill>
-                  <a:schemeClr val="tx1"/>
-                </a:solidFill>
-                <a:latin typeface="+mn-lt"/>
-                <a:ea typeface="+mn-ea"/>
-                <a:cs typeface="+mn-cs"/>
-              </a:defRPr>
-            </a:lvl5pPr>
-            <a:lvl6pPr marL="2514600" indent="-228600" algn="l" defTabSz="914400" rtl="0" eaLnBrk="1" latinLnBrk="0" hangingPunct="1">
+              <a:buNone/>
+            </a:pPr>
+            <a:endParaRPr lang="en-US" dirty="0"/>
+          </a:p>
+          <a:p>
+            <a:pPr marL="0" indent="0">
               <a:lnSpc>
-                <a:spcPct val="90000"/>
+                <a:spcPct val="100000"/>
               </a:lnSpc>
-              <a:spcBef>
-                <a:spcPts val="500"/>
-              </a:spcBef>
-              <a:buFont typeface="Arial" panose="020B0604020202020204" pitchFamily="34" charset="0"/>
-              <a:buChar char="•"/>
-              <a:defRPr sz="1800" kern="1200">
-                <a:solidFill>
-                  <a:schemeClr val="tx1"/>
-                </a:solidFill>
-                <a:latin typeface="+mn-lt"/>
-                <a:ea typeface="+mn-ea"/>
-                <a:cs typeface="+mn-cs"/>
-              </a:defRPr>
-            </a:lvl6pPr>
-            <a:lvl7pPr marL="2971800" indent="-228600" algn="l" defTabSz="914400" rtl="0" eaLnBrk="1" latinLnBrk="0" hangingPunct="1">
+              <a:buNone/>
+            </a:pPr>
+            <a:r>
+              <a:rPr lang="en-US" b="1" dirty="0"/>
+              <a:t>cat d2.bed</a:t>
+            </a:r>
+          </a:p>
+          <a:p>
+            <a:pPr marL="0" indent="0">
               <a:lnSpc>
-                <a:spcPct val="90000"/>
+                <a:spcPct val="100000"/>
               </a:lnSpc>
-              <a:spcBef>
-                <a:spcPts val="500"/>
-              </a:spcBef>
-              <a:buFont typeface="Arial" panose="020B0604020202020204" pitchFamily="34" charset="0"/>
-              <a:buChar char="•"/>
-              <a:defRPr sz="1800" kern="1200">
-                <a:solidFill>
-                  <a:schemeClr val="tx1"/>
-                </a:solidFill>
-                <a:latin typeface="+mn-lt"/>
-                <a:ea typeface="+mn-ea"/>
-                <a:cs typeface="+mn-cs"/>
-              </a:defRPr>
-            </a:lvl7pPr>
-            <a:lvl8pPr marL="3429000" indent="-228600" algn="l" defTabSz="914400" rtl="0" eaLnBrk="1" latinLnBrk="0" hangingPunct="1">
+              <a:buNone/>
+            </a:pPr>
+            <a:r>
+              <a:rPr lang="en-US" dirty="0"/>
+              <a:t>chr1	10	20	a1	.	+</a:t>
+            </a:r>
+          </a:p>
+          <a:p>
+            <a:pPr marL="0" indent="0">
               <a:lnSpc>
-                <a:spcPct val="90000"/>
+                <a:spcPct val="100000"/>
               </a:lnSpc>
-              <a:spcBef>
-                <a:spcPts val="500"/>
-              </a:spcBef>
-              <a:buFont typeface="Arial" panose="020B0604020202020204" pitchFamily="34" charset="0"/>
-              <a:buChar char="•"/>
-              <a:defRPr sz="1800" kern="1200">
-                <a:solidFill>
-                  <a:schemeClr val="tx1"/>
-                </a:solidFill>
-                <a:latin typeface="+mn-lt"/>
-                <a:ea typeface="+mn-ea"/>
-                <a:cs typeface="+mn-cs"/>
-              </a:defRPr>
-            </a:lvl8pPr>
-            <a:lvl9pPr marL="3886200" indent="-228600" algn="l" defTabSz="914400" rtl="0" eaLnBrk="1" latinLnBrk="0" hangingPunct="1">
+              <a:buNone/>
+            </a:pPr>
+            <a:r>
+              <a:rPr lang="en-US" dirty="0"/>
+              <a:t>chr1	150	250	a2	.	+</a:t>
+            </a:r>
+          </a:p>
+          <a:p>
+            <a:pPr marL="0" indent="0">
               <a:lnSpc>
-                <a:spcPct val="90000"/>
+                <a:spcPct val="100000"/>
               </a:lnSpc>
-              <a:spcBef>
-                <a:spcPts val="500"/>
-              </a:spcBef>
-              <a:buFont typeface="Arial" panose="020B0604020202020204" pitchFamily="34" charset="0"/>
-              <a:buChar char="•"/>
-              <a:defRPr sz="1800" kern="1200">
-                <a:solidFill>
-                  <a:schemeClr val="tx1"/>
-                </a:solidFill>
-                <a:latin typeface="+mn-lt"/>
-                <a:ea typeface="+mn-ea"/>
-                <a:cs typeface="+mn-cs"/>
-              </a:defRPr>
-            </a:lvl9pPr>
-          </a:lstStyle>
-          <a:p>
-            <a:pPr marL="0" indent="0">
-              <a:lnSpc>
-                <a:spcPts val="1500"/>
-              </a:lnSpc>
-              <a:buFont typeface="Arial" panose="020B0604020202020204" pitchFamily="34" charset="0"/>
-              <a:buNone/>
-            </a:pPr>
-            <a:r>
-              <a:rPr lang="en-US" sz="1800" b="1" dirty="0"/>
-              <a:t>cat d1.bed</a:t>
-            </a:r>
-          </a:p>
-          <a:p>
-            <a:pPr marL="0" indent="0">
-              <a:lnSpc>
-                <a:spcPts val="1500"/>
-              </a:lnSpc>
-              <a:buFont typeface="Arial" panose="020B0604020202020204" pitchFamily="34" charset="0"/>
-              <a:buNone/>
-            </a:pPr>
-            <a:r>
-              <a:rPr lang="en-US" sz="1800" dirty="0"/>
-              <a:t>chr1	10	100	a1	.	+</a:t>
-            </a:r>
-          </a:p>
-          <a:p>
-            <a:pPr marL="0" indent="0">
-              <a:lnSpc>
-                <a:spcPts val="1500"/>
-              </a:lnSpc>
-              <a:buFont typeface="Arial" panose="020B0604020202020204" pitchFamily="34" charset="0"/>
-              <a:buNone/>
-            </a:pPr>
-            <a:r>
-              <a:rPr lang="en-US" sz="1800" dirty="0"/>
-              <a:t>chr1	200	300	a2	.	+</a:t>
-            </a:r>
-          </a:p>
-          <a:p>
-            <a:pPr marL="0" indent="0">
-              <a:lnSpc>
-                <a:spcPts val="1500"/>
-              </a:lnSpc>
-              <a:buFont typeface="Arial" panose="020B0604020202020204" pitchFamily="34" charset="0"/>
-              <a:buNone/>
-            </a:pPr>
-            <a:r>
-              <a:rPr lang="en-US" sz="1800" dirty="0"/>
-              <a:t>chr1	500	550	a3	.	+</a:t>
-            </a:r>
-          </a:p>
-          <a:p>
-            <a:pPr marL="0" indent="0">
-              <a:lnSpc>
-                <a:spcPts val="1500"/>
-              </a:lnSpc>
-              <a:buFont typeface="Arial" panose="020B0604020202020204" pitchFamily="34" charset="0"/>
-              <a:buNone/>
-            </a:pPr>
-            <a:endParaRPr lang="en-US" sz="1800" dirty="0"/>
-          </a:p>
-          <a:p>
-            <a:pPr marL="0" indent="0">
-              <a:lnSpc>
-                <a:spcPts val="1500"/>
-              </a:lnSpc>
-              <a:buFont typeface="Arial" panose="020B0604020202020204" pitchFamily="34" charset="0"/>
-              <a:buNone/>
-            </a:pPr>
-            <a:r>
-              <a:rPr lang="en-US" sz="1800" b="1" dirty="0"/>
-              <a:t>cat d2.bed</a:t>
-            </a:r>
-          </a:p>
-          <a:p>
-            <a:pPr marL="0" indent="0">
-              <a:lnSpc>
-                <a:spcPts val="1500"/>
-              </a:lnSpc>
-              <a:buFont typeface="Arial" panose="020B0604020202020204" pitchFamily="34" charset="0"/>
-              <a:buNone/>
-            </a:pPr>
-            <a:r>
-              <a:rPr lang="en-US" sz="1800" dirty="0"/>
-              <a:t>chr1	10	20	a1	.	+</a:t>
-            </a:r>
-          </a:p>
-          <a:p>
-            <a:pPr marL="0" indent="0">
-              <a:lnSpc>
-                <a:spcPts val="1500"/>
-              </a:lnSpc>
-              <a:buFont typeface="Arial" panose="020B0604020202020204" pitchFamily="34" charset="0"/>
-              <a:buNone/>
-            </a:pPr>
-            <a:r>
-              <a:rPr lang="en-US" sz="1800" dirty="0"/>
-              <a:t>chr1	150	250	a2	.	+</a:t>
-            </a:r>
-          </a:p>
-          <a:p>
-            <a:pPr marL="0" indent="0">
-              <a:lnSpc>
-                <a:spcPts val="1500"/>
-              </a:lnSpc>
-              <a:buFont typeface="Arial" panose="020B0604020202020204" pitchFamily="34" charset="0"/>
-              <a:buNone/>
-            </a:pPr>
-            <a:r>
-              <a:rPr lang="en-US" sz="1800" dirty="0"/>
+              <a:buNone/>
+            </a:pPr>
+            <a:r>
+              <a:rPr lang="en-US" dirty="0"/>
               <a:t>chr1	600	750	a3	.	+</a:t>
             </a:r>
           </a:p>
@@ -7906,7 +7715,7 @@
     </p:spTree>
     <p:extLst>
       <p:ext uri="{BB962C8B-B14F-4D97-AF65-F5344CB8AC3E}">
-        <p14:creationId xmlns:p14="http://schemas.microsoft.com/office/powerpoint/2010/main" val="1145269009"/>
+        <p14:creationId xmlns:p14="http://schemas.microsoft.com/office/powerpoint/2010/main" val="1017976540"/>
       </p:ext>
     </p:extLst>
   </p:cSld>
@@ -7964,7 +7773,7 @@
             <a:pPr algn="ctr"/>
             <a:r>
               <a:rPr lang="en-US" sz="3200" dirty="0"/>
-              <a:t>intersect (III)</a:t>
+              <a:t>intersect (II)</a:t>
             </a:r>
           </a:p>
         </p:txBody>
@@ -7987,14 +7796,12 @@
         </p:nvSpPr>
         <p:spPr>
           <a:xfrm>
-            <a:off x="202189" y="4158583"/>
-            <a:ext cx="8739622" cy="1680360"/>
+            <a:off x="265833" y="4623458"/>
+            <a:ext cx="8612333" cy="1680360"/>
           </a:xfrm>
         </p:spPr>
         <p:txBody>
-          <a:bodyPr>
-            <a:normAutofit fontScale="92500" lnSpcReduction="10000"/>
-          </a:bodyPr>
+          <a:bodyPr/>
           <a:lstStyle/>
           <a:p>
             <a:pPr marL="0" indent="0">
@@ -8010,52 +7817,36 @@
               <a:rPr lang="en-US" dirty="0">
                 <a:latin typeface="Courier" pitchFamily="2" charset="0"/>
               </a:rPr>
-              <a:t> intersect -a d1.bed -b d2.bed </a:t>
-            </a:r>
+              <a:t> intersect -a d1.bed -b d2.bed</a:t>
+            </a:r>
+          </a:p>
+          <a:p>
+            <a:pPr marL="0" indent="0">
+              <a:buNone/>
+            </a:pPr>
             <a:r>
               <a:rPr lang="en-US" dirty="0">
-                <a:solidFill>
-                  <a:srgbClr val="FF0000"/>
-                </a:solidFill>
                 <a:latin typeface="Courier" pitchFamily="2" charset="0"/>
               </a:rPr>
-              <a:t>-wo</a:t>
-            </a:r>
-          </a:p>
-          <a:p>
-            <a:pPr marL="0" indent="0">
-              <a:buNone/>
-            </a:pPr>
-            <a:r>
-              <a:rPr lang="en-US" sz="2200" dirty="0">
-                <a:solidFill>
-                  <a:srgbClr val="FF0000"/>
-                </a:solidFill>
-              </a:rPr>
-              <a:t>chr1	10	100</a:t>
-            </a:r>
-            <a:r>
-              <a:rPr lang="en-US" sz="2200" dirty="0"/>
-              <a:t>	a1	.	+	chr1	10	20	a1	.	+	10</a:t>
-            </a:r>
-          </a:p>
-          <a:p>
-            <a:pPr marL="0" indent="0">
-              <a:buNone/>
-            </a:pPr>
-            <a:r>
-              <a:rPr lang="en-US" sz="2200" dirty="0">
-                <a:solidFill>
-                  <a:srgbClr val="FF0000"/>
-                </a:solidFill>
-              </a:rPr>
-              <a:t>chr1	200	300</a:t>
-            </a:r>
-            <a:r>
-              <a:rPr lang="en-US" sz="2200" dirty="0"/>
-              <a:t>	a2	.	+	chr1	150	250	a2	.	+	50</a:t>
-            </a:r>
-            <a:endParaRPr lang="en-US" sz="2200" dirty="0">
+              <a:t>chr1 10 20 a1 . +</a:t>
+            </a:r>
+          </a:p>
+          <a:p>
+            <a:pPr marL="0" indent="0">
+              <a:buNone/>
+            </a:pPr>
+            <a:r>
+              <a:rPr lang="en-US" dirty="0">
+                <a:latin typeface="Courier" pitchFamily="2" charset="0"/>
+              </a:rPr>
+              <a:t>chr1 200 250 a2 . +</a:t>
+            </a:r>
+          </a:p>
+          <a:p>
+            <a:pPr marL="0" indent="0">
+              <a:buNone/>
+            </a:pPr>
+            <a:endParaRPr lang="en-US" dirty="0">
               <a:latin typeface="Courier" pitchFamily="2" charset="0"/>
             </a:endParaRPr>
           </a:p>
@@ -8368,53 +8159,10 @@
           </a:p>
         </p:txBody>
       </p:sp>
-      <p:sp>
-        <p:nvSpPr>
-          <p:cNvPr id="5" name="TextBox 4">
-            <a:extLst>
-              <a:ext uri="{FF2B5EF4-FFF2-40B4-BE49-F238E27FC236}">
-                <a16:creationId xmlns:a16="http://schemas.microsoft.com/office/drawing/2014/main" id="{8CB67279-74F5-D748-8230-0D502D579CD6}"/>
-              </a:ext>
-            </a:extLst>
-          </p:cNvPr>
-          <p:cNvSpPr txBox="1"/>
-          <p:nvPr/>
-        </p:nvSpPr>
-        <p:spPr>
-          <a:xfrm>
-            <a:off x="202189" y="5838943"/>
-            <a:ext cx="8739622" cy="830997"/>
-          </a:xfrm>
-          <a:prstGeom prst="rect">
-            <a:avLst/>
-          </a:prstGeom>
-          <a:noFill/>
-        </p:spPr>
-        <p:txBody>
-          <a:bodyPr wrap="square" rtlCol="0">
-            <a:spAutoFit/>
-          </a:bodyPr>
-          <a:lstStyle/>
-          <a:p>
-            <a:r>
-              <a:rPr lang="en-US" sz="2400" dirty="0">
-                <a:solidFill>
-                  <a:srgbClr val="FF0000"/>
-                </a:solidFill>
-              </a:rPr>
-              <a:t>-wo: </a:t>
-            </a:r>
-            <a:r>
-              <a:rPr lang="en-US" sz="2400" dirty="0"/>
-              <a:t>write the original A and B entries plus the number of base pairs of overlap between the two features.</a:t>
-            </a:r>
-          </a:p>
-        </p:txBody>
-      </p:sp>
     </p:spTree>
     <p:extLst>
       <p:ext uri="{BB962C8B-B14F-4D97-AF65-F5344CB8AC3E}">
-        <p14:creationId xmlns:p14="http://schemas.microsoft.com/office/powerpoint/2010/main" val="2067314970"/>
+        <p14:creationId xmlns:p14="http://schemas.microsoft.com/office/powerpoint/2010/main" val="1145269009"/>
       </p:ext>
     </p:extLst>
   </p:cSld>
@@ -8459,7 +8207,7 @@
         </p:nvSpPr>
         <p:spPr>
           <a:xfrm>
-            <a:off x="628650" y="171161"/>
+            <a:off x="628650" y="365127"/>
             <a:ext cx="7886700" cy="787018"/>
           </a:xfrm>
         </p:spPr>
@@ -8472,7 +8220,7 @@
             <a:pPr algn="ctr"/>
             <a:r>
               <a:rPr lang="en-US" sz="3200" dirty="0"/>
-              <a:t>intersect (IV)</a:t>
+              <a:t>intersect (III)</a:t>
             </a:r>
           </a:p>
         </p:txBody>
@@ -8495,13 +8243,13 @@
         </p:nvSpPr>
         <p:spPr>
           <a:xfrm>
-            <a:off x="119062" y="4005073"/>
-            <a:ext cx="8905876" cy="1648691"/>
+            <a:off x="202189" y="4158583"/>
+            <a:ext cx="8739622" cy="1680360"/>
           </a:xfrm>
         </p:spPr>
         <p:txBody>
           <a:bodyPr>
-            <a:normAutofit fontScale="47500" lnSpcReduction="20000"/>
+            <a:normAutofit fontScale="92500" lnSpcReduction="10000"/>
           </a:bodyPr>
           <a:lstStyle/>
           <a:p>
@@ -8509,107 +8257,61 @@
               <a:buNone/>
             </a:pPr>
             <a:r>
-              <a:rPr lang="en-US" sz="4400" dirty="0" err="1">
+              <a:rPr lang="en-US" dirty="0" err="1">
                 <a:latin typeface="Courier" pitchFamily="2" charset="0"/>
               </a:rPr>
               <a:t>bedtools</a:t>
             </a:r>
             <a:r>
-              <a:rPr lang="en-US" sz="4400" dirty="0">
+              <a:rPr lang="en-US" dirty="0">
                 <a:latin typeface="Courier" pitchFamily="2" charset="0"/>
               </a:rPr>
               <a:t> intersect -a d1.bed -b d2.bed </a:t>
             </a:r>
             <a:r>
-              <a:rPr lang="en-US" sz="4400" dirty="0">
+              <a:rPr lang="en-US" dirty="0">
                 <a:solidFill>
                   <a:srgbClr val="FF0000"/>
                 </a:solidFill>
                 <a:latin typeface="Courier" pitchFamily="2" charset="0"/>
               </a:rPr>
-              <a:t>-</a:t>
-            </a:r>
-            <a:r>
-              <a:rPr lang="en-US" sz="4400" dirty="0" err="1">
+              <a:t>-wo</a:t>
+            </a:r>
+          </a:p>
+          <a:p>
+            <a:pPr marL="0" indent="0">
+              <a:buNone/>
+            </a:pPr>
+            <a:r>
+              <a:rPr lang="en-US" sz="2200" dirty="0">
                 <a:solidFill>
                   <a:srgbClr val="FF0000"/>
                 </a:solidFill>
-                <a:latin typeface="Courier" pitchFamily="2" charset="0"/>
-              </a:rPr>
-              <a:t>wao</a:t>
-            </a:r>
-            <a:endParaRPr lang="en-US" sz="4400" dirty="0">
-              <a:solidFill>
-                <a:srgbClr val="FF0000"/>
-              </a:solidFill>
-              <a:latin typeface="Courier" pitchFamily="2" charset="0"/>
-            </a:endParaRPr>
-          </a:p>
-          <a:p>
-            <a:pPr marL="0" indent="0">
-              <a:buNone/>
-            </a:pPr>
-            <a:r>
-              <a:rPr lang="en-US" sz="2900" dirty="0">
+              </a:rPr>
+              <a:t>chr1	10	100</a:t>
+            </a:r>
+            <a:r>
+              <a:rPr lang="en-US" sz="2200" dirty="0"/>
+              <a:t>	a1	.	+	chr1	10	20	a1	.	+	10</a:t>
+            </a:r>
+          </a:p>
+          <a:p>
+            <a:pPr marL="0" indent="0">
+              <a:buNone/>
+            </a:pPr>
+            <a:r>
+              <a:rPr lang="en-US" sz="2200" dirty="0">
                 <a:solidFill>
                   <a:srgbClr val="FF0000"/>
                 </a:solidFill>
-                <a:latin typeface="Courier" pitchFamily="2" charset="0"/>
-              </a:rPr>
-              <a:t>chr1	10	100</a:t>
-            </a:r>
-            <a:r>
-              <a:rPr lang="en-US" sz="2900" dirty="0">
-                <a:latin typeface="Courier" pitchFamily="2" charset="0"/>
-              </a:rPr>
-              <a:t>	a1	.	+	chr1	10	20	a1	.	+	10</a:t>
-            </a:r>
-          </a:p>
-          <a:p>
-            <a:pPr marL="0" indent="0">
-              <a:buNone/>
-            </a:pPr>
-            <a:r>
-              <a:rPr lang="en-US" sz="2900" dirty="0">
-                <a:solidFill>
-                  <a:srgbClr val="FF0000"/>
-                </a:solidFill>
-                <a:latin typeface="Courier" pitchFamily="2" charset="0"/>
               </a:rPr>
               <a:t>chr1	200	300</a:t>
             </a:r>
             <a:r>
-              <a:rPr lang="en-US" sz="2900" dirty="0">
-                <a:latin typeface="Courier" pitchFamily="2" charset="0"/>
-              </a:rPr>
+              <a:rPr lang="en-US" sz="2200" dirty="0"/>
               <a:t>	a2	.	+	chr1	150	250	a2	.	+	50</a:t>
             </a:r>
-          </a:p>
-          <a:p>
-            <a:pPr marL="0" indent="0">
-              <a:buNone/>
-            </a:pPr>
-            <a:r>
-              <a:rPr lang="en-US" sz="2900" dirty="0">
-                <a:solidFill>
-                  <a:srgbClr val="FF0000"/>
-                </a:solidFill>
-                <a:latin typeface="Courier" pitchFamily="2" charset="0"/>
-              </a:rPr>
-              <a:t>chr1	500	550</a:t>
-            </a:r>
-            <a:r>
-              <a:rPr lang="en-US" sz="2900" dirty="0">
-                <a:latin typeface="Courier" pitchFamily="2" charset="0"/>
-              </a:rPr>
-              <a:t>	a3	.	+	.	-1	-1	.	-1	.	0</a:t>
-            </a:r>
-          </a:p>
-          <a:p>
-            <a:pPr marL="0" indent="0">
-              <a:buNone/>
-            </a:pPr>
-            <a:endParaRPr lang="en-US" sz="2400" dirty="0">
+            <a:endParaRPr lang="en-US" sz="2200" dirty="0">
               <a:latin typeface="Courier" pitchFamily="2" charset="0"/>
             </a:endParaRPr>
           </a:p>
@@ -8631,7 +8333,7 @@
         </p:nvSpPr>
         <p:spPr>
           <a:xfrm>
-            <a:off x="628650" y="1039089"/>
+            <a:off x="628650" y="1152145"/>
             <a:ext cx="6922078" cy="3006438"/>
           </a:xfrm>
           <a:prstGeom prst="rect">
@@ -8927,6 +8629,560 @@
           <p:cNvPr id="5" name="TextBox 4">
             <a:extLst>
               <a:ext uri="{FF2B5EF4-FFF2-40B4-BE49-F238E27FC236}">
+                <a16:creationId xmlns:a16="http://schemas.microsoft.com/office/drawing/2014/main" id="{8CB67279-74F5-D748-8230-0D502D579CD6}"/>
+              </a:ext>
+            </a:extLst>
+          </p:cNvPr>
+          <p:cNvSpPr txBox="1"/>
+          <p:nvPr/>
+        </p:nvSpPr>
+        <p:spPr>
+          <a:xfrm>
+            <a:off x="202189" y="5838943"/>
+            <a:ext cx="8739622" cy="830997"/>
+          </a:xfrm>
+          <a:prstGeom prst="rect">
+            <a:avLst/>
+          </a:prstGeom>
+          <a:noFill/>
+        </p:spPr>
+        <p:txBody>
+          <a:bodyPr wrap="square" rtlCol="0">
+            <a:spAutoFit/>
+          </a:bodyPr>
+          <a:lstStyle/>
+          <a:p>
+            <a:r>
+              <a:rPr lang="en-US" sz="2400" dirty="0">
+                <a:solidFill>
+                  <a:srgbClr val="FF0000"/>
+                </a:solidFill>
+              </a:rPr>
+              <a:t>-wo: </a:t>
+            </a:r>
+            <a:r>
+              <a:rPr lang="en-US" sz="2400" dirty="0"/>
+              <a:t>write the original A and B entries plus the number of base pairs of overlap between the two features.</a:t>
+            </a:r>
+          </a:p>
+        </p:txBody>
+      </p:sp>
+    </p:spTree>
+    <p:extLst>
+      <p:ext uri="{BB962C8B-B14F-4D97-AF65-F5344CB8AC3E}">
+        <p14:creationId xmlns:p14="http://schemas.microsoft.com/office/powerpoint/2010/main" val="2067314970"/>
+      </p:ext>
+    </p:extLst>
+  </p:cSld>
+  <p:clrMapOvr>
+    <a:masterClrMapping/>
+  </p:clrMapOvr>
+</p:sld>
+</file>
+
+<file path=ppt/slides/slide18.xml><?xml version="1.0" encoding="utf-8"?>
+<p:sld xmlns:a="http://schemas.openxmlformats.org/drawingml/2006/main" xmlns:r="http://schemas.openxmlformats.org/officeDocument/2006/relationships" xmlns:p="http://schemas.openxmlformats.org/presentationml/2006/main">
+  <p:cSld>
+    <p:spTree>
+      <p:nvGrpSpPr>
+        <p:cNvPr id="1" name=""/>
+        <p:cNvGrpSpPr/>
+        <p:nvPr/>
+      </p:nvGrpSpPr>
+      <p:grpSpPr>
+        <a:xfrm>
+          <a:off x="0" y="0"/>
+          <a:ext cx="0" cy="0"/>
+          <a:chOff x="0" y="0"/>
+          <a:chExt cx="0" cy="0"/>
+        </a:xfrm>
+      </p:grpSpPr>
+      <p:sp>
+        <p:nvSpPr>
+          <p:cNvPr id="2" name="Title 1">
+            <a:extLst>
+              <a:ext uri="{FF2B5EF4-FFF2-40B4-BE49-F238E27FC236}">
+                <a16:creationId xmlns:a16="http://schemas.microsoft.com/office/drawing/2014/main" id="{C2B771A0-17DD-904B-BBA2-ECFD898798C3}"/>
+              </a:ext>
+            </a:extLst>
+          </p:cNvPr>
+          <p:cNvSpPr>
+            <a:spLocks noGrp="1"/>
+          </p:cNvSpPr>
+          <p:nvPr>
+            <p:ph type="title"/>
+          </p:nvPr>
+        </p:nvSpPr>
+        <p:spPr>
+          <a:xfrm>
+            <a:off x="628650" y="171161"/>
+            <a:ext cx="7886700" cy="787018"/>
+          </a:xfrm>
+        </p:spPr>
+        <p:txBody>
+          <a:bodyPr>
+            <a:normAutofit/>
+          </a:bodyPr>
+          <a:lstStyle/>
+          <a:p>
+            <a:pPr algn="ctr"/>
+            <a:r>
+              <a:rPr lang="en-US" sz="3200" dirty="0"/>
+              <a:t>intersect (IV)</a:t>
+            </a:r>
+          </a:p>
+        </p:txBody>
+      </p:sp>
+      <p:sp>
+        <p:nvSpPr>
+          <p:cNvPr id="3" name="Content Placeholder 2">
+            <a:extLst>
+              <a:ext uri="{FF2B5EF4-FFF2-40B4-BE49-F238E27FC236}">
+                <a16:creationId xmlns:a16="http://schemas.microsoft.com/office/drawing/2014/main" id="{3661A253-6582-8B4F-8100-89DD262132B8}"/>
+              </a:ext>
+            </a:extLst>
+          </p:cNvPr>
+          <p:cNvSpPr>
+            <a:spLocks noGrp="1"/>
+          </p:cNvSpPr>
+          <p:nvPr>
+            <p:ph idx="1"/>
+          </p:nvPr>
+        </p:nvSpPr>
+        <p:spPr>
+          <a:xfrm>
+            <a:off x="119062" y="4005073"/>
+            <a:ext cx="8905876" cy="1648691"/>
+          </a:xfrm>
+        </p:spPr>
+        <p:txBody>
+          <a:bodyPr>
+            <a:normAutofit fontScale="47500" lnSpcReduction="20000"/>
+          </a:bodyPr>
+          <a:lstStyle/>
+          <a:p>
+            <a:pPr marL="0" indent="0">
+              <a:buNone/>
+            </a:pPr>
+            <a:r>
+              <a:rPr lang="en-US" sz="4400" dirty="0" err="1">
+                <a:latin typeface="Courier" pitchFamily="2" charset="0"/>
+              </a:rPr>
+              <a:t>bedtools</a:t>
+            </a:r>
+            <a:r>
+              <a:rPr lang="en-US" sz="4400" dirty="0">
+                <a:latin typeface="Courier" pitchFamily="2" charset="0"/>
+              </a:rPr>
+              <a:t> intersect -a d1.bed -b d2.bed </a:t>
+            </a:r>
+            <a:r>
+              <a:rPr lang="en-US" sz="4400" dirty="0">
+                <a:solidFill>
+                  <a:srgbClr val="FF0000"/>
+                </a:solidFill>
+                <a:latin typeface="Courier" pitchFamily="2" charset="0"/>
+              </a:rPr>
+              <a:t>-</a:t>
+            </a:r>
+            <a:r>
+              <a:rPr lang="en-US" sz="4400" dirty="0" err="1">
+                <a:solidFill>
+                  <a:srgbClr val="FF0000"/>
+                </a:solidFill>
+                <a:latin typeface="Courier" pitchFamily="2" charset="0"/>
+              </a:rPr>
+              <a:t>wao</a:t>
+            </a:r>
+            <a:endParaRPr lang="en-US" sz="4400" dirty="0">
+              <a:solidFill>
+                <a:srgbClr val="FF0000"/>
+              </a:solidFill>
+              <a:latin typeface="Courier" pitchFamily="2" charset="0"/>
+            </a:endParaRPr>
+          </a:p>
+          <a:p>
+            <a:pPr marL="0" indent="0">
+              <a:buNone/>
+            </a:pPr>
+            <a:r>
+              <a:rPr lang="en-US" sz="2900" dirty="0">
+                <a:solidFill>
+                  <a:srgbClr val="FF0000"/>
+                </a:solidFill>
+                <a:latin typeface="Courier" pitchFamily="2" charset="0"/>
+              </a:rPr>
+              <a:t>chr1	10	100</a:t>
+            </a:r>
+            <a:r>
+              <a:rPr lang="en-US" sz="2900" dirty="0">
+                <a:latin typeface="Courier" pitchFamily="2" charset="0"/>
+              </a:rPr>
+              <a:t>	a1	.	+	chr1	10	20	a1	.	+	10</a:t>
+            </a:r>
+          </a:p>
+          <a:p>
+            <a:pPr marL="0" indent="0">
+              <a:buNone/>
+            </a:pPr>
+            <a:r>
+              <a:rPr lang="en-US" sz="2900" dirty="0">
+                <a:solidFill>
+                  <a:srgbClr val="FF0000"/>
+                </a:solidFill>
+                <a:latin typeface="Courier" pitchFamily="2" charset="0"/>
+              </a:rPr>
+              <a:t>chr1	200	300</a:t>
+            </a:r>
+            <a:r>
+              <a:rPr lang="en-US" sz="2900" dirty="0">
+                <a:latin typeface="Courier" pitchFamily="2" charset="0"/>
+              </a:rPr>
+              <a:t>	a2	.	+	chr1	150	250	a2	.	+	50</a:t>
+            </a:r>
+          </a:p>
+          <a:p>
+            <a:pPr marL="0" indent="0">
+              <a:buNone/>
+            </a:pPr>
+            <a:r>
+              <a:rPr lang="en-US" sz="2900" dirty="0">
+                <a:solidFill>
+                  <a:srgbClr val="FF0000"/>
+                </a:solidFill>
+                <a:latin typeface="Courier" pitchFamily="2" charset="0"/>
+              </a:rPr>
+              <a:t>chr1	500	550</a:t>
+            </a:r>
+            <a:r>
+              <a:rPr lang="en-US" sz="2900" dirty="0">
+                <a:latin typeface="Courier" pitchFamily="2" charset="0"/>
+              </a:rPr>
+              <a:t>	a3	.	+	.	-1	-1	.	-1	.	0</a:t>
+            </a:r>
+          </a:p>
+          <a:p>
+            <a:pPr marL="0" indent="0">
+              <a:buNone/>
+            </a:pPr>
+            <a:endParaRPr lang="en-US" sz="2400" dirty="0">
+              <a:latin typeface="Courier" pitchFamily="2" charset="0"/>
+            </a:endParaRPr>
+          </a:p>
+        </p:txBody>
+      </p:sp>
+      <p:sp>
+        <p:nvSpPr>
+          <p:cNvPr id="4" name="Content Placeholder 2">
+            <a:extLst>
+              <a:ext uri="{FF2B5EF4-FFF2-40B4-BE49-F238E27FC236}">
+                <a16:creationId xmlns:a16="http://schemas.microsoft.com/office/drawing/2014/main" id="{0315AA59-B4DA-874A-A506-2C40551460CD}"/>
+              </a:ext>
+            </a:extLst>
+          </p:cNvPr>
+          <p:cNvSpPr txBox="1">
+            <a:spLocks/>
+          </p:cNvSpPr>
+          <p:nvPr/>
+        </p:nvSpPr>
+        <p:spPr>
+          <a:xfrm>
+            <a:off x="628650" y="1039089"/>
+            <a:ext cx="6922078" cy="3006438"/>
+          </a:xfrm>
+          <a:prstGeom prst="rect">
+            <a:avLst/>
+          </a:prstGeom>
+        </p:spPr>
+        <p:txBody>
+          <a:bodyPr vert="horz" lIns="91440" tIns="45720" rIns="91440" bIns="45720" rtlCol="0">
+            <a:noAutofit/>
+          </a:bodyPr>
+          <a:lstStyle>
+            <a:lvl1pPr marL="228600" indent="-228600" algn="l" defTabSz="914400" rtl="0" eaLnBrk="1" latinLnBrk="0" hangingPunct="1">
+              <a:lnSpc>
+                <a:spcPct val="90000"/>
+              </a:lnSpc>
+              <a:spcBef>
+                <a:spcPts val="1000"/>
+              </a:spcBef>
+              <a:buFont typeface="Arial" panose="020B0604020202020204" pitchFamily="34" charset="0"/>
+              <a:buChar char="•"/>
+              <a:defRPr sz="2800" kern="1200">
+                <a:solidFill>
+                  <a:schemeClr val="tx1"/>
+                </a:solidFill>
+                <a:latin typeface="+mn-lt"/>
+                <a:ea typeface="+mn-ea"/>
+                <a:cs typeface="+mn-cs"/>
+              </a:defRPr>
+            </a:lvl1pPr>
+            <a:lvl2pPr marL="685800" indent="-228600" algn="l" defTabSz="914400" rtl="0" eaLnBrk="1" latinLnBrk="0" hangingPunct="1">
+              <a:lnSpc>
+                <a:spcPct val="90000"/>
+              </a:lnSpc>
+              <a:spcBef>
+                <a:spcPts val="500"/>
+              </a:spcBef>
+              <a:buFont typeface="Arial" panose="020B0604020202020204" pitchFamily="34" charset="0"/>
+              <a:buChar char="•"/>
+              <a:defRPr sz="2400" kern="1200">
+                <a:solidFill>
+                  <a:schemeClr val="tx1"/>
+                </a:solidFill>
+                <a:latin typeface="+mn-lt"/>
+                <a:ea typeface="+mn-ea"/>
+                <a:cs typeface="+mn-cs"/>
+              </a:defRPr>
+            </a:lvl2pPr>
+            <a:lvl3pPr marL="1143000" indent="-228600" algn="l" defTabSz="914400" rtl="0" eaLnBrk="1" latinLnBrk="0" hangingPunct="1">
+              <a:lnSpc>
+                <a:spcPct val="90000"/>
+              </a:lnSpc>
+              <a:spcBef>
+                <a:spcPts val="500"/>
+              </a:spcBef>
+              <a:buFont typeface="Arial" panose="020B0604020202020204" pitchFamily="34" charset="0"/>
+              <a:buChar char="•"/>
+              <a:defRPr sz="2000" kern="1200">
+                <a:solidFill>
+                  <a:schemeClr val="tx1"/>
+                </a:solidFill>
+                <a:latin typeface="+mn-lt"/>
+                <a:ea typeface="+mn-ea"/>
+                <a:cs typeface="+mn-cs"/>
+              </a:defRPr>
+            </a:lvl3pPr>
+            <a:lvl4pPr marL="1600200" indent="-228600" algn="l" defTabSz="914400" rtl="0" eaLnBrk="1" latinLnBrk="0" hangingPunct="1">
+              <a:lnSpc>
+                <a:spcPct val="90000"/>
+              </a:lnSpc>
+              <a:spcBef>
+                <a:spcPts val="500"/>
+              </a:spcBef>
+              <a:buFont typeface="Arial" panose="020B0604020202020204" pitchFamily="34" charset="0"/>
+              <a:buChar char="•"/>
+              <a:defRPr sz="1800" kern="1200">
+                <a:solidFill>
+                  <a:schemeClr val="tx1"/>
+                </a:solidFill>
+                <a:latin typeface="+mn-lt"/>
+                <a:ea typeface="+mn-ea"/>
+                <a:cs typeface="+mn-cs"/>
+              </a:defRPr>
+            </a:lvl4pPr>
+            <a:lvl5pPr marL="2057400" indent="-228600" algn="l" defTabSz="914400" rtl="0" eaLnBrk="1" latinLnBrk="0" hangingPunct="1">
+              <a:lnSpc>
+                <a:spcPct val="90000"/>
+              </a:lnSpc>
+              <a:spcBef>
+                <a:spcPts val="500"/>
+              </a:spcBef>
+              <a:buFont typeface="Arial" panose="020B0604020202020204" pitchFamily="34" charset="0"/>
+              <a:buChar char="•"/>
+              <a:defRPr sz="1800" kern="1200">
+                <a:solidFill>
+                  <a:schemeClr val="tx1"/>
+                </a:solidFill>
+                <a:latin typeface="+mn-lt"/>
+                <a:ea typeface="+mn-ea"/>
+                <a:cs typeface="+mn-cs"/>
+              </a:defRPr>
+            </a:lvl5pPr>
+            <a:lvl6pPr marL="2514600" indent="-228600" algn="l" defTabSz="914400" rtl="0" eaLnBrk="1" latinLnBrk="0" hangingPunct="1">
+              <a:lnSpc>
+                <a:spcPct val="90000"/>
+              </a:lnSpc>
+              <a:spcBef>
+                <a:spcPts val="500"/>
+              </a:spcBef>
+              <a:buFont typeface="Arial" panose="020B0604020202020204" pitchFamily="34" charset="0"/>
+              <a:buChar char="•"/>
+              <a:defRPr sz="1800" kern="1200">
+                <a:solidFill>
+                  <a:schemeClr val="tx1"/>
+                </a:solidFill>
+                <a:latin typeface="+mn-lt"/>
+                <a:ea typeface="+mn-ea"/>
+                <a:cs typeface="+mn-cs"/>
+              </a:defRPr>
+            </a:lvl6pPr>
+            <a:lvl7pPr marL="2971800" indent="-228600" algn="l" defTabSz="914400" rtl="0" eaLnBrk="1" latinLnBrk="0" hangingPunct="1">
+              <a:lnSpc>
+                <a:spcPct val="90000"/>
+              </a:lnSpc>
+              <a:spcBef>
+                <a:spcPts val="500"/>
+              </a:spcBef>
+              <a:buFont typeface="Arial" panose="020B0604020202020204" pitchFamily="34" charset="0"/>
+              <a:buChar char="•"/>
+              <a:defRPr sz="1800" kern="1200">
+                <a:solidFill>
+                  <a:schemeClr val="tx1"/>
+                </a:solidFill>
+                <a:latin typeface="+mn-lt"/>
+                <a:ea typeface="+mn-ea"/>
+                <a:cs typeface="+mn-cs"/>
+              </a:defRPr>
+            </a:lvl7pPr>
+            <a:lvl8pPr marL="3429000" indent="-228600" algn="l" defTabSz="914400" rtl="0" eaLnBrk="1" latinLnBrk="0" hangingPunct="1">
+              <a:lnSpc>
+                <a:spcPct val="90000"/>
+              </a:lnSpc>
+              <a:spcBef>
+                <a:spcPts val="500"/>
+              </a:spcBef>
+              <a:buFont typeface="Arial" panose="020B0604020202020204" pitchFamily="34" charset="0"/>
+              <a:buChar char="•"/>
+              <a:defRPr sz="1800" kern="1200">
+                <a:solidFill>
+                  <a:schemeClr val="tx1"/>
+                </a:solidFill>
+                <a:latin typeface="+mn-lt"/>
+                <a:ea typeface="+mn-ea"/>
+                <a:cs typeface="+mn-cs"/>
+              </a:defRPr>
+            </a:lvl8pPr>
+            <a:lvl9pPr marL="3886200" indent="-228600" algn="l" defTabSz="914400" rtl="0" eaLnBrk="1" latinLnBrk="0" hangingPunct="1">
+              <a:lnSpc>
+                <a:spcPct val="90000"/>
+              </a:lnSpc>
+              <a:spcBef>
+                <a:spcPts val="500"/>
+              </a:spcBef>
+              <a:buFont typeface="Arial" panose="020B0604020202020204" pitchFamily="34" charset="0"/>
+              <a:buChar char="•"/>
+              <a:defRPr sz="1800" kern="1200">
+                <a:solidFill>
+                  <a:schemeClr val="tx1"/>
+                </a:solidFill>
+                <a:latin typeface="+mn-lt"/>
+                <a:ea typeface="+mn-ea"/>
+                <a:cs typeface="+mn-cs"/>
+              </a:defRPr>
+            </a:lvl9pPr>
+          </a:lstStyle>
+          <a:p>
+            <a:pPr marL="0" indent="0">
+              <a:lnSpc>
+                <a:spcPts val="1500"/>
+              </a:lnSpc>
+              <a:buFont typeface="Arial" panose="020B0604020202020204" pitchFamily="34" charset="0"/>
+              <a:buNone/>
+            </a:pPr>
+            <a:r>
+              <a:rPr lang="en-US" sz="1800" b="1" dirty="0"/>
+              <a:t>cat d1.bed</a:t>
+            </a:r>
+          </a:p>
+          <a:p>
+            <a:pPr marL="0" indent="0">
+              <a:lnSpc>
+                <a:spcPts val="1500"/>
+              </a:lnSpc>
+              <a:buFont typeface="Arial" panose="020B0604020202020204" pitchFamily="34" charset="0"/>
+              <a:buNone/>
+            </a:pPr>
+            <a:r>
+              <a:rPr lang="en-US" sz="1800" dirty="0"/>
+              <a:t>chr1	10	100	a1	.	+</a:t>
+            </a:r>
+          </a:p>
+          <a:p>
+            <a:pPr marL="0" indent="0">
+              <a:lnSpc>
+                <a:spcPts val="1500"/>
+              </a:lnSpc>
+              <a:buFont typeface="Arial" panose="020B0604020202020204" pitchFamily="34" charset="0"/>
+              <a:buNone/>
+            </a:pPr>
+            <a:r>
+              <a:rPr lang="en-US" sz="1800" dirty="0"/>
+              <a:t>chr1	200	300	a2	.	+</a:t>
+            </a:r>
+          </a:p>
+          <a:p>
+            <a:pPr marL="0" indent="0">
+              <a:lnSpc>
+                <a:spcPts val="1500"/>
+              </a:lnSpc>
+              <a:buFont typeface="Arial" panose="020B0604020202020204" pitchFamily="34" charset="0"/>
+              <a:buNone/>
+            </a:pPr>
+            <a:r>
+              <a:rPr lang="en-US" sz="1800" dirty="0"/>
+              <a:t>chr1	500	550	a3	.	+</a:t>
+            </a:r>
+          </a:p>
+          <a:p>
+            <a:pPr marL="0" indent="0">
+              <a:lnSpc>
+                <a:spcPts val="1500"/>
+              </a:lnSpc>
+              <a:buFont typeface="Arial" panose="020B0604020202020204" pitchFamily="34" charset="0"/>
+              <a:buNone/>
+            </a:pPr>
+            <a:endParaRPr lang="en-US" sz="1800" dirty="0"/>
+          </a:p>
+          <a:p>
+            <a:pPr marL="0" indent="0">
+              <a:lnSpc>
+                <a:spcPts val="1500"/>
+              </a:lnSpc>
+              <a:buFont typeface="Arial" panose="020B0604020202020204" pitchFamily="34" charset="0"/>
+              <a:buNone/>
+            </a:pPr>
+            <a:r>
+              <a:rPr lang="en-US" sz="1800" b="1" dirty="0"/>
+              <a:t>cat d2.bed</a:t>
+            </a:r>
+          </a:p>
+          <a:p>
+            <a:pPr marL="0" indent="0">
+              <a:lnSpc>
+                <a:spcPts val="1500"/>
+              </a:lnSpc>
+              <a:buFont typeface="Arial" panose="020B0604020202020204" pitchFamily="34" charset="0"/>
+              <a:buNone/>
+            </a:pPr>
+            <a:r>
+              <a:rPr lang="en-US" sz="1800" dirty="0"/>
+              <a:t>chr1	10	20	a1	.	+</a:t>
+            </a:r>
+          </a:p>
+          <a:p>
+            <a:pPr marL="0" indent="0">
+              <a:lnSpc>
+                <a:spcPts val="1500"/>
+              </a:lnSpc>
+              <a:buFont typeface="Arial" panose="020B0604020202020204" pitchFamily="34" charset="0"/>
+              <a:buNone/>
+            </a:pPr>
+            <a:r>
+              <a:rPr lang="en-US" sz="1800" dirty="0"/>
+              <a:t>chr1	150	250	a2	.	+</a:t>
+            </a:r>
+          </a:p>
+          <a:p>
+            <a:pPr marL="0" indent="0">
+              <a:lnSpc>
+                <a:spcPts val="1500"/>
+              </a:lnSpc>
+              <a:buFont typeface="Arial" panose="020B0604020202020204" pitchFamily="34" charset="0"/>
+              <a:buNone/>
+            </a:pPr>
+            <a:r>
+              <a:rPr lang="en-US" sz="1800" dirty="0"/>
+              <a:t>chr1	600	750	a3	.	+</a:t>
+            </a:r>
+          </a:p>
+        </p:txBody>
+      </p:sp>
+      <p:sp>
+        <p:nvSpPr>
+          <p:cNvPr id="5" name="TextBox 4">
+            <a:extLst>
+              <a:ext uri="{FF2B5EF4-FFF2-40B4-BE49-F238E27FC236}">
                 <a16:creationId xmlns:a16="http://schemas.microsoft.com/office/drawing/2014/main" id="{6C255EDC-AFCC-794B-A8D7-F30D02085FD4}"/>
               </a:ext>
             </a:extLst>
@@ -8994,7 +9250,7 @@
 </p:sld>
 </file>
 
-<file path=ppt/slides/slide18.xml><?xml version="1.0" encoding="utf-8"?>
+<file path=ppt/slides/slide19.xml><?xml version="1.0" encoding="utf-8"?>
 <p:sld xmlns:a="http://schemas.openxmlformats.org/drawingml/2006/main" xmlns:r="http://schemas.openxmlformats.org/officeDocument/2006/relationships" xmlns:p="http://schemas.openxmlformats.org/presentationml/2006/main">
   <p:cSld>
     <p:spTree>
@@ -9565,201 +9821,6 @@
 </p:sld>
 </file>
 
-<file path=ppt/slides/slide19.xml><?xml version="1.0" encoding="utf-8"?>
-<p:sld xmlns:a="http://schemas.openxmlformats.org/drawingml/2006/main" xmlns:r="http://schemas.openxmlformats.org/officeDocument/2006/relationships" xmlns:p="http://schemas.openxmlformats.org/presentationml/2006/main">
-  <p:cSld>
-    <p:spTree>
-      <p:nvGrpSpPr>
-        <p:cNvPr id="1" name=""/>
-        <p:cNvGrpSpPr/>
-        <p:nvPr/>
-      </p:nvGrpSpPr>
-      <p:grpSpPr>
-        <a:xfrm>
-          <a:off x="0" y="0"/>
-          <a:ext cx="0" cy="0"/>
-          <a:chOff x="0" y="0"/>
-          <a:chExt cx="0" cy="0"/>
-        </a:xfrm>
-      </p:grpSpPr>
-      <p:sp>
-        <p:nvSpPr>
-          <p:cNvPr id="2" name="Title 1"/>
-          <p:cNvSpPr>
-            <a:spLocks noGrp="1"/>
-          </p:cNvSpPr>
-          <p:nvPr>
-            <p:ph type="title"/>
-          </p:nvPr>
-        </p:nvSpPr>
-        <p:spPr>
-          <a:xfrm>
-            <a:off x="628650" y="365126"/>
-            <a:ext cx="7886700" cy="867929"/>
-          </a:xfrm>
-        </p:spPr>
-        <p:txBody>
-          <a:bodyPr>
-            <a:normAutofit/>
-          </a:bodyPr>
-          <a:lstStyle/>
-          <a:p>
-            <a:pPr algn="ctr"/>
-            <a:r>
-              <a:rPr lang="en-US" sz="3600" dirty="0"/>
-              <a:t>closest</a:t>
-            </a:r>
-          </a:p>
-        </p:txBody>
-      </p:sp>
-      <p:sp>
-        <p:nvSpPr>
-          <p:cNvPr id="3" name="Content Placeholder 2"/>
-          <p:cNvSpPr>
-            <a:spLocks noGrp="1"/>
-          </p:cNvSpPr>
-          <p:nvPr>
-            <p:ph idx="1"/>
-          </p:nvPr>
-        </p:nvSpPr>
-        <p:spPr>
-          <a:xfrm>
-            <a:off x="454136" y="1702669"/>
-            <a:ext cx="8376804" cy="3031172"/>
-          </a:xfrm>
-        </p:spPr>
-        <p:txBody>
-          <a:bodyPr>
-            <a:normAutofit/>
-          </a:bodyPr>
-          <a:lstStyle/>
-          <a:p>
-            <a:pPr marL="0" indent="0">
-              <a:buNone/>
-            </a:pPr>
-            <a:r>
-              <a:rPr lang="en-US" sz="2400" dirty="0"/>
-              <a:t># find the closest, non-overlapping gene for each peak interval</a:t>
-            </a:r>
-          </a:p>
-          <a:p>
-            <a:pPr marL="0" indent="0">
-              <a:buNone/>
-            </a:pPr>
-            <a:endParaRPr lang="en-US" sz="2400" dirty="0"/>
-          </a:p>
-          <a:p>
-            <a:pPr marL="0" indent="0">
-              <a:buNone/>
-            </a:pPr>
-            <a:r>
-              <a:rPr lang="en-US" sz="2200" dirty="0" err="1">
-                <a:latin typeface="Courier New" panose="02070309020205020404" pitchFamily="49" charset="0"/>
-                <a:cs typeface="Courier New" panose="02070309020205020404" pitchFamily="49" charset="0"/>
-              </a:rPr>
-              <a:t>Bedtools</a:t>
-            </a:r>
-            <a:r>
-              <a:rPr lang="en-US" sz="2200" dirty="0">
-                <a:latin typeface="Courier New" panose="02070309020205020404" pitchFamily="49" charset="0"/>
-                <a:cs typeface="Courier New" panose="02070309020205020404" pitchFamily="49" charset="0"/>
-              </a:rPr>
-              <a:t> closest -a </a:t>
-            </a:r>
-            <a:r>
-              <a:rPr lang="en-US" sz="2200" dirty="0" err="1">
-                <a:latin typeface="Courier New" panose="02070309020205020404" pitchFamily="49" charset="0"/>
-                <a:cs typeface="Courier New" panose="02070309020205020404" pitchFamily="49" charset="0"/>
-              </a:rPr>
-              <a:t>peak.bed</a:t>
-            </a:r>
-            <a:r>
-              <a:rPr lang="en-US" sz="2200" dirty="0">
-                <a:latin typeface="Courier New" panose="02070309020205020404" pitchFamily="49" charset="0"/>
-                <a:cs typeface="Courier New" panose="02070309020205020404" pitchFamily="49" charset="0"/>
-              </a:rPr>
-              <a:t> -b </a:t>
-            </a:r>
-            <a:r>
-              <a:rPr lang="en-US" sz="2200" dirty="0" err="1">
-                <a:latin typeface="Courier New" panose="02070309020205020404" pitchFamily="49" charset="0"/>
-                <a:cs typeface="Courier New" panose="02070309020205020404" pitchFamily="49" charset="0"/>
-              </a:rPr>
-              <a:t>genes.bed</a:t>
-            </a:r>
-            <a:r>
-              <a:rPr lang="en-US" sz="2200" dirty="0">
-                <a:latin typeface="Courier New" panose="02070309020205020404" pitchFamily="49" charset="0"/>
-                <a:cs typeface="Courier New" panose="02070309020205020404" pitchFamily="49" charset="0"/>
-              </a:rPr>
-              <a:t> -io \</a:t>
-            </a:r>
-          </a:p>
-          <a:p>
-            <a:pPr marL="0" indent="0">
-              <a:buNone/>
-            </a:pPr>
-            <a:r>
-              <a:rPr lang="en-US" sz="2200" dirty="0">
-                <a:latin typeface="Courier New" panose="02070309020205020404" pitchFamily="49" charset="0"/>
-                <a:cs typeface="Courier New" panose="02070309020205020404" pitchFamily="49" charset="0"/>
-              </a:rPr>
-              <a:t>	&gt; </a:t>
-            </a:r>
-            <a:r>
-              <a:rPr lang="en-US" sz="2200" dirty="0" err="1">
-                <a:latin typeface="Courier New" panose="02070309020205020404" pitchFamily="49" charset="0"/>
-                <a:cs typeface="Courier New" panose="02070309020205020404" pitchFamily="49" charset="0"/>
-              </a:rPr>
-              <a:t>peak.near.genes.bed</a:t>
-            </a:r>
-            <a:endParaRPr lang="en-US" sz="2200" dirty="0">
-              <a:latin typeface="Courier New" panose="02070309020205020404" pitchFamily="49" charset="0"/>
-              <a:cs typeface="Courier New" panose="02070309020205020404" pitchFamily="49" charset="0"/>
-            </a:endParaRPr>
-          </a:p>
-          <a:p>
-            <a:pPr marL="0" indent="0">
-              <a:buNone/>
-            </a:pPr>
-            <a:endParaRPr lang="en-US" sz="2400" dirty="0"/>
-          </a:p>
-          <a:p>
-            <a:pPr marL="0" indent="0">
-              <a:buNone/>
-            </a:pPr>
-            <a:r>
-              <a:rPr lang="en-US" sz="1900" dirty="0">
-                <a:solidFill>
-                  <a:schemeClr val="bg1">
-                    <a:lumMod val="50000"/>
-                  </a:schemeClr>
-                </a:solidFill>
-              </a:rPr>
-              <a:t># -io Ignore features in B that overlap A.  That is, we want close, yet not touching features only.</a:t>
-            </a:r>
-          </a:p>
-          <a:p>
-            <a:pPr marL="0" indent="0">
-              <a:buNone/>
-            </a:pPr>
-            <a:endParaRPr lang="en-US" sz="2400" dirty="0"/>
-          </a:p>
-        </p:txBody>
-      </p:sp>
-    </p:spTree>
-    <p:extLst>
-      <p:ext uri="{BB962C8B-B14F-4D97-AF65-F5344CB8AC3E}">
-        <p14:creationId xmlns:p14="http://schemas.microsoft.com/office/powerpoint/2010/main" val="1727381128"/>
-      </p:ext>
-    </p:extLst>
-  </p:cSld>
-  <p:clrMapOvr>
-    <a:masterClrMapping/>
-  </p:clrMapOvr>
-</p:sld>
-</file>
-
 <file path=ppt/slides/slide2.xml><?xml version="1.0" encoding="utf-8"?>
 <p:sld xmlns:a="http://schemas.openxmlformats.org/drawingml/2006/main" xmlns:r="http://schemas.openxmlformats.org/officeDocument/2006/relationships" xmlns:p="http://schemas.openxmlformats.org/presentationml/2006/main">
   <p:cSld>
@@ -10005,8 +10066,8 @@
         </p:nvSpPr>
         <p:spPr>
           <a:xfrm>
-            <a:off x="628650" y="365127"/>
-            <a:ext cx="7886700" cy="854074"/>
+            <a:off x="628650" y="365126"/>
+            <a:ext cx="7886700" cy="867929"/>
           </a:xfrm>
         </p:spPr>
         <p:txBody>
@@ -10018,7 +10079,7 @@
             <a:pPr algn="ctr"/>
             <a:r>
               <a:rPr lang="en-US" sz="3600" dirty="0"/>
-              <a:t>slop &amp; complement</a:t>
+              <a:t>closest</a:t>
             </a:r>
           </a:p>
         </p:txBody>
@@ -10035,13 +10096,13 @@
         </p:nvSpPr>
         <p:spPr>
           <a:xfrm>
-            <a:off x="432428" y="1219201"/>
-            <a:ext cx="8510619" cy="5416268"/>
+            <a:off x="454136" y="1702669"/>
+            <a:ext cx="8376804" cy="3031172"/>
           </a:xfrm>
         </p:spPr>
         <p:txBody>
           <a:bodyPr>
-            <a:noAutofit/>
+            <a:normAutofit/>
           </a:bodyPr>
           <a:lstStyle/>
           <a:p>
@@ -10049,99 +10110,85 @@
               <a:buNone/>
             </a:pPr>
             <a:r>
-              <a:rPr lang="en-US" sz="2400" dirty="0">
-                <a:solidFill>
-                  <a:schemeClr val="tx1">
-                    <a:lumMod val="50000"/>
-                    <a:lumOff val="50000"/>
-                  </a:schemeClr>
-                </a:solidFill>
-              </a:rPr>
-              <a:t># Add 500 bp up and downstream of each probe</a:t>
-            </a:r>
-          </a:p>
-          <a:p>
-            <a:pPr marL="0" indent="0">
-              <a:buNone/>
-            </a:pPr>
-            <a:r>
-              <a:rPr lang="en-US" sz="2400" dirty="0" err="1">
+              <a:rPr lang="en-US" sz="2400" dirty="0"/>
+              <a:t># find the closest, non-overlapping gene for each peak interval</a:t>
+            </a:r>
+          </a:p>
+          <a:p>
+            <a:pPr marL="0" indent="0">
+              <a:buNone/>
+            </a:pPr>
+            <a:endParaRPr lang="en-US" sz="2400" dirty="0"/>
+          </a:p>
+          <a:p>
+            <a:pPr marL="0" indent="0">
+              <a:buNone/>
+            </a:pPr>
+            <a:r>
+              <a:rPr lang="en-US" sz="2200" dirty="0" err="1">
                 <a:latin typeface="Courier New" panose="02070309020205020404" pitchFamily="49" charset="0"/>
                 <a:cs typeface="Courier New" panose="02070309020205020404" pitchFamily="49" charset="0"/>
               </a:rPr>
-              <a:t>bedtools</a:t>
-            </a:r>
-            <a:r>
-              <a:rPr lang="en-US" sz="2400" dirty="0">
+              <a:t>Bedtools</a:t>
+            </a:r>
+            <a:r>
+              <a:rPr lang="en-US" sz="2200" dirty="0">
                 <a:latin typeface="Courier New" panose="02070309020205020404" pitchFamily="49" charset="0"/>
                 <a:cs typeface="Courier New" panose="02070309020205020404" pitchFamily="49" charset="0"/>
               </a:rPr>
-              <a:t> slop \</a:t>
-            </a:r>
-          </a:p>
-          <a:p>
-            <a:pPr marL="0" indent="0">
-              <a:buNone/>
-            </a:pPr>
-            <a:r>
-              <a:rPr lang="en-US" sz="2400" dirty="0">
+              <a:t> closest -a </a:t>
+            </a:r>
+            <a:r>
+              <a:rPr lang="en-US" sz="2200" dirty="0" err="1">
                 <a:latin typeface="Courier New" panose="02070309020205020404" pitchFamily="49" charset="0"/>
                 <a:cs typeface="Courier New" panose="02070309020205020404" pitchFamily="49" charset="0"/>
               </a:rPr>
-              <a:t>	-</a:t>
-            </a:r>
-            <a:r>
-              <a:rPr lang="en-US" sz="2400" dirty="0" err="1">
+              <a:t>peak.bed</a:t>
+            </a:r>
+            <a:r>
+              <a:rPr lang="en-US" sz="2200" dirty="0">
                 <a:latin typeface="Courier New" panose="02070309020205020404" pitchFamily="49" charset="0"/>
                 <a:cs typeface="Courier New" panose="02070309020205020404" pitchFamily="49" charset="0"/>
               </a:rPr>
-              <a:t>i</a:t>
-            </a:r>
-            <a:r>
-              <a:rPr lang="en-US" sz="2400" dirty="0">
+              <a:t> -b </a:t>
+            </a:r>
+            <a:r>
+              <a:rPr lang="en-US" sz="2200" dirty="0" err="1">
                 <a:latin typeface="Courier New" panose="02070309020205020404" pitchFamily="49" charset="0"/>
                 <a:cs typeface="Courier New" panose="02070309020205020404" pitchFamily="49" charset="0"/>
               </a:rPr>
-              <a:t> </a:t>
-            </a:r>
-            <a:r>
-              <a:rPr lang="en-US" sz="2400" dirty="0" err="1">
+              <a:t>genes.bed</a:t>
+            </a:r>
+            <a:r>
+              <a:rPr lang="en-US" sz="2200" dirty="0">
                 <a:latin typeface="Courier New" panose="02070309020205020404" pitchFamily="49" charset="0"/>
                 <a:cs typeface="Courier New" panose="02070309020205020404" pitchFamily="49" charset="0"/>
               </a:rPr>
-              <a:t>probes.bed</a:t>
-            </a:r>
-            <a:r>
-              <a:rPr lang="en-US" sz="2400" dirty="0">
+              <a:t> -io \</a:t>
+            </a:r>
+          </a:p>
+          <a:p>
+            <a:pPr marL="0" indent="0">
+              <a:buNone/>
+            </a:pPr>
+            <a:r>
+              <a:rPr lang="en-US" sz="2200" dirty="0">
                 <a:latin typeface="Courier New" panose="02070309020205020404" pitchFamily="49" charset="0"/>
                 <a:cs typeface="Courier New" panose="02070309020205020404" pitchFamily="49" charset="0"/>
               </a:rPr>
-              <a:t> \</a:t>
-            </a:r>
-          </a:p>
-          <a:p>
-            <a:pPr marL="0" indent="0">
-              <a:buNone/>
-            </a:pPr>
-            <a:r>
-              <a:rPr lang="en-US" sz="2400" dirty="0">
+              <a:t>	&gt; </a:t>
+            </a:r>
+            <a:r>
+              <a:rPr lang="en-US" sz="2200" dirty="0" err="1">
                 <a:latin typeface="Courier New" panose="02070309020205020404" pitchFamily="49" charset="0"/>
                 <a:cs typeface="Courier New" panose="02070309020205020404" pitchFamily="49" charset="0"/>
               </a:rPr>
-              <a:t>	-b 500 \</a:t>
-            </a:r>
-          </a:p>
-          <a:p>
-            <a:pPr marL="0" indent="0">
-              <a:buNone/>
-            </a:pPr>
-            <a:r>
-              <a:rPr lang="en-US" sz="2400" dirty="0">
-                <a:latin typeface="Courier New" panose="02070309020205020404" pitchFamily="49" charset="0"/>
-                <a:cs typeface="Courier New" panose="02070309020205020404" pitchFamily="49" charset="0"/>
-              </a:rPr>
-              <a:t>	&gt; p.500bp.bed</a:t>
-            </a:r>
+              <a:t>peak.near.genes.bed</a:t>
+            </a:r>
+            <a:endParaRPr lang="en-US" sz="2200" dirty="0">
+              <a:latin typeface="Courier New" panose="02070309020205020404" pitchFamily="49" charset="0"/>
+              <a:cs typeface="Courier New" panose="02070309020205020404" pitchFamily="49" charset="0"/>
+            </a:endParaRPr>
           </a:p>
           <a:p>
             <a:pPr marL="0" indent="0">
@@ -10154,92 +10201,28 @@
               <a:buNone/>
             </a:pPr>
             <a:r>
-              <a:rPr lang="en-US" sz="2400" dirty="0">
-                <a:solidFill>
-                  <a:schemeClr val="tx1">
+              <a:rPr lang="en-US" sz="1900" dirty="0">
+                <a:solidFill>
+                  <a:schemeClr val="bg1">
                     <a:lumMod val="50000"/>
-                    <a:lumOff val="50000"/>
                   </a:schemeClr>
                 </a:solidFill>
               </a:rPr>
-              <a:t># Get a BED file of regions not covered by the input BED</a:t>
-            </a:r>
-          </a:p>
-          <a:p>
-            <a:pPr marL="0" indent="0">
-              <a:buNone/>
-            </a:pPr>
-            <a:r>
-              <a:rPr lang="en-US" sz="2400" dirty="0" err="1">
-                <a:latin typeface="Courier New" panose="02070309020205020404" pitchFamily="49" charset="0"/>
-                <a:cs typeface="Courier New" panose="02070309020205020404" pitchFamily="49" charset="0"/>
-              </a:rPr>
-              <a:t>bedtools</a:t>
-            </a:r>
-            <a:r>
-              <a:rPr lang="en-US" sz="2400" dirty="0">
-                <a:latin typeface="Courier New" panose="02070309020205020404" pitchFamily="49" charset="0"/>
-                <a:cs typeface="Courier New" panose="02070309020205020404" pitchFamily="49" charset="0"/>
-              </a:rPr>
-              <a:t> complement \</a:t>
-            </a:r>
-          </a:p>
-          <a:p>
-            <a:pPr marL="0" indent="0">
-              <a:buNone/>
-            </a:pPr>
-            <a:r>
-              <a:rPr lang="en-US" sz="2400" dirty="0">
-                <a:latin typeface="Courier New" panose="02070309020205020404" pitchFamily="49" charset="0"/>
-                <a:cs typeface="Courier New" panose="02070309020205020404" pitchFamily="49" charset="0"/>
-              </a:rPr>
-              <a:t>	-</a:t>
-            </a:r>
-            <a:r>
-              <a:rPr lang="en-US" sz="2400" dirty="0" err="1">
-                <a:latin typeface="Courier New" panose="02070309020205020404" pitchFamily="49" charset="0"/>
-                <a:cs typeface="Courier New" panose="02070309020205020404" pitchFamily="49" charset="0"/>
-              </a:rPr>
-              <a:t>i</a:t>
-            </a:r>
-            <a:r>
-              <a:rPr lang="en-US" sz="2400" dirty="0">
-                <a:latin typeface="Courier New" panose="02070309020205020404" pitchFamily="49" charset="0"/>
-                <a:cs typeface="Courier New" panose="02070309020205020404" pitchFamily="49" charset="0"/>
-              </a:rPr>
-              <a:t> p.500bp.bed \</a:t>
-            </a:r>
-          </a:p>
-          <a:p>
-            <a:pPr marL="0" indent="0">
-              <a:buNone/>
-            </a:pPr>
-            <a:r>
-              <a:rPr lang="en-US" sz="2400" dirty="0">
-                <a:latin typeface="Courier New" panose="02070309020205020404" pitchFamily="49" charset="0"/>
-                <a:cs typeface="Courier New" panose="02070309020205020404" pitchFamily="49" charset="0"/>
-              </a:rPr>
-              <a:t>	-g hg18.genome \</a:t>
-            </a:r>
-          </a:p>
-          <a:p>
-            <a:pPr marL="0" indent="0">
-              <a:buNone/>
-            </a:pPr>
-            <a:r>
-              <a:rPr lang="en-US" sz="2400" dirty="0">
-                <a:latin typeface="Courier New" panose="02070309020205020404" pitchFamily="49" charset="0"/>
-                <a:cs typeface="Courier New" panose="02070309020205020404" pitchFamily="49" charset="0"/>
-              </a:rPr>
-              <a:t>	&gt; p.500bp.complement.bed</a:t>
-            </a:r>
+              <a:t># -io Ignore features in B that overlap A.  That is, we want close, yet not touching features only.</a:t>
+            </a:r>
+          </a:p>
+          <a:p>
+            <a:pPr marL="0" indent="0">
+              <a:buNone/>
+            </a:pPr>
+            <a:endParaRPr lang="en-US" sz="2400" dirty="0"/>
           </a:p>
         </p:txBody>
       </p:sp>
     </p:spTree>
     <p:extLst>
       <p:ext uri="{BB962C8B-B14F-4D97-AF65-F5344CB8AC3E}">
-        <p14:creationId xmlns:p14="http://schemas.microsoft.com/office/powerpoint/2010/main" val="2046178099"/>
+        <p14:creationId xmlns:p14="http://schemas.microsoft.com/office/powerpoint/2010/main" val="1727381128"/>
       </p:ext>
     </p:extLst>
   </p:cSld>
@@ -10276,14 +10259,22 @@
             <p:ph type="title"/>
           </p:nvPr>
         </p:nvSpPr>
-        <p:spPr/>
-        <p:txBody>
-          <a:bodyPr/>
-          <a:lstStyle/>
-          <a:p>
-            <a:r>
-              <a:rPr lang="en-US" dirty="0"/>
-              <a:t>window</a:t>
+        <p:spPr>
+          <a:xfrm>
+            <a:off x="628650" y="365127"/>
+            <a:ext cx="7886700" cy="854074"/>
+          </a:xfrm>
+        </p:spPr>
+        <p:txBody>
+          <a:bodyPr>
+            <a:normAutofit/>
+          </a:bodyPr>
+          <a:lstStyle/>
+          <a:p>
+            <a:pPr algn="ctr"/>
+            <a:r>
+              <a:rPr lang="en-US" sz="3600" dirty="0"/>
+              <a:t>slop &amp; complement</a:t>
             </a:r>
           </a:p>
         </p:txBody>
@@ -10300,8 +10291,8 @@
         </p:nvSpPr>
         <p:spPr>
           <a:xfrm>
-            <a:off x="134216" y="1573913"/>
-            <a:ext cx="8875568" cy="5021096"/>
+            <a:off x="432428" y="1219201"/>
+            <a:ext cx="8510619" cy="5416268"/>
           </a:xfrm>
         </p:spPr>
         <p:txBody>
@@ -10322,54 +10313,90 @@
                   </a:schemeClr>
                 </a:solidFill>
               </a:rPr>
-              <a:t>#Report genes within 10kb upstream or downstream of CNVs.</a:t>
-            </a:r>
-          </a:p>
-          <a:p>
-            <a:pPr marL="0" indent="0">
-              <a:buNone/>
-            </a:pPr>
-            <a:r>
-              <a:rPr lang="en-US" sz="2000" dirty="0" err="1">
+              <a:t># Add 500 bp up and downstream of each probe</a:t>
+            </a:r>
+          </a:p>
+          <a:p>
+            <a:pPr marL="0" indent="0">
+              <a:buNone/>
+            </a:pPr>
+            <a:r>
+              <a:rPr lang="en-US" sz="2400" dirty="0" err="1">
                 <a:latin typeface="Courier New" panose="02070309020205020404" pitchFamily="49" charset="0"/>
                 <a:cs typeface="Courier New" panose="02070309020205020404" pitchFamily="49" charset="0"/>
               </a:rPr>
               <a:t>bedtools</a:t>
             </a:r>
             <a:r>
-              <a:rPr lang="en-US" sz="2000" dirty="0">
+              <a:rPr lang="en-US" sz="2400" dirty="0">
                 <a:latin typeface="Courier New" panose="02070309020205020404" pitchFamily="49" charset="0"/>
                 <a:cs typeface="Courier New" panose="02070309020205020404" pitchFamily="49" charset="0"/>
               </a:rPr>
-              <a:t> window -a </a:t>
-            </a:r>
-            <a:r>
-              <a:rPr lang="en-US" sz="2000" dirty="0" err="1">
+              <a:t> slop \</a:t>
+            </a:r>
+          </a:p>
+          <a:p>
+            <a:pPr marL="0" indent="0">
+              <a:buNone/>
+            </a:pPr>
+            <a:r>
+              <a:rPr lang="en-US" sz="2400" dirty="0">
                 <a:latin typeface="Courier New" panose="02070309020205020404" pitchFamily="49" charset="0"/>
                 <a:cs typeface="Courier New" panose="02070309020205020404" pitchFamily="49" charset="0"/>
               </a:rPr>
-              <a:t>CNVs.bed</a:t>
-            </a:r>
-            <a:r>
-              <a:rPr lang="en-US" sz="2000" dirty="0">
+              <a:t>	-</a:t>
+            </a:r>
+            <a:r>
+              <a:rPr lang="en-US" sz="2400" dirty="0" err="1">
                 <a:latin typeface="Courier New" panose="02070309020205020404" pitchFamily="49" charset="0"/>
                 <a:cs typeface="Courier New" panose="02070309020205020404" pitchFamily="49" charset="0"/>
               </a:rPr>
-              <a:t> -b </a:t>
-            </a:r>
-            <a:r>
-              <a:rPr lang="en-US" sz="2000" dirty="0" err="1">
+              <a:t>i</a:t>
+            </a:r>
+            <a:r>
+              <a:rPr lang="en-US" sz="2400" dirty="0">
                 <a:latin typeface="Courier New" panose="02070309020205020404" pitchFamily="49" charset="0"/>
                 <a:cs typeface="Courier New" panose="02070309020205020404" pitchFamily="49" charset="0"/>
               </a:rPr>
-              <a:t>genes.bed</a:t>
-            </a:r>
-            <a:r>
-              <a:rPr lang="en-US" sz="2000" dirty="0">
+              <a:t> </a:t>
+            </a:r>
+            <a:r>
+              <a:rPr lang="en-US" sz="2400" dirty="0" err="1">
                 <a:latin typeface="Courier New" panose="02070309020205020404" pitchFamily="49" charset="0"/>
                 <a:cs typeface="Courier New" panose="02070309020205020404" pitchFamily="49" charset="0"/>
               </a:rPr>
-              <a:t> -w 10000</a:t>
+              <a:t>probes.bed</a:t>
+            </a:r>
+            <a:r>
+              <a:rPr lang="en-US" sz="2400" dirty="0">
+                <a:latin typeface="Courier New" panose="02070309020205020404" pitchFamily="49" charset="0"/>
+                <a:cs typeface="Courier New" panose="02070309020205020404" pitchFamily="49" charset="0"/>
+              </a:rPr>
+              <a:t> \</a:t>
+            </a:r>
+          </a:p>
+          <a:p>
+            <a:pPr marL="0" indent="0">
+              <a:buNone/>
+            </a:pPr>
+            <a:r>
+              <a:rPr lang="en-US" sz="2400" dirty="0">
+                <a:latin typeface="Courier New" panose="02070309020205020404" pitchFamily="49" charset="0"/>
+                <a:cs typeface="Courier New" panose="02070309020205020404" pitchFamily="49" charset="0"/>
+              </a:rPr>
+              <a:t>	-b 500 \</a:t>
+            </a:r>
+          </a:p>
+          <a:p>
+            <a:pPr marL="0" indent="0">
+              <a:buNone/>
+            </a:pPr>
+            <a:r>
+              <a:rPr lang="en-US" sz="2400" dirty="0">
+                <a:latin typeface="Courier New" panose="02070309020205020404" pitchFamily="49" charset="0"/>
+                <a:cs typeface="Courier New" panose="02070309020205020404" pitchFamily="49" charset="0"/>
+              </a:rPr>
+              <a:t>	&gt; p.500bp.bed</a:t>
             </a:r>
           </a:p>
           <a:p>
@@ -10391,61 +10418,65 @@
                   </a:schemeClr>
                 </a:solidFill>
               </a:rPr>
-              <a:t># Report genes within 10kb upstream or 5kb downstream of CNVs.</a:t>
-            </a:r>
-          </a:p>
-          <a:p>
-            <a:pPr marL="0" indent="0">
-              <a:buNone/>
-            </a:pPr>
-            <a:r>
-              <a:rPr lang="en-US" sz="2000" dirty="0" err="1">
+              <a:t># Get a BED file of regions not covered by the input BED</a:t>
+            </a:r>
+          </a:p>
+          <a:p>
+            <a:pPr marL="0" indent="0">
+              <a:buNone/>
+            </a:pPr>
+            <a:r>
+              <a:rPr lang="en-US" sz="2400" dirty="0" err="1">
                 <a:latin typeface="Courier New" panose="02070309020205020404" pitchFamily="49" charset="0"/>
                 <a:cs typeface="Courier New" panose="02070309020205020404" pitchFamily="49" charset="0"/>
               </a:rPr>
               <a:t>bedtools</a:t>
             </a:r>
             <a:r>
-              <a:rPr lang="en-US" sz="2000" dirty="0">
+              <a:rPr lang="en-US" sz="2400" dirty="0">
                 <a:latin typeface="Courier New" panose="02070309020205020404" pitchFamily="49" charset="0"/>
                 <a:cs typeface="Courier New" panose="02070309020205020404" pitchFamily="49" charset="0"/>
               </a:rPr>
-              <a:t> window -a </a:t>
-            </a:r>
-            <a:r>
-              <a:rPr lang="en-US" sz="2000" dirty="0" err="1">
+              <a:t> complement \</a:t>
+            </a:r>
+          </a:p>
+          <a:p>
+            <a:pPr marL="0" indent="0">
+              <a:buNone/>
+            </a:pPr>
+            <a:r>
+              <a:rPr lang="en-US" sz="2400" dirty="0">
                 <a:latin typeface="Courier New" panose="02070309020205020404" pitchFamily="49" charset="0"/>
                 <a:cs typeface="Courier New" panose="02070309020205020404" pitchFamily="49" charset="0"/>
               </a:rPr>
-              <a:t>CNVs.bed</a:t>
-            </a:r>
-            <a:r>
-              <a:rPr lang="en-US" sz="2000" dirty="0">
+              <a:t>	-</a:t>
+            </a:r>
+            <a:r>
+              <a:rPr lang="en-US" sz="2400" dirty="0" err="1">
                 <a:latin typeface="Courier New" panose="02070309020205020404" pitchFamily="49" charset="0"/>
                 <a:cs typeface="Courier New" panose="02070309020205020404" pitchFamily="49" charset="0"/>
               </a:rPr>
-              <a:t> -b </a:t>
-            </a:r>
-            <a:r>
-              <a:rPr lang="en-US" sz="2000" dirty="0" err="1">
+              <a:t>i</a:t>
+            </a:r>
+            <a:r>
+              <a:rPr lang="en-US" sz="2400" dirty="0">
                 <a:latin typeface="Courier New" panose="02070309020205020404" pitchFamily="49" charset="0"/>
                 <a:cs typeface="Courier New" panose="02070309020205020404" pitchFamily="49" charset="0"/>
               </a:rPr>
-              <a:t>genes.bed</a:t>
-            </a:r>
-            <a:r>
-              <a:rPr lang="en-US" sz="2000" dirty="0">
+              <a:t> p.500bp.bed \</a:t>
+            </a:r>
+          </a:p>
+          <a:p>
+            <a:pPr marL="0" indent="0">
+              <a:buNone/>
+            </a:pPr>
+            <a:r>
+              <a:rPr lang="en-US" sz="2400" dirty="0">
                 <a:latin typeface="Courier New" panose="02070309020205020404" pitchFamily="49" charset="0"/>
                 <a:cs typeface="Courier New" panose="02070309020205020404" pitchFamily="49" charset="0"/>
               </a:rPr>
-              <a:t> -l 10000 -r 5000</a:t>
-            </a:r>
-          </a:p>
-          <a:p>
-            <a:pPr marL="0" indent="0">
-              <a:buNone/>
-            </a:pPr>
-            <a:endParaRPr lang="en-US" sz="2400" dirty="0"/>
+              <a:t>	-g hg18.genome \</a:t>
+            </a:r>
           </a:p>
           <a:p>
             <a:pPr marL="0" indent="0">
@@ -10453,154 +10484,18 @@
             </a:pPr>
             <a:r>
               <a:rPr lang="en-US" sz="2400" dirty="0">
-                <a:solidFill>
-                  <a:schemeClr val="tx1">
-                    <a:lumMod val="50000"/>
-                    <a:lumOff val="50000"/>
-                  </a:schemeClr>
-                </a:solidFill>
-              </a:rPr>
-              <a:t>#Report SNPs within 5kb upstream or 1kb downstream of genes. Define upstream and downstream based on strand.</a:t>
-            </a:r>
-          </a:p>
-          <a:p>
-            <a:pPr marL="0" indent="0">
-              <a:buNone/>
-            </a:pPr>
-            <a:r>
-              <a:rPr lang="en-US" sz="1800" dirty="0" err="1">
                 <a:latin typeface="Courier New" panose="02070309020205020404" pitchFamily="49" charset="0"/>
                 <a:cs typeface="Courier New" panose="02070309020205020404" pitchFamily="49" charset="0"/>
               </a:rPr>
-              <a:t>bedtools</a:t>
-            </a:r>
-            <a:r>
-              <a:rPr lang="en-US" sz="1800" dirty="0">
-                <a:latin typeface="Courier New" panose="02070309020205020404" pitchFamily="49" charset="0"/>
-                <a:cs typeface="Courier New" panose="02070309020205020404" pitchFamily="49" charset="0"/>
-              </a:rPr>
-              <a:t> window -a </a:t>
-            </a:r>
-            <a:r>
-              <a:rPr lang="en-US" sz="1800" dirty="0" err="1">
-                <a:latin typeface="Courier New" panose="02070309020205020404" pitchFamily="49" charset="0"/>
-                <a:cs typeface="Courier New" panose="02070309020205020404" pitchFamily="49" charset="0"/>
-              </a:rPr>
-              <a:t>genes.bed</a:t>
-            </a:r>
-            <a:r>
-              <a:rPr lang="en-US" sz="1800" dirty="0">
-                <a:latin typeface="Courier New" panose="02070309020205020404" pitchFamily="49" charset="0"/>
-                <a:cs typeface="Courier New" panose="02070309020205020404" pitchFamily="49" charset="0"/>
-              </a:rPr>
-              <a:t> -b </a:t>
-            </a:r>
-            <a:r>
-              <a:rPr lang="en-US" sz="1800" dirty="0" err="1">
-                <a:solidFill>
-                  <a:schemeClr val="accent6">
-                    <a:lumMod val="75000"/>
-                  </a:schemeClr>
-                </a:solidFill>
-                <a:latin typeface="Courier New" panose="02070309020205020404" pitchFamily="49" charset="0"/>
-                <a:cs typeface="Courier New" panose="02070309020205020404" pitchFamily="49" charset="0"/>
-              </a:rPr>
-              <a:t>snps.bed</a:t>
-            </a:r>
-            <a:r>
-              <a:rPr lang="en-US" sz="1800" dirty="0">
-                <a:latin typeface="Courier New" panose="02070309020205020404" pitchFamily="49" charset="0"/>
-                <a:cs typeface="Courier New" panose="02070309020205020404" pitchFamily="49" charset="0"/>
-              </a:rPr>
-              <a:t> -l 5000 -r 1000 </a:t>
-            </a:r>
-            <a:r>
-              <a:rPr lang="en-US" sz="1800" dirty="0">
-                <a:solidFill>
-                  <a:srgbClr val="FF0000"/>
-                </a:solidFill>
-                <a:latin typeface="Courier New" panose="02070309020205020404" pitchFamily="49" charset="0"/>
-                <a:cs typeface="Courier New" panose="02070309020205020404" pitchFamily="49" charset="0"/>
-              </a:rPr>
-              <a:t>–</a:t>
-            </a:r>
-            <a:r>
-              <a:rPr lang="en-US" sz="1800" dirty="0" err="1">
-                <a:solidFill>
-                  <a:srgbClr val="FF0000"/>
-                </a:solidFill>
-                <a:latin typeface="Courier New" panose="02070309020205020404" pitchFamily="49" charset="0"/>
-                <a:cs typeface="Courier New" panose="02070309020205020404" pitchFamily="49" charset="0"/>
-              </a:rPr>
-              <a:t>sw</a:t>
-            </a:r>
-            <a:endParaRPr lang="en-US" sz="1800" dirty="0">
-              <a:solidFill>
-                <a:srgbClr val="FF0000"/>
-              </a:solidFill>
-              <a:latin typeface="Courier New" panose="02070309020205020404" pitchFamily="49" charset="0"/>
-              <a:cs typeface="Courier New" panose="02070309020205020404" pitchFamily="49" charset="0"/>
-            </a:endParaRPr>
-          </a:p>
-          <a:p>
-            <a:pPr marL="0" indent="0">
-              <a:buNone/>
-            </a:pPr>
-            <a:endParaRPr lang="en-US" sz="2400" dirty="0">
-              <a:solidFill>
-                <a:srgbClr val="FF0000"/>
-              </a:solidFill>
-            </a:endParaRPr>
-          </a:p>
-          <a:p>
-            <a:pPr marL="0" indent="0">
-              <a:buNone/>
-            </a:pPr>
-            <a:r>
-              <a:rPr lang="en-US" sz="2400" dirty="0">
-                <a:solidFill>
-                  <a:srgbClr val="FF0000"/>
-                </a:solidFill>
-              </a:rPr>
-              <a:t># -</a:t>
-            </a:r>
-            <a:r>
-              <a:rPr lang="en-US" sz="2400" dirty="0" err="1">
-                <a:solidFill>
-                  <a:srgbClr val="FF0000"/>
-                </a:solidFill>
-              </a:rPr>
-              <a:t>sw</a:t>
-            </a:r>
-            <a:r>
-              <a:rPr lang="en-US" sz="2400" dirty="0">
-                <a:solidFill>
-                  <a:srgbClr val="FF0000"/>
-                </a:solidFill>
-              </a:rPr>
-              <a:t>: </a:t>
-            </a:r>
-            <a:r>
-              <a:rPr lang="en-US" sz="2400" dirty="0"/>
-              <a:t>define -l and -r based on strand</a:t>
-            </a:r>
-          </a:p>
-          <a:p>
-            <a:pPr marL="0" indent="0">
-              <a:buNone/>
-            </a:pPr>
-            <a:endParaRPr lang="en-US" sz="2400" dirty="0">
-              <a:solidFill>
-                <a:srgbClr val="FF0000"/>
-              </a:solidFill>
-            </a:endParaRPr>
+              <a:t>	&gt; p.500bp.complement.bed</a:t>
+            </a:r>
           </a:p>
         </p:txBody>
       </p:sp>
     </p:spTree>
     <p:extLst>
       <p:ext uri="{BB962C8B-B14F-4D97-AF65-F5344CB8AC3E}">
-        <p14:creationId xmlns:p14="http://schemas.microsoft.com/office/powerpoint/2010/main" val="923760882"/>
+        <p14:creationId xmlns:p14="http://schemas.microsoft.com/office/powerpoint/2010/main" val="2046178099"/>
       </p:ext>
     </p:extLst>
   </p:cSld>
@@ -10637,20 +10532,14 @@
             <p:ph type="title"/>
           </p:nvPr>
         </p:nvSpPr>
-        <p:spPr>
-          <a:xfrm>
-            <a:off x="628650" y="365126"/>
-            <a:ext cx="7886700" cy="770947"/>
-          </a:xfrm>
-        </p:spPr>
+        <p:spPr/>
         <p:txBody>
           <a:bodyPr/>
           <a:lstStyle/>
           <a:p>
-            <a:pPr algn="ctr"/>
             <a:r>
               <a:rPr lang="en-US" dirty="0"/>
-              <a:t>merge</a:t>
+              <a:t>window</a:t>
             </a:r>
           </a:p>
         </p:txBody>
@@ -10667,8 +10556,8 @@
         </p:nvSpPr>
         <p:spPr>
           <a:xfrm>
-            <a:off x="351558" y="1253331"/>
-            <a:ext cx="8529205" cy="5078196"/>
+            <a:off x="134216" y="1573913"/>
+            <a:ext cx="8875568" cy="5021096"/>
           </a:xfrm>
         </p:spPr>
         <p:txBody>
@@ -10676,12 +10565,6 @@
             <a:noAutofit/>
           </a:bodyPr>
           <a:lstStyle/>
-          <a:p>
-            <a:pPr marL="0" indent="0">
-              <a:buNone/>
-            </a:pPr>
-            <a:endParaRPr lang="en-US" sz="2400" dirty="0"/>
-          </a:p>
           <a:p>
             <a:pPr marL="0" indent="0">
               <a:buNone/>
@@ -10695,52 +10578,55 @@
                   </a:schemeClr>
                 </a:solidFill>
               </a:rPr>
-              <a:t># Merge overlapping repetitive elements into a single entry.</a:t>
-            </a:r>
-          </a:p>
-          <a:p>
-            <a:pPr marL="0" indent="0">
-              <a:buNone/>
-            </a:pPr>
-            <a:r>
-              <a:rPr lang="en-US" sz="2400" dirty="0" err="1">
+              <a:t>#Report genes within 10kb upstream or downstream of CNVs.</a:t>
+            </a:r>
+          </a:p>
+          <a:p>
+            <a:pPr marL="0" indent="0">
+              <a:buNone/>
+            </a:pPr>
+            <a:r>
+              <a:rPr lang="en-US" sz="2000" dirty="0" err="1">
                 <a:latin typeface="Courier New" panose="02070309020205020404" pitchFamily="49" charset="0"/>
                 <a:cs typeface="Courier New" panose="02070309020205020404" pitchFamily="49" charset="0"/>
               </a:rPr>
               <a:t>bedtools</a:t>
             </a:r>
             <a:r>
-              <a:rPr lang="en-US" sz="2400" dirty="0">
+              <a:rPr lang="en-US" sz="2000" dirty="0">
                 <a:latin typeface="Courier New" panose="02070309020205020404" pitchFamily="49" charset="0"/>
                 <a:cs typeface="Courier New" panose="02070309020205020404" pitchFamily="49" charset="0"/>
               </a:rPr>
-              <a:t> merge -</a:t>
-            </a:r>
-            <a:r>
-              <a:rPr lang="en-US" sz="2400" dirty="0" err="1">
+              <a:t> window -a </a:t>
+            </a:r>
+            <a:r>
+              <a:rPr lang="en-US" sz="2000" dirty="0" err="1">
                 <a:latin typeface="Courier New" panose="02070309020205020404" pitchFamily="49" charset="0"/>
                 <a:cs typeface="Courier New" panose="02070309020205020404" pitchFamily="49" charset="0"/>
               </a:rPr>
-              <a:t>i</a:t>
-            </a:r>
-            <a:r>
-              <a:rPr lang="en-US" sz="2400" dirty="0">
+              <a:t>CNVs.bed</a:t>
+            </a:r>
+            <a:r>
+              <a:rPr lang="en-US" sz="2000" dirty="0">
                 <a:latin typeface="Courier New" panose="02070309020205020404" pitchFamily="49" charset="0"/>
                 <a:cs typeface="Courier New" panose="02070309020205020404" pitchFamily="49" charset="0"/>
               </a:rPr>
-              <a:t> </a:t>
-            </a:r>
-            <a:r>
-              <a:rPr lang="en-US" sz="2400" dirty="0" err="1">
+              <a:t> -b </a:t>
+            </a:r>
+            <a:r>
+              <a:rPr lang="en-US" sz="2000" dirty="0" err="1">
                 <a:latin typeface="Courier New" panose="02070309020205020404" pitchFamily="49" charset="0"/>
                 <a:cs typeface="Courier New" panose="02070309020205020404" pitchFamily="49" charset="0"/>
               </a:rPr>
-              <a:t>repeatMasker.bed</a:t>
-            </a:r>
-            <a:endParaRPr lang="en-US" sz="2400" dirty="0">
-              <a:latin typeface="Courier New" panose="02070309020205020404" pitchFamily="49" charset="0"/>
-              <a:cs typeface="Courier New" panose="02070309020205020404" pitchFamily="49" charset="0"/>
-            </a:endParaRPr>
+              <a:t>genes.bed</a:t>
+            </a:r>
+            <a:r>
+              <a:rPr lang="en-US" sz="2000" dirty="0">
+                <a:latin typeface="Courier New" panose="02070309020205020404" pitchFamily="49" charset="0"/>
+                <a:cs typeface="Courier New" panose="02070309020205020404" pitchFamily="49" charset="0"/>
+              </a:rPr>
+              <a:t> -w 10000</a:t>
+            </a:r>
           </a:p>
           <a:p>
             <a:pPr marL="0" indent="0">
@@ -10761,54 +10647,54 @@
                   </a:schemeClr>
                 </a:solidFill>
               </a:rPr>
-              <a:t># Merge overlapping repetitive elements into a single entry, returning the number of entries merged.</a:t>
-            </a:r>
-          </a:p>
-          <a:p>
-            <a:pPr marL="0" indent="0">
-              <a:buNone/>
-            </a:pPr>
-            <a:r>
-              <a:rPr lang="en-US" sz="2400" dirty="0" err="1">
+              <a:t># Report genes within 10kb upstream or 5kb downstream of CNVs.</a:t>
+            </a:r>
+          </a:p>
+          <a:p>
+            <a:pPr marL="0" indent="0">
+              <a:buNone/>
+            </a:pPr>
+            <a:r>
+              <a:rPr lang="en-US" sz="2000" dirty="0" err="1">
                 <a:latin typeface="Courier New" panose="02070309020205020404" pitchFamily="49" charset="0"/>
                 <a:cs typeface="Courier New" panose="02070309020205020404" pitchFamily="49" charset="0"/>
               </a:rPr>
               <a:t>bedtools</a:t>
             </a:r>
             <a:r>
-              <a:rPr lang="en-US" sz="2400" dirty="0">
+              <a:rPr lang="en-US" sz="2000" dirty="0">
                 <a:latin typeface="Courier New" panose="02070309020205020404" pitchFamily="49" charset="0"/>
                 <a:cs typeface="Courier New" panose="02070309020205020404" pitchFamily="49" charset="0"/>
               </a:rPr>
-              <a:t> merge -</a:t>
-            </a:r>
-            <a:r>
-              <a:rPr lang="en-US" sz="2400" dirty="0" err="1">
+              <a:t> window -a </a:t>
+            </a:r>
+            <a:r>
+              <a:rPr lang="en-US" sz="2000" dirty="0" err="1">
                 <a:latin typeface="Courier New" panose="02070309020205020404" pitchFamily="49" charset="0"/>
                 <a:cs typeface="Courier New" panose="02070309020205020404" pitchFamily="49" charset="0"/>
               </a:rPr>
-              <a:t>i</a:t>
-            </a:r>
-            <a:r>
-              <a:rPr lang="en-US" sz="2400" dirty="0">
+              <a:t>CNVs.bed</a:t>
+            </a:r>
+            <a:r>
+              <a:rPr lang="en-US" sz="2000" dirty="0">
                 <a:latin typeface="Courier New" panose="02070309020205020404" pitchFamily="49" charset="0"/>
                 <a:cs typeface="Courier New" panose="02070309020205020404" pitchFamily="49" charset="0"/>
               </a:rPr>
-              <a:t> </a:t>
-            </a:r>
-            <a:r>
-              <a:rPr lang="en-US" sz="2400" dirty="0" err="1">
+              <a:t> -b </a:t>
+            </a:r>
+            <a:r>
+              <a:rPr lang="en-US" sz="2000" dirty="0" err="1">
                 <a:latin typeface="Courier New" panose="02070309020205020404" pitchFamily="49" charset="0"/>
                 <a:cs typeface="Courier New" panose="02070309020205020404" pitchFamily="49" charset="0"/>
               </a:rPr>
-              <a:t>repeatMasker.bed</a:t>
-            </a:r>
-            <a:r>
-              <a:rPr lang="en-US" sz="2400" dirty="0">
+              <a:t>genes.bed</a:t>
+            </a:r>
+            <a:r>
+              <a:rPr lang="en-US" sz="2000" dirty="0">
                 <a:latin typeface="Courier New" panose="02070309020205020404" pitchFamily="49" charset="0"/>
                 <a:cs typeface="Courier New" panose="02070309020205020404" pitchFamily="49" charset="0"/>
               </a:rPr>
-              <a:t> -n</a:t>
+              <a:t> -l 10000 -r 5000</a:t>
             </a:r>
           </a:p>
           <a:p>
@@ -10830,62 +10716,147 @@
                   </a:schemeClr>
                 </a:solidFill>
               </a:rPr>
-              <a:t># Merge nearby (within 1kb) repetitive elements into a single entry.</a:t>
-            </a:r>
-          </a:p>
-          <a:p>
-            <a:pPr marL="0" indent="0">
-              <a:buNone/>
-            </a:pPr>
-            <a:r>
-              <a:rPr lang="en-US" sz="2400" dirty="0" err="1">
+              <a:t>#Report SNPs within 5kb upstream or 1kb downstream of genes. Define upstream and downstream based on strand.</a:t>
+            </a:r>
+          </a:p>
+          <a:p>
+            <a:pPr marL="0" indent="0">
+              <a:buNone/>
+            </a:pPr>
+            <a:r>
+              <a:rPr lang="en-US" sz="1800" dirty="0" err="1">
                 <a:latin typeface="Courier New" panose="02070309020205020404" pitchFamily="49" charset="0"/>
                 <a:cs typeface="Courier New" panose="02070309020205020404" pitchFamily="49" charset="0"/>
               </a:rPr>
               <a:t>bedtools</a:t>
             </a:r>
             <a:r>
-              <a:rPr lang="en-US" sz="2400" dirty="0">
+              <a:rPr lang="en-US" sz="1800" dirty="0">
                 <a:latin typeface="Courier New" panose="02070309020205020404" pitchFamily="49" charset="0"/>
                 <a:cs typeface="Courier New" panose="02070309020205020404" pitchFamily="49" charset="0"/>
               </a:rPr>
-              <a:t> merge -</a:t>
-            </a:r>
-            <a:r>
-              <a:rPr lang="en-US" sz="2400" dirty="0" err="1">
+              <a:t> window -a </a:t>
+            </a:r>
+            <a:r>
+              <a:rPr lang="en-US" sz="1800" dirty="0" err="1">
                 <a:latin typeface="Courier New" panose="02070309020205020404" pitchFamily="49" charset="0"/>
                 <a:cs typeface="Courier New" panose="02070309020205020404" pitchFamily="49" charset="0"/>
               </a:rPr>
-              <a:t>i</a:t>
-            </a:r>
-            <a:r>
-              <a:rPr lang="en-US" sz="2400" dirty="0">
+              <a:t>genes.bed</a:t>
+            </a:r>
+            <a:r>
+              <a:rPr lang="en-US" sz="1800" dirty="0">
                 <a:latin typeface="Courier New" panose="02070309020205020404" pitchFamily="49" charset="0"/>
                 <a:cs typeface="Courier New" panose="02070309020205020404" pitchFamily="49" charset="0"/>
               </a:rPr>
-              <a:t> </a:t>
-            </a:r>
-            <a:r>
-              <a:rPr lang="en-US" sz="2400" dirty="0" err="1">
+              <a:t> -b </a:t>
+            </a:r>
+            <a:r>
+              <a:rPr lang="en-US" sz="1800" dirty="0" err="1">
+                <a:solidFill>
+                  <a:schemeClr val="accent6">
+                    <a:lumMod val="75000"/>
+                  </a:schemeClr>
+                </a:solidFill>
                 <a:latin typeface="Courier New" panose="02070309020205020404" pitchFamily="49" charset="0"/>
                 <a:cs typeface="Courier New" panose="02070309020205020404" pitchFamily="49" charset="0"/>
               </a:rPr>
-              <a:t>repeatMasker.bed</a:t>
-            </a:r>
-            <a:r>
-              <a:rPr lang="en-US" sz="2400" dirty="0">
+              <a:t>snps.bed</a:t>
+            </a:r>
+            <a:r>
+              <a:rPr lang="en-US" sz="1800" dirty="0">
                 <a:latin typeface="Courier New" panose="02070309020205020404" pitchFamily="49" charset="0"/>
                 <a:cs typeface="Courier New" panose="02070309020205020404" pitchFamily="49" charset="0"/>
               </a:rPr>
-              <a:t> -d 1000</a:t>
-            </a:r>
+              <a:t> -l 5000 -r 1000 </a:t>
+            </a:r>
+            <a:r>
+              <a:rPr lang="en-US" sz="1800" dirty="0">
+                <a:solidFill>
+                  <a:srgbClr val="FF0000"/>
+                </a:solidFill>
+                <a:latin typeface="Courier New" panose="02070309020205020404" pitchFamily="49" charset="0"/>
+                <a:cs typeface="Courier New" panose="02070309020205020404" pitchFamily="49" charset="0"/>
+              </a:rPr>
+              <a:t>–</a:t>
+            </a:r>
+            <a:r>
+              <a:rPr lang="en-US" sz="1800" dirty="0" err="1">
+                <a:solidFill>
+                  <a:srgbClr val="FF0000"/>
+                </a:solidFill>
+                <a:latin typeface="Courier New" panose="02070309020205020404" pitchFamily="49" charset="0"/>
+                <a:cs typeface="Courier New" panose="02070309020205020404" pitchFamily="49" charset="0"/>
+              </a:rPr>
+              <a:t>sw</a:t>
+            </a:r>
+            <a:endParaRPr lang="en-US" sz="1800" dirty="0">
+              <a:solidFill>
+                <a:srgbClr val="FF0000"/>
+              </a:solidFill>
+              <a:latin typeface="Courier New" panose="02070309020205020404" pitchFamily="49" charset="0"/>
+              <a:cs typeface="Courier New" panose="02070309020205020404" pitchFamily="49" charset="0"/>
+            </a:endParaRPr>
+          </a:p>
+          <a:p>
+            <a:pPr marL="0" indent="0">
+              <a:buNone/>
+            </a:pPr>
+            <a:endParaRPr lang="en-US" sz="2400" dirty="0">
+              <a:solidFill>
+                <a:srgbClr val="FF0000"/>
+              </a:solidFill>
+            </a:endParaRPr>
+          </a:p>
+          <a:p>
+            <a:pPr marL="0" indent="0">
+              <a:buNone/>
+            </a:pPr>
+            <a:r>
+              <a:rPr lang="en-US" sz="2400" dirty="0">
+                <a:solidFill>
+                  <a:srgbClr val="FF0000"/>
+                </a:solidFill>
+              </a:rPr>
+              <a:t># -</a:t>
+            </a:r>
+            <a:r>
+              <a:rPr lang="en-US" sz="2400" dirty="0" err="1">
+                <a:solidFill>
+                  <a:srgbClr val="FF0000"/>
+                </a:solidFill>
+              </a:rPr>
+              <a:t>sw</a:t>
+            </a:r>
+            <a:r>
+              <a:rPr lang="en-US" sz="2400" dirty="0">
+                <a:solidFill>
+                  <a:srgbClr val="FF0000"/>
+                </a:solidFill>
+              </a:rPr>
+              <a:t>: </a:t>
+            </a:r>
+            <a:r>
+              <a:rPr lang="en-US" sz="2400" dirty="0"/>
+              <a:t>define -l and -r based on strand</a:t>
+            </a:r>
+          </a:p>
+          <a:p>
+            <a:pPr marL="0" indent="0">
+              <a:buNone/>
+            </a:pPr>
+            <a:endParaRPr lang="en-US" sz="2400" dirty="0">
+              <a:solidFill>
+                <a:srgbClr val="FF0000"/>
+              </a:solidFill>
+            </a:endParaRPr>
           </a:p>
         </p:txBody>
       </p:sp>
     </p:spTree>
     <p:extLst>
       <p:ext uri="{BB962C8B-B14F-4D97-AF65-F5344CB8AC3E}">
-        <p14:creationId xmlns:p14="http://schemas.microsoft.com/office/powerpoint/2010/main" val="4081784120"/>
+        <p14:creationId xmlns:p14="http://schemas.microsoft.com/office/powerpoint/2010/main" val="923760882"/>
       </p:ext>
     </p:extLst>
   </p:cSld>
@@ -10922,7 +10893,12 @@
             <p:ph type="title"/>
           </p:nvPr>
         </p:nvSpPr>
-        <p:spPr/>
+        <p:spPr>
+          <a:xfrm>
+            <a:off x="628650" y="365126"/>
+            <a:ext cx="7886700" cy="770947"/>
+          </a:xfrm>
+        </p:spPr>
         <p:txBody>
           <a:bodyPr/>
           <a:lstStyle/>
@@ -10930,7 +10906,7 @@
             <a:pPr algn="ctr"/>
             <a:r>
               <a:rPr lang="en-US" dirty="0"/>
-              <a:t>Outline</a:t>
+              <a:t>merge</a:t>
             </a:r>
           </a:p>
         </p:txBody>
@@ -10947,84 +10923,225 @@
         </p:nvSpPr>
         <p:spPr>
           <a:xfrm>
-            <a:off x="1013671" y="1879013"/>
-            <a:ext cx="7116657" cy="3219460"/>
+            <a:off x="351558" y="1253331"/>
+            <a:ext cx="8529205" cy="5078196"/>
           </a:xfrm>
         </p:spPr>
         <p:txBody>
           <a:bodyPr>
-            <a:normAutofit/>
+            <a:noAutofit/>
           </a:bodyPr>
           <a:lstStyle/>
           <a:p>
-            <a:pPr>
-              <a:lnSpc>
-                <a:spcPct val="150000"/>
-              </a:lnSpc>
-            </a:pPr>
-            <a:r>
-              <a:rPr lang="en-US" sz="3200" dirty="0">
-                <a:solidFill>
-                  <a:schemeClr val="bg1">
-                    <a:lumMod val="85000"/>
+            <a:pPr marL="0" indent="0">
+              <a:buNone/>
+            </a:pPr>
+            <a:endParaRPr lang="en-US" sz="2400" dirty="0"/>
+          </a:p>
+          <a:p>
+            <a:pPr marL="0" indent="0">
+              <a:buNone/>
+            </a:pPr>
+            <a:r>
+              <a:rPr lang="en-US" sz="2400" dirty="0">
+                <a:solidFill>
+                  <a:schemeClr val="tx1">
+                    <a:lumMod val="50000"/>
+                    <a:lumOff val="50000"/>
                   </a:schemeClr>
                 </a:solidFill>
               </a:rPr>
-              <a:t>BED format</a:t>
-            </a:r>
-          </a:p>
-          <a:p>
-            <a:pPr>
-              <a:lnSpc>
-                <a:spcPct val="150000"/>
-              </a:lnSpc>
-            </a:pPr>
-            <a:r>
-              <a:rPr lang="en-US" sz="3200" dirty="0" err="1">
-                <a:solidFill>
-                  <a:schemeClr val="bg1">
-                    <a:lumMod val="85000"/>
+              <a:t># Merge overlapping repetitive elements into a single entry.</a:t>
+            </a:r>
+          </a:p>
+          <a:p>
+            <a:pPr marL="0" indent="0">
+              <a:buNone/>
+            </a:pPr>
+            <a:r>
+              <a:rPr lang="en-US" sz="2400" dirty="0" err="1">
+                <a:latin typeface="Courier New" panose="02070309020205020404" pitchFamily="49" charset="0"/>
+                <a:cs typeface="Courier New" panose="02070309020205020404" pitchFamily="49" charset="0"/>
+              </a:rPr>
+              <a:t>bedtools</a:t>
+            </a:r>
+            <a:r>
+              <a:rPr lang="en-US" sz="2400" dirty="0">
+                <a:latin typeface="Courier New" panose="02070309020205020404" pitchFamily="49" charset="0"/>
+                <a:cs typeface="Courier New" panose="02070309020205020404" pitchFamily="49" charset="0"/>
+              </a:rPr>
+              <a:t> merge -</a:t>
+            </a:r>
+            <a:r>
+              <a:rPr lang="en-US" sz="2400" dirty="0" err="1">
+                <a:latin typeface="Courier New" panose="02070309020205020404" pitchFamily="49" charset="0"/>
+                <a:cs typeface="Courier New" panose="02070309020205020404" pitchFamily="49" charset="0"/>
+              </a:rPr>
+              <a:t>i</a:t>
+            </a:r>
+            <a:r>
+              <a:rPr lang="en-US" sz="2400" dirty="0">
+                <a:latin typeface="Courier New" panose="02070309020205020404" pitchFamily="49" charset="0"/>
+                <a:cs typeface="Courier New" panose="02070309020205020404" pitchFamily="49" charset="0"/>
+              </a:rPr>
+              <a:t> </a:t>
+            </a:r>
+            <a:r>
+              <a:rPr lang="en-US" sz="2400" dirty="0" err="1">
+                <a:latin typeface="Courier New" panose="02070309020205020404" pitchFamily="49" charset="0"/>
+                <a:cs typeface="Courier New" panose="02070309020205020404" pitchFamily="49" charset="0"/>
+              </a:rPr>
+              <a:t>repeatMasker.bed</a:t>
+            </a:r>
+            <a:endParaRPr lang="en-US" sz="2400" dirty="0">
+              <a:latin typeface="Courier New" panose="02070309020205020404" pitchFamily="49" charset="0"/>
+              <a:cs typeface="Courier New" panose="02070309020205020404" pitchFamily="49" charset="0"/>
+            </a:endParaRPr>
+          </a:p>
+          <a:p>
+            <a:pPr marL="0" indent="0">
+              <a:buNone/>
+            </a:pPr>
+            <a:endParaRPr lang="en-US" sz="2400" dirty="0"/>
+          </a:p>
+          <a:p>
+            <a:pPr marL="0" indent="0">
+              <a:buNone/>
+            </a:pPr>
+            <a:r>
+              <a:rPr lang="en-US" sz="2400" dirty="0">
+                <a:solidFill>
+                  <a:schemeClr val="tx1">
+                    <a:lumMod val="50000"/>
+                    <a:lumOff val="50000"/>
                   </a:schemeClr>
                 </a:solidFill>
               </a:rPr>
-              <a:t>BEDtools</a:t>
-            </a:r>
-            <a:r>
-              <a:rPr lang="en-US" sz="3200" dirty="0">
-                <a:solidFill>
-                  <a:schemeClr val="bg1">
-                    <a:lumMod val="85000"/>
+              <a:t># Merge overlapping repetitive elements into a single entry, returning the number of entries merged.</a:t>
+            </a:r>
+          </a:p>
+          <a:p>
+            <a:pPr marL="0" indent="0">
+              <a:buNone/>
+            </a:pPr>
+            <a:r>
+              <a:rPr lang="en-US" sz="2400" dirty="0" err="1">
+                <a:latin typeface="Courier New" panose="02070309020205020404" pitchFamily="49" charset="0"/>
+                <a:cs typeface="Courier New" panose="02070309020205020404" pitchFamily="49" charset="0"/>
+              </a:rPr>
+              <a:t>bedtools</a:t>
+            </a:r>
+            <a:r>
+              <a:rPr lang="en-US" sz="2400" dirty="0">
+                <a:latin typeface="Courier New" panose="02070309020205020404" pitchFamily="49" charset="0"/>
+                <a:cs typeface="Courier New" panose="02070309020205020404" pitchFamily="49" charset="0"/>
+              </a:rPr>
+              <a:t> merge -</a:t>
+            </a:r>
+            <a:r>
+              <a:rPr lang="en-US" sz="2400" dirty="0" err="1">
+                <a:latin typeface="Courier New" panose="02070309020205020404" pitchFamily="49" charset="0"/>
+                <a:cs typeface="Courier New" panose="02070309020205020404" pitchFamily="49" charset="0"/>
+              </a:rPr>
+              <a:t>i</a:t>
+            </a:r>
+            <a:r>
+              <a:rPr lang="en-US" sz="2400" dirty="0">
+                <a:latin typeface="Courier New" panose="02070309020205020404" pitchFamily="49" charset="0"/>
+                <a:cs typeface="Courier New" panose="02070309020205020404" pitchFamily="49" charset="0"/>
+              </a:rPr>
+              <a:t> </a:t>
+            </a:r>
+            <a:r>
+              <a:rPr lang="en-US" sz="2400" dirty="0" err="1">
+                <a:latin typeface="Courier New" panose="02070309020205020404" pitchFamily="49" charset="0"/>
+                <a:cs typeface="Courier New" panose="02070309020205020404" pitchFamily="49" charset="0"/>
+              </a:rPr>
+              <a:t>repeatMasker.bed</a:t>
+            </a:r>
+            <a:r>
+              <a:rPr lang="en-US" sz="2400" dirty="0">
+                <a:latin typeface="Courier New" panose="02070309020205020404" pitchFamily="49" charset="0"/>
+                <a:cs typeface="Courier New" panose="02070309020205020404" pitchFamily="49" charset="0"/>
+              </a:rPr>
+              <a:t> -n</a:t>
+            </a:r>
+          </a:p>
+          <a:p>
+            <a:pPr marL="0" indent="0">
+              <a:buNone/>
+            </a:pPr>
+            <a:endParaRPr lang="en-US" sz="2400" dirty="0"/>
+          </a:p>
+          <a:p>
+            <a:pPr marL="0" indent="0">
+              <a:buNone/>
+            </a:pPr>
+            <a:r>
+              <a:rPr lang="en-US" sz="2400" dirty="0">
+                <a:solidFill>
+                  <a:schemeClr val="tx1">
+                    <a:lumMod val="50000"/>
+                    <a:lumOff val="50000"/>
                   </a:schemeClr>
                 </a:solidFill>
               </a:rPr>
-              <a:t> and examples</a:t>
-            </a:r>
-          </a:p>
-          <a:p>
-            <a:pPr>
-              <a:lnSpc>
-                <a:spcPct val="150000"/>
-              </a:lnSpc>
-            </a:pPr>
-            <a:r>
-              <a:rPr lang="en-US" sz="3200" dirty="0"/>
-              <a:t>Software installation</a:t>
-            </a:r>
-          </a:p>
-          <a:p>
-            <a:pPr>
-              <a:lnSpc>
-                <a:spcPct val="150000"/>
-              </a:lnSpc>
-            </a:pPr>
-            <a:endParaRPr lang="en-US" sz="3200" dirty="0"/>
+              <a:t># Merge nearby (within 1kb) repetitive elements into a single entry.</a:t>
+            </a:r>
+          </a:p>
+          <a:p>
+            <a:pPr marL="0" indent="0">
+              <a:buNone/>
+            </a:pPr>
+            <a:r>
+              <a:rPr lang="en-US" sz="2400" dirty="0" err="1">
+                <a:latin typeface="Courier New" panose="02070309020205020404" pitchFamily="49" charset="0"/>
+                <a:cs typeface="Courier New" panose="02070309020205020404" pitchFamily="49" charset="0"/>
+              </a:rPr>
+              <a:t>bedtools</a:t>
+            </a:r>
+            <a:r>
+              <a:rPr lang="en-US" sz="2400" dirty="0">
+                <a:latin typeface="Courier New" panose="02070309020205020404" pitchFamily="49" charset="0"/>
+                <a:cs typeface="Courier New" panose="02070309020205020404" pitchFamily="49" charset="0"/>
+              </a:rPr>
+              <a:t> merge -</a:t>
+            </a:r>
+            <a:r>
+              <a:rPr lang="en-US" sz="2400" dirty="0" err="1">
+                <a:latin typeface="Courier New" panose="02070309020205020404" pitchFamily="49" charset="0"/>
+                <a:cs typeface="Courier New" panose="02070309020205020404" pitchFamily="49" charset="0"/>
+              </a:rPr>
+              <a:t>i</a:t>
+            </a:r>
+            <a:r>
+              <a:rPr lang="en-US" sz="2400" dirty="0">
+                <a:latin typeface="Courier New" panose="02070309020205020404" pitchFamily="49" charset="0"/>
+                <a:cs typeface="Courier New" panose="02070309020205020404" pitchFamily="49" charset="0"/>
+              </a:rPr>
+              <a:t> </a:t>
+            </a:r>
+            <a:r>
+              <a:rPr lang="en-US" sz="2400" dirty="0" err="1">
+                <a:latin typeface="Courier New" panose="02070309020205020404" pitchFamily="49" charset="0"/>
+                <a:cs typeface="Courier New" panose="02070309020205020404" pitchFamily="49" charset="0"/>
+              </a:rPr>
+              <a:t>repeatMasker.bed</a:t>
+            </a:r>
+            <a:r>
+              <a:rPr lang="en-US" sz="2400" dirty="0">
+                <a:latin typeface="Courier New" panose="02070309020205020404" pitchFamily="49" charset="0"/>
+                <a:cs typeface="Courier New" panose="02070309020205020404" pitchFamily="49" charset="0"/>
+              </a:rPr>
+              <a:t> -d 1000</a:t>
+            </a:r>
           </a:p>
         </p:txBody>
       </p:sp>
     </p:spTree>
     <p:extLst>
       <p:ext uri="{BB962C8B-B14F-4D97-AF65-F5344CB8AC3E}">
-        <p14:creationId xmlns:p14="http://schemas.microsoft.com/office/powerpoint/2010/main" val="312396782"/>
+        <p14:creationId xmlns:p14="http://schemas.microsoft.com/office/powerpoint/2010/main" val="4081784120"/>
       </p:ext>
     </p:extLst>
   </p:cSld>
@@ -11053,13 +11170,7 @@
       </p:grpSpPr>
       <p:sp>
         <p:nvSpPr>
-          <p:cNvPr id="2" name="Title 1">
-            <a:extLst>
-              <a:ext uri="{FF2B5EF4-FFF2-40B4-BE49-F238E27FC236}">
-                <a16:creationId xmlns:a16="http://schemas.microsoft.com/office/drawing/2014/main" id="{C2B771A0-17DD-904B-BBA2-ECFD898798C3}"/>
-              </a:ext>
-            </a:extLst>
-          </p:cNvPr>
+          <p:cNvPr id="2" name="Title 1"/>
           <p:cNvSpPr>
             <a:spLocks noGrp="1"/>
           </p:cNvSpPr>
@@ -11067,35 +11178,22 @@
             <p:ph type="title"/>
           </p:nvPr>
         </p:nvSpPr>
-        <p:spPr>
-          <a:xfrm>
-            <a:off x="628650" y="365127"/>
-            <a:ext cx="7886700" cy="787018"/>
-          </a:xfrm>
-        </p:spPr>
-        <p:txBody>
-          <a:bodyPr>
-            <a:normAutofit/>
-          </a:bodyPr>
+        <p:spPr/>
+        <p:txBody>
+          <a:bodyPr/>
           <a:lstStyle/>
           <a:p>
             <a:pPr algn="ctr"/>
             <a:r>
-              <a:rPr lang="en-US" sz="3200" dirty="0"/>
-              <a:t>HiSat2 (example: compiled package)</a:t>
-            </a:r>
-          </a:p>
-        </p:txBody>
-      </p:sp>
-      <p:sp>
-        <p:nvSpPr>
-          <p:cNvPr id="3" name="Content Placeholder 2">
-            <a:extLst>
-              <a:ext uri="{FF2B5EF4-FFF2-40B4-BE49-F238E27FC236}">
-                <a16:creationId xmlns:a16="http://schemas.microsoft.com/office/drawing/2014/main" id="{3661A253-6582-8B4F-8100-89DD262132B8}"/>
-              </a:ext>
-            </a:extLst>
-          </p:cNvPr>
+              <a:rPr lang="en-US" dirty="0"/>
+              <a:t>Outline</a:t>
+            </a:r>
+          </a:p>
+        </p:txBody>
+      </p:sp>
+      <p:sp>
+        <p:nvSpPr>
+          <p:cNvPr id="3" name="Content Placeholder 2"/>
           <p:cNvSpPr>
             <a:spLocks noGrp="1"/>
           </p:cNvSpPr>
@@ -11105,135 +11203,84 @@
         </p:nvSpPr>
         <p:spPr>
           <a:xfrm>
-            <a:off x="394854" y="1027454"/>
-            <a:ext cx="8354291" cy="5465419"/>
+            <a:off x="1013671" y="1879013"/>
+            <a:ext cx="7116657" cy="3219460"/>
           </a:xfrm>
         </p:spPr>
         <p:txBody>
           <a:bodyPr>
-            <a:noAutofit/>
+            <a:normAutofit/>
           </a:bodyPr>
           <a:lstStyle/>
           <a:p>
-            <a:pPr marL="0" indent="0">
-              <a:buNone/>
-            </a:pPr>
-            <a:r>
-              <a:rPr lang="en-US" sz="2400" dirty="0" err="1"/>
-              <a:t>wget</a:t>
-            </a:r>
-            <a:r>
-              <a:rPr lang="en-US" sz="2400" dirty="0"/>
-              <a:t> </a:t>
-            </a:r>
-            <a:r>
-              <a:rPr lang="en-US" sz="2400" dirty="0">
-                <a:hlinkClick r:id="rId3"/>
-              </a:rPr>
-              <a:t>https://cloud.biohpc.swmed.edu/index.php/s/hisat2-220-Linux_x86_64/download</a:t>
-            </a:r>
-            <a:endParaRPr lang="en-US" sz="2400" dirty="0"/>
-          </a:p>
-          <a:p>
-            <a:pPr marL="0" indent="0">
-              <a:buNone/>
-            </a:pPr>
-            <a:endParaRPr lang="en-US" sz="2400" dirty="0"/>
-          </a:p>
-          <a:p>
-            <a:pPr marL="0" indent="0">
-              <a:buNone/>
-            </a:pPr>
-            <a:r>
-              <a:rPr lang="en-US" sz="2400" dirty="0"/>
-              <a:t>mv download hisat2-220-Linux_x86_64.zip</a:t>
-            </a:r>
-          </a:p>
-          <a:p>
-            <a:pPr marL="0" indent="0">
-              <a:buNone/>
-            </a:pPr>
-            <a:r>
-              <a:rPr lang="en-US" sz="2400" dirty="0"/>
-              <a:t>unzip hisat2-220-Linux_x86_4.zip</a:t>
-            </a:r>
-          </a:p>
-          <a:p>
-            <a:pPr marL="0" indent="0">
-              <a:buNone/>
-            </a:pPr>
-            <a:r>
-              <a:rPr lang="en-US" sz="2400" dirty="0"/>
-              <a:t>cd hisat2-2.2.0/</a:t>
-            </a:r>
-          </a:p>
-          <a:p>
-            <a:pPr marL="0" indent="0">
-              <a:buNone/>
-            </a:pPr>
-            <a:endParaRPr lang="en-US" sz="2400" dirty="0"/>
-          </a:p>
-          <a:p>
-            <a:pPr marL="0" indent="0">
-              <a:buNone/>
-            </a:pPr>
-            <a:r>
-              <a:rPr lang="en-US" sz="2400" dirty="0"/>
-              <a:t># Edit ~/.</a:t>
-            </a:r>
-            <a:r>
-              <a:rPr lang="en-US" sz="2400" dirty="0" err="1"/>
-              <a:t>bashrc</a:t>
-            </a:r>
-            <a:endParaRPr lang="en-US" sz="2400" dirty="0"/>
-          </a:p>
-          <a:p>
-            <a:pPr marL="0" indent="0">
-              <a:buNone/>
-            </a:pPr>
-            <a:r>
-              <a:rPr lang="en-US" sz="2400" dirty="0"/>
-              <a:t># PATH=$PATH:~/software/hisat2/hisat2-2.2.0:…</a:t>
-            </a:r>
-          </a:p>
-          <a:p>
-            <a:pPr marL="0" indent="0">
-              <a:buNone/>
-            </a:pPr>
-            <a:r>
-              <a:rPr lang="en-US" sz="2400" dirty="0"/>
-              <a:t>source ~/.</a:t>
-            </a:r>
-            <a:r>
-              <a:rPr lang="en-US" sz="2400" dirty="0" err="1"/>
-              <a:t>bashrc</a:t>
-            </a:r>
-            <a:endParaRPr lang="en-US" sz="2400" dirty="0"/>
-          </a:p>
-          <a:p>
-            <a:pPr marL="0" indent="0">
-              <a:buNone/>
-            </a:pPr>
-            <a:r>
-              <a:rPr lang="en-US" sz="2400" dirty="0"/>
-              <a:t>which hisat2</a:t>
-            </a:r>
-          </a:p>
-          <a:p>
-            <a:pPr marL="0" indent="0">
-              <a:buNone/>
-            </a:pPr>
-            <a:r>
-              <a:rPr lang="en-US" sz="2400" dirty="0"/>
-              <a:t>#~/software/hisat2/hisat2-2.2.0/hisat2</a:t>
-            </a:r>
+            <a:pPr>
+              <a:lnSpc>
+                <a:spcPct val="150000"/>
+              </a:lnSpc>
+            </a:pPr>
+            <a:r>
+              <a:rPr lang="en-US" sz="3200" dirty="0">
+                <a:solidFill>
+                  <a:schemeClr val="bg1">
+                    <a:lumMod val="85000"/>
+                  </a:schemeClr>
+                </a:solidFill>
+              </a:rPr>
+              <a:t>BED format</a:t>
+            </a:r>
+          </a:p>
+          <a:p>
+            <a:pPr>
+              <a:lnSpc>
+                <a:spcPct val="150000"/>
+              </a:lnSpc>
+            </a:pPr>
+            <a:r>
+              <a:rPr lang="en-US" sz="3200" dirty="0" err="1">
+                <a:solidFill>
+                  <a:schemeClr val="bg1">
+                    <a:lumMod val="85000"/>
+                  </a:schemeClr>
+                </a:solidFill>
+              </a:rPr>
+              <a:t>BEDtools</a:t>
+            </a:r>
+            <a:r>
+              <a:rPr lang="en-US" sz="3200" dirty="0">
+                <a:solidFill>
+                  <a:schemeClr val="bg1">
+                    <a:lumMod val="85000"/>
+                  </a:schemeClr>
+                </a:solidFill>
+              </a:rPr>
+              <a:t> and examples</a:t>
+            </a:r>
+          </a:p>
+          <a:p>
+            <a:pPr>
+              <a:lnSpc>
+                <a:spcPct val="150000"/>
+              </a:lnSpc>
+            </a:pPr>
+            <a:r>
+              <a:rPr lang="en-US" sz="3200" dirty="0"/>
+              <a:t>Software installation</a:t>
+            </a:r>
+          </a:p>
+          <a:p>
+            <a:pPr>
+              <a:lnSpc>
+                <a:spcPct val="150000"/>
+              </a:lnSpc>
+            </a:pPr>
+            <a:endParaRPr lang="en-US" sz="3200" dirty="0"/>
           </a:p>
         </p:txBody>
       </p:sp>
     </p:spTree>
     <p:extLst>
       <p:ext uri="{BB962C8B-B14F-4D97-AF65-F5344CB8AC3E}">
-        <p14:creationId xmlns:p14="http://schemas.microsoft.com/office/powerpoint/2010/main" val="3401161940"/>
+        <p14:creationId xmlns:p14="http://schemas.microsoft.com/office/powerpoint/2010/main" val="312396782"/>
       </p:ext>
     </p:extLst>
   </p:cSld>
@@ -11265,7 +11312,7 @@
           <p:cNvPr id="2" name="Title 1">
             <a:extLst>
               <a:ext uri="{FF2B5EF4-FFF2-40B4-BE49-F238E27FC236}">
-                <a16:creationId xmlns:a16="http://schemas.microsoft.com/office/drawing/2014/main" id="{7D197F7B-A93F-1542-A0ED-65351759CA37}"/>
+                <a16:creationId xmlns:a16="http://schemas.microsoft.com/office/drawing/2014/main" id="{C2B771A0-17DD-904B-BBA2-ECFD898798C3}"/>
               </a:ext>
             </a:extLst>
           </p:cNvPr>
@@ -11279,7 +11326,7 @@
         <p:spPr>
           <a:xfrm>
             <a:off x="628650" y="365127"/>
-            <a:ext cx="7886700" cy="604692"/>
+            <a:ext cx="7886700" cy="787018"/>
           </a:xfrm>
         </p:spPr>
         <p:txBody>
@@ -11291,7 +11338,7 @@
             <a:pPr algn="ctr"/>
             <a:r>
               <a:rPr lang="en-US" sz="3200" dirty="0"/>
-              <a:t>bwa (uncompiled package)</a:t>
+              <a:t>HiSat2 (example: compiled package)</a:t>
             </a:r>
           </a:p>
         </p:txBody>
@@ -11301,7 +11348,7 @@
           <p:cNvPr id="3" name="Content Placeholder 2">
             <a:extLst>
               <a:ext uri="{FF2B5EF4-FFF2-40B4-BE49-F238E27FC236}">
-                <a16:creationId xmlns:a16="http://schemas.microsoft.com/office/drawing/2014/main" id="{302316A5-70FF-EF4D-8709-DC41B0FFD288}"/>
+                <a16:creationId xmlns:a16="http://schemas.microsoft.com/office/drawing/2014/main" id="{3661A253-6582-8B4F-8100-89DD262132B8}"/>
               </a:ext>
             </a:extLst>
           </p:cNvPr>
@@ -11314,13 +11361,13 @@
         </p:nvSpPr>
         <p:spPr>
           <a:xfrm>
-            <a:off x="413904" y="1274617"/>
-            <a:ext cx="8316191" cy="5361710"/>
+            <a:off x="394854" y="1027454"/>
+            <a:ext cx="8354291" cy="5465419"/>
           </a:xfrm>
         </p:spPr>
         <p:txBody>
           <a:bodyPr>
-            <a:normAutofit/>
+            <a:noAutofit/>
           </a:bodyPr>
           <a:lstStyle/>
           <a:p>
@@ -11328,145 +11375,121 @@
               <a:buNone/>
             </a:pPr>
             <a:r>
-              <a:rPr lang="en-US" dirty="0" err="1"/>
+              <a:rPr lang="en-US" sz="2400" dirty="0" err="1"/>
               <a:t>wget</a:t>
             </a:r>
             <a:r>
-              <a:rPr lang="en-US" dirty="0"/>
+              <a:rPr lang="en-US" sz="2400" dirty="0"/>
               <a:t> </a:t>
             </a:r>
             <a:r>
-              <a:rPr lang="en-US" sz="1800" dirty="0"/>
-              <a:t>https://</a:t>
-            </a:r>
-            <a:r>
-              <a:rPr lang="en-US" sz="1800" dirty="0" err="1"/>
-              <a:t>sourceforge.net</a:t>
-            </a:r>
-            <a:r>
-              <a:rPr lang="en-US" sz="1800" dirty="0"/>
-              <a:t>/projects/bio-bwa/files/bwa-0.7.17.tar.bz2/download</a:t>
-            </a:r>
-          </a:p>
-          <a:p>
-            <a:pPr marL="0" indent="0">
-              <a:buNone/>
-            </a:pPr>
-            <a:r>
-              <a:rPr lang="en-US" dirty="0"/>
-              <a:t>mv download bwa-0.7.17.tar.bz2</a:t>
-            </a:r>
-          </a:p>
-          <a:p>
-            <a:pPr marL="0" indent="0">
-              <a:buNone/>
-            </a:pPr>
-            <a:r>
-              <a:rPr lang="en-US" dirty="0"/>
-              <a:t>tar -</a:t>
-            </a:r>
-            <a:r>
-              <a:rPr lang="en-US" dirty="0" err="1"/>
-              <a:t>xf</a:t>
-            </a:r>
-            <a:r>
-              <a:rPr lang="en-US" dirty="0"/>
-              <a:t> bwa-0.7.17.tar.bz2 </a:t>
-            </a:r>
-          </a:p>
-          <a:p>
-            <a:pPr marL="0" indent="0">
-              <a:buNone/>
-            </a:pPr>
-            <a:r>
-              <a:rPr lang="en-US" dirty="0"/>
-              <a:t>cd bwa-0.7.17</a:t>
-            </a:r>
-          </a:p>
-          <a:p>
-            <a:pPr marL="0" indent="0">
-              <a:buNone/>
-            </a:pPr>
-            <a:r>
-              <a:rPr lang="en-US" dirty="0">
-                <a:solidFill>
-                  <a:srgbClr val="FF0000"/>
-                </a:solidFill>
-              </a:rPr>
-              <a:t># compile</a:t>
-            </a:r>
-          </a:p>
-          <a:p>
-            <a:pPr marL="0" indent="0">
-              <a:buNone/>
-            </a:pPr>
-            <a:r>
-              <a:rPr lang="en-US" dirty="0">
-                <a:solidFill>
-                  <a:srgbClr val="FF0000"/>
-                </a:solidFill>
-              </a:rPr>
-              <a:t>make</a:t>
-            </a:r>
-          </a:p>
-          <a:p>
-            <a:pPr marL="0" indent="0">
-              <a:buNone/>
-            </a:pPr>
-            <a:r>
-              <a:rPr lang="en-US" dirty="0"/>
-              <a:t># change ~/.</a:t>
-            </a:r>
-            <a:r>
-              <a:rPr lang="en-US" dirty="0" err="1"/>
+              <a:rPr lang="en-US" sz="2400" dirty="0">
+                <a:hlinkClick r:id="rId3"/>
+              </a:rPr>
+              <a:t>https://cloud.biohpc.swmed.edu/index.php/s/hisat2-220-Linux_x86_64/download</a:t>
+            </a:r>
+            <a:endParaRPr lang="en-US" sz="2400" dirty="0"/>
+          </a:p>
+          <a:p>
+            <a:pPr marL="0" indent="0">
+              <a:buNone/>
+            </a:pPr>
+            <a:endParaRPr lang="en-US" sz="2400" dirty="0"/>
+          </a:p>
+          <a:p>
+            <a:pPr marL="0" indent="0">
+              <a:buNone/>
+            </a:pPr>
+            <a:r>
+              <a:rPr lang="en-US" sz="2400" dirty="0"/>
+              <a:t>mv download hisat2-220-Linux_x86_64.zip</a:t>
+            </a:r>
+          </a:p>
+          <a:p>
+            <a:pPr marL="0" indent="0">
+              <a:buNone/>
+            </a:pPr>
+            <a:r>
+              <a:rPr lang="en-US" sz="2400" dirty="0"/>
+              <a:t>unzip hisat2-220-Linux_x86_4.zip</a:t>
+            </a:r>
+          </a:p>
+          <a:p>
+            <a:pPr marL="0" indent="0">
+              <a:buNone/>
+            </a:pPr>
+            <a:r>
+              <a:rPr lang="en-US" sz="2400" dirty="0"/>
+              <a:t>cd hisat2-2.2.0/</a:t>
+            </a:r>
+          </a:p>
+          <a:p>
+            <a:pPr marL="0" indent="0">
+              <a:buNone/>
+            </a:pPr>
+            <a:endParaRPr lang="en-US" sz="2400" dirty="0"/>
+          </a:p>
+          <a:p>
+            <a:pPr marL="0" indent="0">
+              <a:buNone/>
+            </a:pPr>
+            <a:r>
+              <a:rPr lang="en-US" sz="2400" dirty="0"/>
+              <a:t># Edit ~/.</a:t>
+            </a:r>
+            <a:r>
+              <a:rPr lang="en-US" sz="2400" dirty="0" err="1"/>
               <a:t>bashrc</a:t>
             </a:r>
-            <a:endParaRPr lang="en-US" dirty="0"/>
-          </a:p>
-          <a:p>
-            <a:pPr marL="0" indent="0">
-              <a:buNone/>
-            </a:pPr>
-            <a:r>
-              <a:rPr lang="en-US" sz="2000" dirty="0"/>
-              <a:t>PATH=$PATH:~/software/bwa/bwa-0.7.17:~/software/hisat2/hisat2-2.2.0:…</a:t>
-            </a:r>
-          </a:p>
-          <a:p>
-            <a:pPr marL="0" indent="0">
-              <a:buNone/>
-            </a:pPr>
-            <a:r>
-              <a:rPr lang="en-US" dirty="0"/>
+            <a:endParaRPr lang="en-US" sz="2400" dirty="0"/>
+          </a:p>
+          <a:p>
+            <a:pPr marL="0" indent="0">
+              <a:buNone/>
+            </a:pPr>
+            <a:r>
+              <a:rPr lang="en-US" sz="2400" dirty="0"/>
+              <a:t># PATH=$PATH:~/software/hisat2/hisat2-2.2.0:…</a:t>
+            </a:r>
+          </a:p>
+          <a:p>
+            <a:pPr marL="0" indent="0">
+              <a:buNone/>
+            </a:pPr>
+            <a:r>
+              <a:rPr lang="en-US" sz="2400" dirty="0"/>
               <a:t>source ~/.</a:t>
             </a:r>
             <a:r>
-              <a:rPr lang="en-US" dirty="0" err="1"/>
+              <a:rPr lang="en-US" sz="2400" dirty="0" err="1"/>
               <a:t>bashrc</a:t>
             </a:r>
-            <a:endParaRPr lang="en-US" dirty="0"/>
-          </a:p>
-          <a:p>
-            <a:pPr marL="0" indent="0">
-              <a:buNone/>
-            </a:pPr>
-            <a:r>
-              <a:rPr lang="en-US" dirty="0"/>
-              <a:t>bwa</a:t>
-            </a:r>
-          </a:p>
-          <a:p>
-            <a:pPr marL="0" indent="0">
-              <a:buNone/>
-            </a:pPr>
-            <a:endParaRPr lang="en-US" dirty="0"/>
+            <a:endParaRPr lang="en-US" sz="2400" dirty="0"/>
+          </a:p>
+          <a:p>
+            <a:pPr marL="0" indent="0">
+              <a:buNone/>
+            </a:pPr>
+            <a:r>
+              <a:rPr lang="en-US" sz="2400" dirty="0"/>
+              <a:t>which hisat2</a:t>
+            </a:r>
+          </a:p>
+          <a:p>
+            <a:pPr marL="0" indent="0">
+              <a:buNone/>
+            </a:pPr>
+            <a:r>
+              <a:rPr lang="en-US" sz="2400" dirty="0"/>
+              <a:t>#~/software/hisat2/hisat2-2.2.0/hisat2</a:t>
+            </a:r>
           </a:p>
         </p:txBody>
       </p:sp>
     </p:spTree>
     <p:extLst>
       <p:ext uri="{BB962C8B-B14F-4D97-AF65-F5344CB8AC3E}">
-        <p14:creationId xmlns:p14="http://schemas.microsoft.com/office/powerpoint/2010/main" val="2599556366"/>
+        <p14:creationId xmlns:p14="http://schemas.microsoft.com/office/powerpoint/2010/main" val="3401161940"/>
       </p:ext>
     </p:extLst>
   </p:cSld>
@@ -11498,7 +11521,7 @@
           <p:cNvPr id="2" name="Title 1">
             <a:extLst>
               <a:ext uri="{FF2B5EF4-FFF2-40B4-BE49-F238E27FC236}">
-                <a16:creationId xmlns:a16="http://schemas.microsoft.com/office/drawing/2014/main" id="{C2B771A0-17DD-904B-BBA2-ECFD898798C3}"/>
+                <a16:creationId xmlns:a16="http://schemas.microsoft.com/office/drawing/2014/main" id="{7D197F7B-A93F-1542-A0ED-65351759CA37}"/>
               </a:ext>
             </a:extLst>
           </p:cNvPr>
@@ -11512,7 +11535,7 @@
         <p:spPr>
           <a:xfrm>
             <a:off x="628650" y="365127"/>
-            <a:ext cx="7886700" cy="787018"/>
+            <a:ext cx="7886700" cy="604692"/>
           </a:xfrm>
         </p:spPr>
         <p:txBody>
@@ -11523,10 +11546,9 @@
           <a:p>
             <a:pPr algn="ctr"/>
             <a:r>
-              <a:rPr lang="en-US" sz="3200" dirty="0" err="1"/>
-              <a:t>conda</a:t>
-            </a:r>
-            <a:endParaRPr lang="en-US" sz="3200" dirty="0"/>
+              <a:rPr lang="en-US" sz="3200" dirty="0"/>
+              <a:t>bwa (uncompiled package)</a:t>
+            </a:r>
           </a:p>
         </p:txBody>
       </p:sp>
@@ -11535,7 +11557,7 @@
           <p:cNvPr id="3" name="Content Placeholder 2">
             <a:extLst>
               <a:ext uri="{FF2B5EF4-FFF2-40B4-BE49-F238E27FC236}">
-                <a16:creationId xmlns:a16="http://schemas.microsoft.com/office/drawing/2014/main" id="{3661A253-6582-8B4F-8100-89DD262132B8}"/>
+                <a16:creationId xmlns:a16="http://schemas.microsoft.com/office/drawing/2014/main" id="{302316A5-70FF-EF4D-8709-DC41B0FFD288}"/>
               </a:ext>
             </a:extLst>
           </p:cNvPr>
@@ -11548,129 +11570,159 @@
         </p:nvSpPr>
         <p:spPr>
           <a:xfrm>
-            <a:off x="383598" y="1337879"/>
-            <a:ext cx="8376804" cy="4740049"/>
+            <a:off x="413904" y="1274617"/>
+            <a:ext cx="8316191" cy="5361710"/>
           </a:xfrm>
         </p:spPr>
         <p:txBody>
-          <a:bodyPr/>
-          <a:lstStyle/>
-          <a:p>
-            <a:pPr marL="0" indent="0">
-              <a:buNone/>
-            </a:pPr>
-            <a:r>
-              <a:rPr lang="en-US" dirty="0" err="1">
-                <a:latin typeface="Calibri Light" panose="020F0302020204030204" pitchFamily="34" charset="0"/>
-                <a:cs typeface="Calibri Light" panose="020F0302020204030204" pitchFamily="34" charset="0"/>
-              </a:rPr>
-              <a:t>Conda</a:t>
-            </a:r>
+          <a:bodyPr>
+            <a:normAutofit/>
+          </a:bodyPr>
+          <a:lstStyle/>
+          <a:p>
+            <a:pPr marL="0" indent="0">
+              <a:buNone/>
+            </a:pPr>
+            <a:r>
+              <a:rPr lang="en-US" dirty="0" err="1"/>
+              <a:t>wget</a:t>
+            </a:r>
+            <a:r>
+              <a:rPr lang="en-US" dirty="0"/>
+              <a:t> </a:t>
+            </a:r>
+            <a:r>
+              <a:rPr lang="en-US" sz="1800" dirty="0"/>
+              <a:t>https://</a:t>
+            </a:r>
+            <a:r>
+              <a:rPr lang="en-US" sz="1800" dirty="0" err="1"/>
+              <a:t>sourceforge.net</a:t>
+            </a:r>
+            <a:r>
+              <a:rPr lang="en-US" sz="1800" dirty="0"/>
+              <a:t>/projects/bio-bwa/files/bwa-0.7.17.tar.bz2/download</a:t>
+            </a:r>
+          </a:p>
+          <a:p>
+            <a:pPr marL="0" indent="0">
+              <a:buNone/>
+            </a:pPr>
+            <a:r>
+              <a:rPr lang="en-US" dirty="0"/>
+              <a:t>mv download bwa-0.7.17.tar.bz2</a:t>
+            </a:r>
+          </a:p>
+          <a:p>
+            <a:pPr marL="0" indent="0">
+              <a:buNone/>
+            </a:pPr>
+            <a:r>
+              <a:rPr lang="en-US" dirty="0"/>
+              <a:t>tar -</a:t>
+            </a:r>
+            <a:r>
+              <a:rPr lang="en-US" dirty="0" err="1"/>
+              <a:t>xf</a:t>
+            </a:r>
+            <a:r>
+              <a:rPr lang="en-US" dirty="0"/>
+              <a:t> bwa-0.7.17.tar.bz2 </a:t>
+            </a:r>
+          </a:p>
+          <a:p>
+            <a:pPr marL="0" indent="0">
+              <a:buNone/>
+            </a:pPr>
+            <a:r>
+              <a:rPr lang="en-US" dirty="0"/>
+              <a:t>cd bwa-0.7.17</a:t>
+            </a:r>
+          </a:p>
+          <a:p>
+            <a:pPr marL="0" indent="0">
+              <a:buNone/>
+            </a:pPr>
             <a:r>
               <a:rPr lang="en-US" dirty="0">
-                <a:latin typeface="Calibri Light" panose="020F0302020204030204" pitchFamily="34" charset="0"/>
-                <a:cs typeface="Calibri Light" panose="020F0302020204030204" pitchFamily="34" charset="0"/>
-              </a:rPr>
-              <a:t> is an open-source package management system and environment management system.</a:t>
-            </a:r>
-          </a:p>
-          <a:p>
-            <a:pPr marL="0" indent="0">
-              <a:buNone/>
-            </a:pPr>
-            <a:endParaRPr lang="en-US" dirty="0">
-              <a:latin typeface="Calibri Light" panose="020F0302020204030204" pitchFamily="34" charset="0"/>
-              <a:cs typeface="Calibri Light" panose="020F0302020204030204" pitchFamily="34" charset="0"/>
-            </a:endParaRPr>
-          </a:p>
-          <a:p>
-            <a:pPr marL="0" indent="0">
-              <a:buNone/>
-            </a:pPr>
-            <a:r>
-              <a:rPr lang="en-US" dirty="0" err="1">
-                <a:latin typeface="Calibri Light" panose="020F0302020204030204" pitchFamily="34" charset="0"/>
-                <a:cs typeface="Calibri Light" panose="020F0302020204030204" pitchFamily="34" charset="0"/>
-              </a:rPr>
-              <a:t>Conda</a:t>
-            </a:r>
+                <a:solidFill>
+                  <a:srgbClr val="FF0000"/>
+                </a:solidFill>
+              </a:rPr>
+              <a:t># compile</a:t>
+            </a:r>
+          </a:p>
+          <a:p>
+            <a:pPr marL="0" indent="0">
+              <a:buNone/>
+            </a:pPr>
             <a:r>
               <a:rPr lang="en-US" dirty="0">
-                <a:latin typeface="Calibri Light" panose="020F0302020204030204" pitchFamily="34" charset="0"/>
-                <a:cs typeface="Calibri Light" panose="020F0302020204030204" pitchFamily="34" charset="0"/>
-              </a:rPr>
-              <a:t> quickly installs, runs and updates packages and their dependencies.</a:t>
-            </a:r>
-          </a:p>
-          <a:p>
-            <a:pPr marL="0" indent="0">
-              <a:buNone/>
-            </a:pPr>
-            <a:endParaRPr lang="en-US" dirty="0">
-              <a:latin typeface="Calibri Light" panose="020F0302020204030204" pitchFamily="34" charset="0"/>
-              <a:cs typeface="Calibri Light" panose="020F0302020204030204" pitchFamily="34" charset="0"/>
-            </a:endParaRPr>
-          </a:p>
-          <a:p>
-            <a:pPr marL="0" indent="0">
-              <a:buNone/>
-            </a:pPr>
-            <a:r>
-              <a:rPr lang="en-US" dirty="0">
-                <a:latin typeface="Calibri Light" panose="020F0302020204030204" pitchFamily="34" charset="0"/>
-                <a:cs typeface="Calibri Light" panose="020F0302020204030204" pitchFamily="34" charset="0"/>
-              </a:rPr>
-              <a:t>Overall, </a:t>
-            </a:r>
-            <a:r>
-              <a:rPr lang="en-US" dirty="0" err="1">
-                <a:latin typeface="Calibri Light" panose="020F0302020204030204" pitchFamily="34" charset="0"/>
-                <a:cs typeface="Calibri Light" panose="020F0302020204030204" pitchFamily="34" charset="0"/>
-              </a:rPr>
-              <a:t>conda</a:t>
-            </a:r>
-            <a:r>
-              <a:rPr lang="en-US" dirty="0">
-                <a:latin typeface="Calibri Light" panose="020F0302020204030204" pitchFamily="34" charset="0"/>
-                <a:cs typeface="Calibri Light" panose="020F0302020204030204" pitchFamily="34" charset="0"/>
-              </a:rPr>
-              <a:t> can be a powerful tool for scientific computing and data science, providing a convenient way to </a:t>
-            </a:r>
-            <a:r>
-              <a:rPr lang="en-US" u="sng" dirty="0">
-                <a:latin typeface="Calibri Light" panose="020F0302020204030204" pitchFamily="34" charset="0"/>
-                <a:cs typeface="Calibri Light" panose="020F0302020204030204" pitchFamily="34" charset="0"/>
-              </a:rPr>
-              <a:t>manage dependencies and environments </a:t>
-            </a:r>
-            <a:r>
-              <a:rPr lang="en-US" dirty="0">
-                <a:latin typeface="Calibri Light" panose="020F0302020204030204" pitchFamily="34" charset="0"/>
-                <a:cs typeface="Calibri Light" panose="020F0302020204030204" pitchFamily="34" charset="0"/>
-              </a:rPr>
-              <a:t>and making it </a:t>
-            </a:r>
-            <a:r>
-              <a:rPr lang="en-US" u="sng" dirty="0">
-                <a:latin typeface="Calibri Light" panose="020F0302020204030204" pitchFamily="34" charset="0"/>
-                <a:cs typeface="Calibri Light" panose="020F0302020204030204" pitchFamily="34" charset="0"/>
-              </a:rPr>
-              <a:t>easy to install and use complex software packages</a:t>
-            </a:r>
-            <a:r>
-              <a:rPr lang="en-US" dirty="0">
-                <a:latin typeface="Calibri Light" panose="020F0302020204030204" pitchFamily="34" charset="0"/>
-                <a:cs typeface="Calibri Light" panose="020F0302020204030204" pitchFamily="34" charset="0"/>
-              </a:rPr>
-              <a:t>.</a:t>
-            </a:r>
+                <a:solidFill>
+                  <a:srgbClr val="FF0000"/>
+                </a:solidFill>
+              </a:rPr>
+              <a:t>make</a:t>
+            </a:r>
+          </a:p>
+          <a:p>
+            <a:pPr marL="0" indent="0">
+              <a:buNone/>
+            </a:pPr>
+            <a:r>
+              <a:rPr lang="en-US" dirty="0"/>
+              <a:t># change ~/.</a:t>
+            </a:r>
+            <a:r>
+              <a:rPr lang="en-US" dirty="0" err="1"/>
+              <a:t>bashrc</a:t>
+            </a:r>
+            <a:endParaRPr lang="en-US" dirty="0"/>
+          </a:p>
+          <a:p>
+            <a:pPr marL="0" indent="0">
+              <a:buNone/>
+            </a:pPr>
+            <a:r>
+              <a:rPr lang="en-US" sz="2000" dirty="0"/>
+              <a:t>PATH=$PATH:~/software/bwa/bwa-0.7.17:~/software/hisat2/hisat2-2.2.0:…</a:t>
+            </a:r>
+          </a:p>
+          <a:p>
+            <a:pPr marL="0" indent="0">
+              <a:buNone/>
+            </a:pPr>
+            <a:r>
+              <a:rPr lang="en-US" dirty="0"/>
+              <a:t>source ~/.</a:t>
+            </a:r>
+            <a:r>
+              <a:rPr lang="en-US" dirty="0" err="1"/>
+              <a:t>bashrc</a:t>
+            </a:r>
+            <a:endParaRPr lang="en-US" dirty="0"/>
+          </a:p>
+          <a:p>
+            <a:pPr marL="0" indent="0">
+              <a:buNone/>
+            </a:pPr>
+            <a:r>
+              <a:rPr lang="en-US" dirty="0"/>
+              <a:t>bwa</a:t>
+            </a:r>
+          </a:p>
+          <a:p>
+            <a:pPr marL="0" indent="0">
+              <a:buNone/>
+            </a:pPr>
+            <a:endParaRPr lang="en-US" dirty="0"/>
           </a:p>
         </p:txBody>
       </p:sp>
     </p:spTree>
     <p:extLst>
       <p:ext uri="{BB962C8B-B14F-4D97-AF65-F5344CB8AC3E}">
-        <p14:creationId xmlns:p14="http://schemas.microsoft.com/office/powerpoint/2010/main" val="3837926696"/>
+        <p14:creationId xmlns:p14="http://schemas.microsoft.com/office/powerpoint/2010/main" val="2599556366"/>
       </p:ext>
     </p:extLst>
   </p:cSld>
@@ -11730,10 +11782,7 @@
               <a:rPr lang="en-US" sz="3200" dirty="0" err="1"/>
               <a:t>conda</a:t>
             </a:r>
-            <a:r>
-              <a:rPr lang="en-US" sz="3200" dirty="0"/>
-              <a:t> installation</a:t>
-            </a:r>
+            <a:endParaRPr lang="en-US" sz="3200" dirty="0"/>
           </a:p>
         </p:txBody>
       </p:sp>
@@ -11755,6 +11804,213 @@
         </p:nvSpPr>
         <p:spPr>
           <a:xfrm>
+            <a:off x="383598" y="1337879"/>
+            <a:ext cx="8376804" cy="4740049"/>
+          </a:xfrm>
+        </p:spPr>
+        <p:txBody>
+          <a:bodyPr/>
+          <a:lstStyle/>
+          <a:p>
+            <a:pPr marL="0" indent="0">
+              <a:buNone/>
+            </a:pPr>
+            <a:r>
+              <a:rPr lang="en-US" dirty="0" err="1">
+                <a:latin typeface="Calibri Light" panose="020F0302020204030204" pitchFamily="34" charset="0"/>
+                <a:cs typeface="Calibri Light" panose="020F0302020204030204" pitchFamily="34" charset="0"/>
+              </a:rPr>
+              <a:t>Conda</a:t>
+            </a:r>
+            <a:r>
+              <a:rPr lang="en-US" dirty="0">
+                <a:latin typeface="Calibri Light" panose="020F0302020204030204" pitchFamily="34" charset="0"/>
+                <a:cs typeface="Calibri Light" panose="020F0302020204030204" pitchFamily="34" charset="0"/>
+              </a:rPr>
+              <a:t> is an open-source package management system and environment management system.</a:t>
+            </a:r>
+          </a:p>
+          <a:p>
+            <a:pPr marL="0" indent="0">
+              <a:buNone/>
+            </a:pPr>
+            <a:endParaRPr lang="en-US" dirty="0">
+              <a:latin typeface="Calibri Light" panose="020F0302020204030204" pitchFamily="34" charset="0"/>
+              <a:cs typeface="Calibri Light" panose="020F0302020204030204" pitchFamily="34" charset="0"/>
+            </a:endParaRPr>
+          </a:p>
+          <a:p>
+            <a:pPr marL="0" indent="0">
+              <a:buNone/>
+            </a:pPr>
+            <a:r>
+              <a:rPr lang="en-US" dirty="0" err="1">
+                <a:latin typeface="Calibri Light" panose="020F0302020204030204" pitchFamily="34" charset="0"/>
+                <a:cs typeface="Calibri Light" panose="020F0302020204030204" pitchFamily="34" charset="0"/>
+              </a:rPr>
+              <a:t>Conda</a:t>
+            </a:r>
+            <a:r>
+              <a:rPr lang="en-US" dirty="0">
+                <a:latin typeface="Calibri Light" panose="020F0302020204030204" pitchFamily="34" charset="0"/>
+                <a:cs typeface="Calibri Light" panose="020F0302020204030204" pitchFamily="34" charset="0"/>
+              </a:rPr>
+              <a:t> quickly installs, runs and updates packages and their dependencies.</a:t>
+            </a:r>
+          </a:p>
+          <a:p>
+            <a:pPr marL="0" indent="0">
+              <a:buNone/>
+            </a:pPr>
+            <a:endParaRPr lang="en-US" dirty="0">
+              <a:latin typeface="Calibri Light" panose="020F0302020204030204" pitchFamily="34" charset="0"/>
+              <a:cs typeface="Calibri Light" panose="020F0302020204030204" pitchFamily="34" charset="0"/>
+            </a:endParaRPr>
+          </a:p>
+          <a:p>
+            <a:pPr marL="0" indent="0">
+              <a:buNone/>
+            </a:pPr>
+            <a:r>
+              <a:rPr lang="en-US" dirty="0">
+                <a:latin typeface="Calibri Light" panose="020F0302020204030204" pitchFamily="34" charset="0"/>
+                <a:cs typeface="Calibri Light" panose="020F0302020204030204" pitchFamily="34" charset="0"/>
+              </a:rPr>
+              <a:t>Overall, </a:t>
+            </a:r>
+            <a:r>
+              <a:rPr lang="en-US" dirty="0" err="1">
+                <a:latin typeface="Calibri Light" panose="020F0302020204030204" pitchFamily="34" charset="0"/>
+                <a:cs typeface="Calibri Light" panose="020F0302020204030204" pitchFamily="34" charset="0"/>
+              </a:rPr>
+              <a:t>conda</a:t>
+            </a:r>
+            <a:r>
+              <a:rPr lang="en-US" dirty="0">
+                <a:latin typeface="Calibri Light" panose="020F0302020204030204" pitchFamily="34" charset="0"/>
+                <a:cs typeface="Calibri Light" panose="020F0302020204030204" pitchFamily="34" charset="0"/>
+              </a:rPr>
+              <a:t> can be a powerful tool for scientific computing and data science, providing a convenient way to </a:t>
+            </a:r>
+            <a:r>
+              <a:rPr lang="en-US" u="sng" dirty="0">
+                <a:latin typeface="Calibri Light" panose="020F0302020204030204" pitchFamily="34" charset="0"/>
+                <a:cs typeface="Calibri Light" panose="020F0302020204030204" pitchFamily="34" charset="0"/>
+              </a:rPr>
+              <a:t>manage dependencies and environments </a:t>
+            </a:r>
+            <a:r>
+              <a:rPr lang="en-US" dirty="0">
+                <a:latin typeface="Calibri Light" panose="020F0302020204030204" pitchFamily="34" charset="0"/>
+                <a:cs typeface="Calibri Light" panose="020F0302020204030204" pitchFamily="34" charset="0"/>
+              </a:rPr>
+              <a:t>and making it </a:t>
+            </a:r>
+            <a:r>
+              <a:rPr lang="en-US" u="sng" dirty="0">
+                <a:latin typeface="Calibri Light" panose="020F0302020204030204" pitchFamily="34" charset="0"/>
+                <a:cs typeface="Calibri Light" panose="020F0302020204030204" pitchFamily="34" charset="0"/>
+              </a:rPr>
+              <a:t>easy to install and use complex software packages</a:t>
+            </a:r>
+            <a:r>
+              <a:rPr lang="en-US" dirty="0">
+                <a:latin typeface="Calibri Light" panose="020F0302020204030204" pitchFamily="34" charset="0"/>
+                <a:cs typeface="Calibri Light" panose="020F0302020204030204" pitchFamily="34" charset="0"/>
+              </a:rPr>
+              <a:t>.</a:t>
+            </a:r>
+          </a:p>
+        </p:txBody>
+      </p:sp>
+    </p:spTree>
+    <p:extLst>
+      <p:ext uri="{BB962C8B-B14F-4D97-AF65-F5344CB8AC3E}">
+        <p14:creationId xmlns:p14="http://schemas.microsoft.com/office/powerpoint/2010/main" val="3837926696"/>
+      </p:ext>
+    </p:extLst>
+  </p:cSld>
+  <p:clrMapOvr>
+    <a:masterClrMapping/>
+  </p:clrMapOvr>
+</p:sld>
+</file>
+
+<file path=ppt/slides/slide28.xml><?xml version="1.0" encoding="utf-8"?>
+<p:sld xmlns:a="http://schemas.openxmlformats.org/drawingml/2006/main" xmlns:r="http://schemas.openxmlformats.org/officeDocument/2006/relationships" xmlns:p="http://schemas.openxmlformats.org/presentationml/2006/main">
+  <p:cSld>
+    <p:spTree>
+      <p:nvGrpSpPr>
+        <p:cNvPr id="1" name=""/>
+        <p:cNvGrpSpPr/>
+        <p:nvPr/>
+      </p:nvGrpSpPr>
+      <p:grpSpPr>
+        <a:xfrm>
+          <a:off x="0" y="0"/>
+          <a:ext cx="0" cy="0"/>
+          <a:chOff x="0" y="0"/>
+          <a:chExt cx="0" cy="0"/>
+        </a:xfrm>
+      </p:grpSpPr>
+      <p:sp>
+        <p:nvSpPr>
+          <p:cNvPr id="2" name="Title 1">
+            <a:extLst>
+              <a:ext uri="{FF2B5EF4-FFF2-40B4-BE49-F238E27FC236}">
+                <a16:creationId xmlns:a16="http://schemas.microsoft.com/office/drawing/2014/main" id="{C2B771A0-17DD-904B-BBA2-ECFD898798C3}"/>
+              </a:ext>
+            </a:extLst>
+          </p:cNvPr>
+          <p:cNvSpPr>
+            <a:spLocks noGrp="1"/>
+          </p:cNvSpPr>
+          <p:nvPr>
+            <p:ph type="title"/>
+          </p:nvPr>
+        </p:nvSpPr>
+        <p:spPr>
+          <a:xfrm>
+            <a:off x="628650" y="365127"/>
+            <a:ext cx="7886700" cy="787018"/>
+          </a:xfrm>
+        </p:spPr>
+        <p:txBody>
+          <a:bodyPr>
+            <a:normAutofit/>
+          </a:bodyPr>
+          <a:lstStyle/>
+          <a:p>
+            <a:pPr algn="ctr"/>
+            <a:r>
+              <a:rPr lang="en-US" sz="3200" dirty="0" err="1"/>
+              <a:t>conda</a:t>
+            </a:r>
+            <a:r>
+              <a:rPr lang="en-US" sz="3200" dirty="0"/>
+              <a:t> installation</a:t>
+            </a:r>
+          </a:p>
+        </p:txBody>
+      </p:sp>
+      <p:sp>
+        <p:nvSpPr>
+          <p:cNvPr id="3" name="Content Placeholder 2">
+            <a:extLst>
+              <a:ext uri="{FF2B5EF4-FFF2-40B4-BE49-F238E27FC236}">
+                <a16:creationId xmlns:a16="http://schemas.microsoft.com/office/drawing/2014/main" id="{3661A253-6582-8B4F-8100-89DD262132B8}"/>
+              </a:ext>
+            </a:extLst>
+          </p:cNvPr>
+          <p:cNvSpPr>
+            <a:spLocks noGrp="1"/>
+          </p:cNvSpPr>
+          <p:nvPr>
+            <p:ph idx="1"/>
+          </p:nvPr>
+        </p:nvSpPr>
+        <p:spPr>
+          <a:xfrm>
             <a:off x="360218" y="1575459"/>
             <a:ext cx="8423564" cy="4368142"/>
           </a:xfrm>
@@ -11877,7 +12133,7 @@
 </p:sld>
 </file>
 
-<file path=ppt/slides/slide28.xml><?xml version="1.0" encoding="utf-8"?>
+<file path=ppt/slides/slide29.xml><?xml version="1.0" encoding="utf-8"?>
 <p:sld xmlns:a="http://schemas.openxmlformats.org/drawingml/2006/main" xmlns:r="http://schemas.openxmlformats.org/officeDocument/2006/relationships" xmlns:p="http://schemas.openxmlformats.org/presentationml/2006/main">
   <p:cSld>
     <p:spTree>
@@ -12257,148 +12513,6 @@
 </p:sld>
 </file>
 
-<file path=ppt/slides/slide29.xml><?xml version="1.0" encoding="utf-8"?>
-<p:sld xmlns:a="http://schemas.openxmlformats.org/drawingml/2006/main" xmlns:r="http://schemas.openxmlformats.org/officeDocument/2006/relationships" xmlns:p="http://schemas.openxmlformats.org/presentationml/2006/main">
-  <p:cSld>
-    <p:spTree>
-      <p:nvGrpSpPr>
-        <p:cNvPr id="1" name=""/>
-        <p:cNvGrpSpPr/>
-        <p:nvPr/>
-      </p:nvGrpSpPr>
-      <p:grpSpPr>
-        <a:xfrm>
-          <a:off x="0" y="0"/>
-          <a:ext cx="0" cy="0"/>
-          <a:chOff x="0" y="0"/>
-          <a:chExt cx="0" cy="0"/>
-        </a:xfrm>
-      </p:grpSpPr>
-      <p:sp>
-        <p:nvSpPr>
-          <p:cNvPr id="2" name="Title 1">
-            <a:extLst>
-              <a:ext uri="{FF2B5EF4-FFF2-40B4-BE49-F238E27FC236}">
-                <a16:creationId xmlns:a16="http://schemas.microsoft.com/office/drawing/2014/main" id="{80815C99-2544-1785-0A05-22C59E7FD365}"/>
-              </a:ext>
-            </a:extLst>
-          </p:cNvPr>
-          <p:cNvSpPr>
-            <a:spLocks noGrp="1"/>
-          </p:cNvSpPr>
-          <p:nvPr>
-            <p:ph type="title"/>
-          </p:nvPr>
-        </p:nvSpPr>
-        <p:spPr>
-          <a:xfrm>
-            <a:off x="628650" y="365127"/>
-            <a:ext cx="7886700" cy="808918"/>
-          </a:xfrm>
-        </p:spPr>
-        <p:txBody>
-          <a:bodyPr/>
-          <a:lstStyle/>
-          <a:p>
-            <a:pPr algn="ctr"/>
-            <a:r>
-              <a:rPr lang="en-US" dirty="0"/>
-              <a:t>Git and GitHub</a:t>
-            </a:r>
-          </a:p>
-        </p:txBody>
-      </p:sp>
-      <p:sp>
-        <p:nvSpPr>
-          <p:cNvPr id="3" name="Content Placeholder 2">
-            <a:extLst>
-              <a:ext uri="{FF2B5EF4-FFF2-40B4-BE49-F238E27FC236}">
-                <a16:creationId xmlns:a16="http://schemas.microsoft.com/office/drawing/2014/main" id="{E9B9BA2F-663F-4B23-9AD6-F49A04C94326}"/>
-              </a:ext>
-            </a:extLst>
-          </p:cNvPr>
-          <p:cNvSpPr>
-            <a:spLocks noGrp="1"/>
-          </p:cNvSpPr>
-          <p:nvPr>
-            <p:ph idx="1"/>
-          </p:nvPr>
-        </p:nvSpPr>
-        <p:spPr>
-          <a:xfrm>
-            <a:off x="572742" y="1333851"/>
-            <a:ext cx="7998515" cy="5159022"/>
-          </a:xfrm>
-        </p:spPr>
-        <p:txBody>
-          <a:bodyPr>
-            <a:normAutofit/>
-          </a:bodyPr>
-          <a:lstStyle/>
-          <a:p>
-            <a:r>
-              <a:rPr lang="en-US" dirty="0"/>
-              <a:t>Git was developed by Linux Torvalds in 2005</a:t>
-            </a:r>
-          </a:p>
-          <a:p>
-            <a:r>
-              <a:rPr lang="en-US" dirty="0"/>
-              <a:t>Git is command line tools for version control</a:t>
-            </a:r>
-          </a:p>
-          <a:p>
-            <a:r>
-              <a:rPr lang="en-US" dirty="0"/>
-              <a:t>Git can create branches and merge branches</a:t>
-            </a:r>
-          </a:p>
-          <a:p>
-            <a:endParaRPr lang="en-US" dirty="0"/>
-          </a:p>
-          <a:p>
-            <a:r>
-              <a:rPr lang="en-US" dirty="0"/>
-              <a:t>GitHub is a web platform to use Git for version control, collaboration, and project management</a:t>
-            </a:r>
-          </a:p>
-          <a:p>
-            <a:r>
-              <a:rPr lang="en-US" dirty="0"/>
-              <a:t>Repository is for organizing codes and data</a:t>
-            </a:r>
-          </a:p>
-          <a:p>
-            <a:r>
-              <a:rPr lang="en-US" dirty="0"/>
-              <a:t>Collaboration: pull requests, code reviews, and issue tracking</a:t>
-            </a:r>
-          </a:p>
-          <a:p>
-            <a:r>
-              <a:rPr lang="en-US" b="0" i="0" dirty="0">
-                <a:effectLst/>
-                <a:latin typeface="Söhne"/>
-              </a:rPr>
-              <a:t>Social features: followers, stars, Q&amp;A, and forks.</a:t>
-            </a:r>
-            <a:endParaRPr lang="en-US" dirty="0"/>
-          </a:p>
-        </p:txBody>
-      </p:sp>
-    </p:spTree>
-    <p:extLst>
-      <p:ext uri="{BB962C8B-B14F-4D97-AF65-F5344CB8AC3E}">
-        <p14:creationId xmlns:p14="http://schemas.microsoft.com/office/powerpoint/2010/main" val="752734878"/>
-      </p:ext>
-    </p:extLst>
-  </p:cSld>
-  <p:clrMapOvr>
-    <a:masterClrMapping/>
-  </p:clrMapOvr>
-</p:sld>
-</file>
-
 <file path=ppt/slides/slide3.xml><?xml version="1.0" encoding="utf-8"?>
 <p:sld xmlns:a="http://schemas.openxmlformats.org/drawingml/2006/main" xmlns:r="http://schemas.openxmlformats.org/officeDocument/2006/relationships" xmlns:p="http://schemas.openxmlformats.org/presentationml/2006/main">
   <p:cSld>
@@ -12418,7 +12532,13 @@
       </p:grpSpPr>
       <p:sp>
         <p:nvSpPr>
-          <p:cNvPr id="2" name="Title 1"/>
+          <p:cNvPr id="2" name="Title 1">
+            <a:extLst>
+              <a:ext uri="{FF2B5EF4-FFF2-40B4-BE49-F238E27FC236}">
+                <a16:creationId xmlns:a16="http://schemas.microsoft.com/office/drawing/2014/main" id="{60DEE44F-A6A4-6282-BCC3-0E830F70273E}"/>
+              </a:ext>
+            </a:extLst>
+          </p:cNvPr>
           <p:cNvSpPr>
             <a:spLocks noGrp="1"/>
           </p:cNvSpPr>
@@ -12431,17 +12551,22 @@
           <a:bodyPr/>
           <a:lstStyle/>
           <a:p>
-            <a:pPr algn="ctr"/>
             <a:r>
               <a:rPr lang="en-US" dirty="0"/>
-              <a:t>Outline</a:t>
-            </a:r>
-          </a:p>
-        </p:txBody>
-      </p:sp>
-      <p:sp>
-        <p:nvSpPr>
-          <p:cNvPr id="3" name="Content Placeholder 2"/>
+              <a:t>Thursday Plan</a:t>
+            </a:r>
+          </a:p>
+        </p:txBody>
+      </p:sp>
+      <p:sp>
+        <p:nvSpPr>
+          <p:cNvPr id="3" name="Content Placeholder 2">
+            <a:extLst>
+              <a:ext uri="{FF2B5EF4-FFF2-40B4-BE49-F238E27FC236}">
+                <a16:creationId xmlns:a16="http://schemas.microsoft.com/office/drawing/2014/main" id="{F347F8D4-0D91-FACF-7B37-AB1F3A8E96C4}"/>
+              </a:ext>
+            </a:extLst>
+          </p:cNvPr>
           <p:cNvSpPr>
             <a:spLocks noGrp="1"/>
           </p:cNvSpPr>
@@ -12449,68 +12574,70 @@
             <p:ph idx="1"/>
           </p:nvPr>
         </p:nvSpPr>
-        <p:spPr>
-          <a:xfrm>
-            <a:off x="1013671" y="1879013"/>
-            <a:ext cx="7116657" cy="3219460"/>
-          </a:xfrm>
-        </p:spPr>
+        <p:spPr/>
         <p:txBody>
           <a:bodyPr>
             <a:normAutofit/>
           </a:bodyPr>
           <a:lstStyle/>
           <a:p>
-            <a:pPr>
-              <a:lnSpc>
-                <a:spcPct val="150000"/>
-              </a:lnSpc>
-            </a:pPr>
             <a:r>
               <a:rPr lang="en-US" sz="3200" dirty="0"/>
-              <a:t>BED format</a:t>
-            </a:r>
-          </a:p>
-          <a:p>
-            <a:pPr>
-              <a:lnSpc>
-                <a:spcPct val="150000"/>
-              </a:lnSpc>
-            </a:pPr>
+              <a:t>Morning</a:t>
+            </a:r>
+          </a:p>
+          <a:p>
+            <a:pPr marL="0" indent="0">
+              <a:buNone/>
+            </a:pPr>
+            <a:r>
+              <a:rPr lang="en-US" sz="3200" dirty="0"/>
+              <a:t>Genome assembly (</a:t>
+            </a:r>
             <a:r>
               <a:rPr lang="en-US" sz="3200" dirty="0" err="1"/>
-              <a:t>BEDtools</a:t>
+              <a:t>Slurm</a:t>
             </a:r>
             <a:r>
               <a:rPr lang="en-US" sz="3200" dirty="0"/>
-              <a:t> and examples</a:t>
-            </a:r>
-          </a:p>
-          <a:p>
-            <a:pPr>
-              <a:lnSpc>
-                <a:spcPct val="150000"/>
-              </a:lnSpc>
-            </a:pPr>
+              <a:t> in </a:t>
+            </a:r>
+            <a:r>
+              <a:rPr lang="en-US" sz="3200" dirty="0" err="1"/>
+              <a:t>Beocat</a:t>
+            </a:r>
             <a:r>
               <a:rPr lang="en-US" sz="3200" dirty="0"/>
-              <a:t>Software installation</a:t>
-            </a:r>
-          </a:p>
-          <a:p>
-            <a:pPr>
-              <a:lnSpc>
-                <a:spcPct val="150000"/>
-              </a:lnSpc>
+              <a:t>)</a:t>
+            </a:r>
+          </a:p>
+          <a:p>
+            <a:pPr marL="0" indent="0">
+              <a:buNone/>
             </a:pPr>
             <a:endParaRPr lang="en-US" sz="3200" dirty="0"/>
+          </a:p>
+          <a:p>
+            <a:r>
+              <a:rPr lang="en-US" sz="3200" dirty="0"/>
+              <a:t>Afternoon - in-class project</a:t>
+            </a:r>
+          </a:p>
+          <a:p>
+            <a:pPr marL="0" indent="0">
+              <a:buNone/>
+            </a:pPr>
+            <a:r>
+              <a:rPr lang="en-US" sz="3200" dirty="0"/>
+              <a:t>A phylogenetic tree from reads</a:t>
+            </a:r>
           </a:p>
         </p:txBody>
       </p:sp>
     </p:spTree>
     <p:extLst>
       <p:ext uri="{BB962C8B-B14F-4D97-AF65-F5344CB8AC3E}">
-        <p14:creationId xmlns:p14="http://schemas.microsoft.com/office/powerpoint/2010/main" val="682325623"/>
+        <p14:creationId xmlns:p14="http://schemas.microsoft.com/office/powerpoint/2010/main" val="3368741280"/>
       </p:ext>
     </p:extLst>
   </p:cSld>
@@ -12521,6 +12648,148 @@
 </file>
 
 <file path=ppt/slides/slide30.xml><?xml version="1.0" encoding="utf-8"?>
+<p:sld xmlns:a="http://schemas.openxmlformats.org/drawingml/2006/main" xmlns:r="http://schemas.openxmlformats.org/officeDocument/2006/relationships" xmlns:p="http://schemas.openxmlformats.org/presentationml/2006/main">
+  <p:cSld>
+    <p:spTree>
+      <p:nvGrpSpPr>
+        <p:cNvPr id="1" name=""/>
+        <p:cNvGrpSpPr/>
+        <p:nvPr/>
+      </p:nvGrpSpPr>
+      <p:grpSpPr>
+        <a:xfrm>
+          <a:off x="0" y="0"/>
+          <a:ext cx="0" cy="0"/>
+          <a:chOff x="0" y="0"/>
+          <a:chExt cx="0" cy="0"/>
+        </a:xfrm>
+      </p:grpSpPr>
+      <p:sp>
+        <p:nvSpPr>
+          <p:cNvPr id="2" name="Title 1">
+            <a:extLst>
+              <a:ext uri="{FF2B5EF4-FFF2-40B4-BE49-F238E27FC236}">
+                <a16:creationId xmlns:a16="http://schemas.microsoft.com/office/drawing/2014/main" id="{80815C99-2544-1785-0A05-22C59E7FD365}"/>
+              </a:ext>
+            </a:extLst>
+          </p:cNvPr>
+          <p:cNvSpPr>
+            <a:spLocks noGrp="1"/>
+          </p:cNvSpPr>
+          <p:nvPr>
+            <p:ph type="title"/>
+          </p:nvPr>
+        </p:nvSpPr>
+        <p:spPr>
+          <a:xfrm>
+            <a:off x="628650" y="365127"/>
+            <a:ext cx="7886700" cy="808918"/>
+          </a:xfrm>
+        </p:spPr>
+        <p:txBody>
+          <a:bodyPr/>
+          <a:lstStyle/>
+          <a:p>
+            <a:pPr algn="ctr"/>
+            <a:r>
+              <a:rPr lang="en-US" dirty="0"/>
+              <a:t>Git and GitHub</a:t>
+            </a:r>
+          </a:p>
+        </p:txBody>
+      </p:sp>
+      <p:sp>
+        <p:nvSpPr>
+          <p:cNvPr id="3" name="Content Placeholder 2">
+            <a:extLst>
+              <a:ext uri="{FF2B5EF4-FFF2-40B4-BE49-F238E27FC236}">
+                <a16:creationId xmlns:a16="http://schemas.microsoft.com/office/drawing/2014/main" id="{E9B9BA2F-663F-4B23-9AD6-F49A04C94326}"/>
+              </a:ext>
+            </a:extLst>
+          </p:cNvPr>
+          <p:cNvSpPr>
+            <a:spLocks noGrp="1"/>
+          </p:cNvSpPr>
+          <p:nvPr>
+            <p:ph idx="1"/>
+          </p:nvPr>
+        </p:nvSpPr>
+        <p:spPr>
+          <a:xfrm>
+            <a:off x="572742" y="1333851"/>
+            <a:ext cx="7998515" cy="5159022"/>
+          </a:xfrm>
+        </p:spPr>
+        <p:txBody>
+          <a:bodyPr>
+            <a:normAutofit/>
+          </a:bodyPr>
+          <a:lstStyle/>
+          <a:p>
+            <a:r>
+              <a:rPr lang="en-US" dirty="0"/>
+              <a:t>Git was developed by Linux Torvalds in 2005</a:t>
+            </a:r>
+          </a:p>
+          <a:p>
+            <a:r>
+              <a:rPr lang="en-US" dirty="0"/>
+              <a:t>Git is command line tools for version control</a:t>
+            </a:r>
+          </a:p>
+          <a:p>
+            <a:r>
+              <a:rPr lang="en-US" dirty="0"/>
+              <a:t>Git can create branches and merge branches</a:t>
+            </a:r>
+          </a:p>
+          <a:p>
+            <a:endParaRPr lang="en-US" dirty="0"/>
+          </a:p>
+          <a:p>
+            <a:r>
+              <a:rPr lang="en-US" dirty="0"/>
+              <a:t>GitHub is a web platform to use Git for version control, collaboration, and project management</a:t>
+            </a:r>
+          </a:p>
+          <a:p>
+            <a:r>
+              <a:rPr lang="en-US" dirty="0"/>
+              <a:t>Repository is for organizing codes and data</a:t>
+            </a:r>
+          </a:p>
+          <a:p>
+            <a:r>
+              <a:rPr lang="en-US" dirty="0"/>
+              <a:t>Collaboration: pull requests, code reviews, and issue tracking</a:t>
+            </a:r>
+          </a:p>
+          <a:p>
+            <a:r>
+              <a:rPr lang="en-US" b="0" i="0" dirty="0">
+                <a:effectLst/>
+                <a:latin typeface="Söhne"/>
+              </a:rPr>
+              <a:t>Social features: followers, stars, Q&amp;A, and forks.</a:t>
+            </a:r>
+            <a:endParaRPr lang="en-US" dirty="0"/>
+          </a:p>
+        </p:txBody>
+      </p:sp>
+    </p:spTree>
+    <p:extLst>
+      <p:ext uri="{BB962C8B-B14F-4D97-AF65-F5344CB8AC3E}">
+        <p14:creationId xmlns:p14="http://schemas.microsoft.com/office/powerpoint/2010/main" val="752734878"/>
+      </p:ext>
+    </p:extLst>
+  </p:cSld>
+  <p:clrMapOvr>
+    <a:masterClrMapping/>
+  </p:clrMapOvr>
+</p:sld>
+</file>
+
+<file path=ppt/slides/slide31.xml><?xml version="1.0" encoding="utf-8"?>
 <p:sld xmlns:a="http://schemas.openxmlformats.org/drawingml/2006/main" xmlns:r="http://schemas.openxmlformats.org/officeDocument/2006/relationships" xmlns:p="http://schemas.openxmlformats.org/presentationml/2006/main">
   <p:cSld>
     <p:spTree>
@@ -12636,7 +12905,7 @@
 </p:sld>
 </file>
 
-<file path=ppt/slides/slide31.xml><?xml version="1.0" encoding="utf-8"?>
+<file path=ppt/slides/slide32.xml><?xml version="1.0" encoding="utf-8"?>
 <p:sld xmlns:a="http://schemas.openxmlformats.org/drawingml/2006/main" xmlns:r="http://schemas.openxmlformats.org/officeDocument/2006/relationships" xmlns:p="http://schemas.openxmlformats.org/presentationml/2006/main">
   <p:cSld>
     <p:spTree>
@@ -12845,13 +13114,7 @@
       </p:grpSpPr>
       <p:sp>
         <p:nvSpPr>
-          <p:cNvPr id="2" name="Title 1">
-            <a:extLst>
-              <a:ext uri="{FF2B5EF4-FFF2-40B4-BE49-F238E27FC236}">
-                <a16:creationId xmlns:a16="http://schemas.microsoft.com/office/drawing/2014/main" id="{C2B771A0-17DD-904B-BBA2-ECFD898798C3}"/>
-              </a:ext>
-            </a:extLst>
-          </p:cNvPr>
+          <p:cNvPr id="2" name="Title 1"/>
           <p:cNvSpPr>
             <a:spLocks noGrp="1"/>
           </p:cNvSpPr>
@@ -12859,39 +13122,22 @@
             <p:ph type="title"/>
           </p:nvPr>
         </p:nvSpPr>
-        <p:spPr>
-          <a:xfrm>
-            <a:off x="628650" y="365126"/>
-            <a:ext cx="7886700" cy="757091"/>
-          </a:xfrm>
-        </p:spPr>
-        <p:txBody>
-          <a:bodyPr>
-            <a:normAutofit/>
-          </a:bodyPr>
+        <p:spPr/>
+        <p:txBody>
+          <a:bodyPr/>
           <a:lstStyle/>
           <a:p>
             <a:pPr algn="ctr"/>
             <a:r>
-              <a:rPr lang="en-US" sz="3200" dirty="0" err="1"/>
-              <a:t>BEDtools</a:t>
-            </a:r>
-            <a:r>
-              <a:rPr lang="en-US" sz="3200" dirty="0"/>
-              <a:t> (I)</a:t>
-            </a:r>
-          </a:p>
-        </p:txBody>
-      </p:sp>
-      <p:sp>
-        <p:nvSpPr>
-          <p:cNvPr id="3" name="Content Placeholder 2">
-            <a:extLst>
-              <a:ext uri="{FF2B5EF4-FFF2-40B4-BE49-F238E27FC236}">
-                <a16:creationId xmlns:a16="http://schemas.microsoft.com/office/drawing/2014/main" id="{3661A253-6582-8B4F-8100-89DD262132B8}"/>
-              </a:ext>
-            </a:extLst>
-          </p:cNvPr>
+              <a:rPr lang="en-US" dirty="0"/>
+              <a:t>Outline</a:t>
+            </a:r>
+          </a:p>
+        </p:txBody>
+      </p:sp>
+      <p:sp>
+        <p:nvSpPr>
+          <p:cNvPr id="3" name="Content Placeholder 2"/>
           <p:cNvSpPr>
             <a:spLocks noGrp="1"/>
           </p:cNvSpPr>
@@ -12901,293 +13147,66 @@
         </p:nvSpPr>
         <p:spPr>
           <a:xfrm>
-            <a:off x="241137" y="1247837"/>
-            <a:ext cx="8661725" cy="5364242"/>
+            <a:off x="1013671" y="1879013"/>
+            <a:ext cx="7116657" cy="3219460"/>
           </a:xfrm>
         </p:spPr>
         <p:txBody>
           <a:bodyPr>
-            <a:noAutofit/>
+            <a:normAutofit/>
           </a:bodyPr>
           <a:lstStyle/>
           <a:p>
-            <a:pPr marL="0" indent="0">
+            <a:pPr>
               <a:lnSpc>
-                <a:spcPts val="1050"/>
+                <a:spcPct val="150000"/>
               </a:lnSpc>
-              <a:buNone/>
-            </a:pPr>
-            <a:r>
-              <a:rPr lang="en-US" sz="1600" b="1" dirty="0">
-                <a:latin typeface="Courier" pitchFamily="2" charset="0"/>
-              </a:rPr>
-              <a:t>intersect   Find overlapping intervals in various ways.</a:t>
-            </a:r>
-          </a:p>
-          <a:p>
-            <a:pPr marL="0" indent="0">
+            </a:pPr>
+            <a:r>
+              <a:rPr lang="en-US" sz="3200" dirty="0"/>
+              <a:t>BED format</a:t>
+            </a:r>
+          </a:p>
+          <a:p>
+            <a:pPr>
               <a:lnSpc>
-                <a:spcPts val="1050"/>
+                <a:spcPct val="150000"/>
               </a:lnSpc>
-              <a:buNone/>
-            </a:pPr>
-            <a:r>
-              <a:rPr lang="en-US" sz="1600" dirty="0">
-                <a:latin typeface="Courier" pitchFamily="2" charset="0"/>
-              </a:rPr>
-              <a:t>window      Find overlapping intervals within a window</a:t>
-            </a:r>
-          </a:p>
-          <a:p>
-            <a:pPr marL="0" indent="0">
+            </a:pPr>
+            <a:r>
+              <a:rPr lang="en-US" sz="3200" dirty="0" err="1"/>
+              <a:t>BEDtools</a:t>
+            </a:r>
+            <a:r>
+              <a:rPr lang="en-US" sz="3200" dirty="0"/>
+              <a:t> and examples</a:t>
+            </a:r>
+          </a:p>
+          <a:p>
+            <a:pPr>
               <a:lnSpc>
-                <a:spcPts val="1050"/>
+                <a:spcPct val="150000"/>
               </a:lnSpc>
-              <a:buNone/>
-            </a:pPr>
-            <a:r>
-              <a:rPr lang="en-US" sz="1600" b="1" dirty="0">
-                <a:latin typeface="Courier" pitchFamily="2" charset="0"/>
-              </a:rPr>
-              <a:t>closest     Find the closest, potentially non-overlapping interval.</a:t>
-            </a:r>
-          </a:p>
-          <a:p>
-            <a:pPr marL="0" indent="0">
+            </a:pPr>
+            <a:r>
+              <a:rPr lang="en-US" sz="3200" dirty="0"/>
+              <a:t>Software installation</a:t>
+            </a:r>
+          </a:p>
+          <a:p>
+            <a:pPr>
               <a:lnSpc>
-                <a:spcPts val="1050"/>
+                <a:spcPct val="150000"/>
               </a:lnSpc>
-              <a:buNone/>
-            </a:pPr>
-            <a:r>
-              <a:rPr lang="en-US" sz="1600" dirty="0">
-                <a:latin typeface="Courier" pitchFamily="2" charset="0"/>
-              </a:rPr>
-              <a:t>coverage    Compute the coverage over defined intervals.</a:t>
-            </a:r>
-          </a:p>
-          <a:p>
-            <a:pPr marL="0" indent="0">
-              <a:lnSpc>
-                <a:spcPts val="1050"/>
-              </a:lnSpc>
-              <a:buNone/>
-            </a:pPr>
-            <a:r>
-              <a:rPr lang="en-US" sz="1600" dirty="0">
-                <a:latin typeface="Courier" pitchFamily="2" charset="0"/>
-              </a:rPr>
-              <a:t>map         Apply a function to a column</a:t>
-            </a:r>
-          </a:p>
-          <a:p>
-            <a:pPr marL="0" indent="0">
-              <a:lnSpc>
-                <a:spcPts val="1050"/>
-              </a:lnSpc>
-              <a:buNone/>
-            </a:pPr>
-            <a:r>
-              <a:rPr lang="en-US" sz="1600" dirty="0" err="1">
-                <a:latin typeface="Courier" pitchFamily="2" charset="0"/>
-              </a:rPr>
-              <a:t>genomecov</a:t>
-            </a:r>
-            <a:r>
-              <a:rPr lang="en-US" sz="1600" dirty="0">
-                <a:latin typeface="Courier" pitchFamily="2" charset="0"/>
-              </a:rPr>
-              <a:t>   Compute the coverage over an entire genome.</a:t>
-            </a:r>
-          </a:p>
-          <a:p>
-            <a:pPr marL="0" indent="0">
-              <a:lnSpc>
-                <a:spcPts val="1050"/>
-              </a:lnSpc>
-              <a:buNone/>
-            </a:pPr>
-            <a:r>
-              <a:rPr lang="en-US" sz="1600" dirty="0">
-                <a:latin typeface="Courier" pitchFamily="2" charset="0"/>
-              </a:rPr>
-              <a:t>merge       Combine overlapping/nearby intervals</a:t>
-            </a:r>
-          </a:p>
-          <a:p>
-            <a:pPr marL="0" indent="0">
-              <a:lnSpc>
-                <a:spcPts val="1050"/>
-              </a:lnSpc>
-              <a:buNone/>
-            </a:pPr>
-            <a:r>
-              <a:rPr lang="en-US" sz="1600" dirty="0">
-                <a:latin typeface="Courier" pitchFamily="2" charset="0"/>
-              </a:rPr>
-              <a:t>cluster     Cluster (but don't merge) overlapping/nearby intervals.</a:t>
-            </a:r>
-          </a:p>
-          <a:p>
-            <a:pPr marL="0" indent="0">
-              <a:lnSpc>
-                <a:spcPts val="1050"/>
-              </a:lnSpc>
-              <a:buNone/>
-            </a:pPr>
-            <a:r>
-              <a:rPr lang="en-US" sz="1600" dirty="0">
-                <a:latin typeface="Courier" pitchFamily="2" charset="0"/>
-              </a:rPr>
-              <a:t>complement  Extract intervals _not_ represented by an interval file.</a:t>
-            </a:r>
-          </a:p>
-          <a:p>
-            <a:pPr marL="0" indent="0">
-              <a:lnSpc>
-                <a:spcPts val="1050"/>
-              </a:lnSpc>
-              <a:buNone/>
-            </a:pPr>
-            <a:r>
-              <a:rPr lang="en-US" sz="1600" dirty="0">
-                <a:latin typeface="Courier" pitchFamily="2" charset="0"/>
-              </a:rPr>
-              <a:t>shift       Adjust the position of intervals.</a:t>
-            </a:r>
-          </a:p>
-          <a:p>
-            <a:pPr marL="0" indent="0">
-              <a:lnSpc>
-                <a:spcPts val="1050"/>
-              </a:lnSpc>
-              <a:buNone/>
-            </a:pPr>
-            <a:r>
-              <a:rPr lang="en-US" sz="1600" dirty="0">
-                <a:latin typeface="Courier" pitchFamily="2" charset="0"/>
-              </a:rPr>
-              <a:t>subtract    Remove intervals based on overlaps b/w two files.</a:t>
-            </a:r>
-          </a:p>
-          <a:p>
-            <a:pPr marL="0" indent="0">
-              <a:lnSpc>
-                <a:spcPts val="1050"/>
-              </a:lnSpc>
-              <a:buNone/>
-            </a:pPr>
-            <a:r>
-              <a:rPr lang="en-US" sz="1600" dirty="0">
-                <a:latin typeface="Courier" pitchFamily="2" charset="0"/>
-              </a:rPr>
-              <a:t>slop        Adjust the size of intervals.</a:t>
-            </a:r>
-          </a:p>
-          <a:p>
-            <a:pPr marL="0" indent="0">
-              <a:lnSpc>
-                <a:spcPts val="1050"/>
-              </a:lnSpc>
-              <a:buNone/>
-            </a:pPr>
-            <a:r>
-              <a:rPr lang="en-US" sz="1600" b="1" dirty="0">
-                <a:latin typeface="Courier" pitchFamily="2" charset="0"/>
-              </a:rPr>
-              <a:t>flank       Create new intervals from flanks of existing intervals.</a:t>
-            </a:r>
-          </a:p>
-          <a:p>
-            <a:pPr marL="0" indent="0">
-              <a:lnSpc>
-                <a:spcPts val="1050"/>
-              </a:lnSpc>
-              <a:buNone/>
-            </a:pPr>
-            <a:r>
-              <a:rPr lang="en-US" sz="1600" dirty="0">
-                <a:latin typeface="Courier" pitchFamily="2" charset="0"/>
-              </a:rPr>
-              <a:t>sort        Order the intervals in a file.</a:t>
-            </a:r>
-          </a:p>
-          <a:p>
-            <a:pPr marL="0" indent="0">
-              <a:lnSpc>
-                <a:spcPts val="1050"/>
-              </a:lnSpc>
-              <a:buNone/>
-            </a:pPr>
-            <a:r>
-              <a:rPr lang="en-US" sz="1600" dirty="0">
-                <a:latin typeface="Courier" pitchFamily="2" charset="0"/>
-              </a:rPr>
-              <a:t>random      Generate random intervals in a genome.</a:t>
-            </a:r>
-          </a:p>
-          <a:p>
-            <a:pPr marL="0" indent="0">
-              <a:lnSpc>
-                <a:spcPts val="1050"/>
-              </a:lnSpc>
-              <a:buNone/>
-            </a:pPr>
-            <a:r>
-              <a:rPr lang="en-US" sz="1600" dirty="0">
-                <a:latin typeface="Courier" pitchFamily="2" charset="0"/>
-              </a:rPr>
-              <a:t>shuffle     Randomly redistribute intervals in a genome.</a:t>
-            </a:r>
-          </a:p>
-          <a:p>
-            <a:pPr marL="0" indent="0">
-              <a:lnSpc>
-                <a:spcPts val="1050"/>
-              </a:lnSpc>
-              <a:buNone/>
-            </a:pPr>
-            <a:r>
-              <a:rPr lang="en-US" sz="1600" dirty="0">
-                <a:latin typeface="Courier" pitchFamily="2" charset="0"/>
-              </a:rPr>
-              <a:t>sample      Sample random records from file using reservoir sampling.</a:t>
-            </a:r>
-          </a:p>
-          <a:p>
-            <a:pPr marL="0" indent="0">
-              <a:lnSpc>
-                <a:spcPts val="1050"/>
-              </a:lnSpc>
-              <a:buNone/>
-            </a:pPr>
-            <a:r>
-              <a:rPr lang="en-US" sz="1600" dirty="0">
-                <a:latin typeface="Courier" pitchFamily="2" charset="0"/>
-              </a:rPr>
-              <a:t>spacing     Report the gap lengths between intervals in a file.</a:t>
-            </a:r>
-          </a:p>
-          <a:p>
-            <a:pPr marL="0" indent="0">
-              <a:lnSpc>
-                <a:spcPts val="1050"/>
-              </a:lnSpc>
-              <a:buNone/>
-            </a:pPr>
-            <a:r>
-              <a:rPr lang="en-US" sz="1600" dirty="0">
-                <a:latin typeface="Courier" pitchFamily="2" charset="0"/>
-              </a:rPr>
-              <a:t>annotate    Annotate coverage of features from multiple files.</a:t>
-            </a:r>
+            </a:pPr>
+            <a:endParaRPr lang="en-US" sz="3200" dirty="0"/>
           </a:p>
         </p:txBody>
       </p:sp>
     </p:spTree>
     <p:extLst>
       <p:ext uri="{BB962C8B-B14F-4D97-AF65-F5344CB8AC3E}">
-        <p14:creationId xmlns:p14="http://schemas.microsoft.com/office/powerpoint/2010/main" val="2669094253"/>
+        <p14:creationId xmlns:p14="http://schemas.microsoft.com/office/powerpoint/2010/main" val="682325623"/>
       </p:ext>
     </p:extLst>
   </p:cSld>
@@ -13232,13 +13251,13 @@
         </p:nvSpPr>
         <p:spPr>
           <a:xfrm>
-            <a:off x="628650" y="365127"/>
-            <a:ext cx="7886700" cy="466146"/>
+            <a:off x="628650" y="365126"/>
+            <a:ext cx="7886700" cy="757091"/>
           </a:xfrm>
         </p:spPr>
         <p:txBody>
           <a:bodyPr>
-            <a:normAutofit fontScale="90000"/>
+            <a:normAutofit/>
           </a:bodyPr>
           <a:lstStyle/>
           <a:p>
@@ -13249,15 +13268,7 @@
             </a:r>
             <a:r>
               <a:rPr lang="en-US" sz="3200" dirty="0"/>
-              <a:t> (II) - </a:t>
-            </a:r>
-            <a:r>
-              <a:rPr lang="en-US" sz="3200" dirty="0" err="1"/>
-              <a:t>Fasta</a:t>
-            </a:r>
-            <a:r>
-              <a:rPr lang="en-US" sz="3200" dirty="0"/>
-              <a:t> manipulation </a:t>
+              <a:t> (I)</a:t>
             </a:r>
           </a:p>
         </p:txBody>
@@ -13280,8 +13291,8 @@
         </p:nvSpPr>
         <p:spPr>
           <a:xfrm>
-            <a:off x="241137" y="1372528"/>
-            <a:ext cx="8661725" cy="3906054"/>
+            <a:off x="241137" y="1247837"/>
+            <a:ext cx="8661725" cy="5364242"/>
           </a:xfrm>
         </p:spPr>
         <p:txBody>
@@ -13292,134 +13303,281 @@
           <a:p>
             <a:pPr marL="0" indent="0">
               <a:lnSpc>
-                <a:spcPct val="100000"/>
+                <a:spcPts val="1050"/>
               </a:lnSpc>
               <a:buNone/>
             </a:pPr>
             <a:r>
-              <a:rPr lang="en-US" sz="2400" b="1" dirty="0" err="1">
+              <a:rPr lang="en-US" sz="1600" b="1" dirty="0">
                 <a:latin typeface="Courier" pitchFamily="2" charset="0"/>
               </a:rPr>
-              <a:t>getfasta</a:t>
-            </a:r>
-            <a:r>
-              <a:rPr lang="en-US" sz="2400" dirty="0">
+              <a:t>intersect   Find overlapping intervals in various ways.</a:t>
+            </a:r>
+          </a:p>
+          <a:p>
+            <a:pPr marL="0" indent="0">
+              <a:lnSpc>
+                <a:spcPts val="1050"/>
+              </a:lnSpc>
+              <a:buNone/>
+            </a:pPr>
+            <a:r>
+              <a:rPr lang="en-US" sz="1600" dirty="0">
                 <a:latin typeface="Courier" pitchFamily="2" charset="0"/>
               </a:rPr>
-              <a:t> Use intervals to extract sequences from a FASTA file.</a:t>
+              <a:t>window      Find overlapping intervals within a window</a:t>
             </a:r>
           </a:p>
           <a:p>
             <a:pPr marL="0" indent="0">
               <a:lnSpc>
-                <a:spcPct val="100000"/>
+                <a:spcPts val="1050"/>
               </a:lnSpc>
               <a:buNone/>
             </a:pPr>
-            <a:endParaRPr lang="en-US" sz="2400" dirty="0">
-              <a:latin typeface="Courier" pitchFamily="2" charset="0"/>
-            </a:endParaRPr>
+            <a:r>
+              <a:rPr lang="en-US" sz="1600" b="1" dirty="0">
+                <a:latin typeface="Courier" pitchFamily="2" charset="0"/>
+              </a:rPr>
+              <a:t>closest     Find the closest, potentially non-overlapping interval.</a:t>
+            </a:r>
           </a:p>
           <a:p>
             <a:pPr marL="0" indent="0">
               <a:lnSpc>
-                <a:spcPct val="100000"/>
+                <a:spcPts val="1050"/>
               </a:lnSpc>
               <a:buNone/>
             </a:pPr>
             <a:r>
-              <a:rPr lang="en-US" sz="2400" b="1" dirty="0" err="1">
+              <a:rPr lang="en-US" sz="1600" dirty="0">
                 <a:latin typeface="Courier" pitchFamily="2" charset="0"/>
               </a:rPr>
-              <a:t>maskfasta</a:t>
-            </a:r>
-            <a:r>
-              <a:rPr lang="en-US" sz="2400" dirty="0">
+              <a:t>coverage    Compute the coverage over defined intervals.</a:t>
+            </a:r>
+          </a:p>
+          <a:p>
+            <a:pPr marL="0" indent="0">
+              <a:lnSpc>
+                <a:spcPts val="1050"/>
+              </a:lnSpc>
+              <a:buNone/>
+            </a:pPr>
+            <a:r>
+              <a:rPr lang="en-US" sz="1600" dirty="0">
                 <a:latin typeface="Courier" pitchFamily="2" charset="0"/>
               </a:rPr>
-              <a:t> Use intervals to mask sequences from a FASTA file.</a:t>
+              <a:t>map         Apply a function to a column</a:t>
             </a:r>
           </a:p>
           <a:p>
             <a:pPr marL="0" indent="0">
               <a:lnSpc>
-                <a:spcPct val="100000"/>
+                <a:spcPts val="1050"/>
               </a:lnSpc>
               <a:buNone/>
             </a:pPr>
-            <a:endParaRPr lang="en-US" sz="2400" dirty="0">
-              <a:latin typeface="Courier" pitchFamily="2" charset="0"/>
-            </a:endParaRPr>
+            <a:r>
+              <a:rPr lang="en-US" sz="1600" dirty="0" err="1">
+                <a:latin typeface="Courier" pitchFamily="2" charset="0"/>
+              </a:rPr>
+              <a:t>genomecov</a:t>
+            </a:r>
+            <a:r>
+              <a:rPr lang="en-US" sz="1600" dirty="0">
+                <a:latin typeface="Courier" pitchFamily="2" charset="0"/>
+              </a:rPr>
+              <a:t>   Compute the coverage over an entire genome.</a:t>
+            </a:r>
           </a:p>
           <a:p>
             <a:pPr marL="0" indent="0">
               <a:lnSpc>
-                <a:spcPct val="100000"/>
+                <a:spcPts val="1050"/>
               </a:lnSpc>
               <a:buNone/>
             </a:pPr>
             <a:r>
-              <a:rPr lang="en-US" sz="2400" b="1" dirty="0" err="1">
+              <a:rPr lang="en-US" sz="1600" dirty="0">
                 <a:latin typeface="Courier" pitchFamily="2" charset="0"/>
               </a:rPr>
-              <a:t>nuc</a:t>
-            </a:r>
-            <a:r>
-              <a:rPr lang="en-US" sz="2400" dirty="0">
+              <a:t>merge       Combine overlapping/nearby intervals</a:t>
+            </a:r>
+          </a:p>
+          <a:p>
+            <a:pPr marL="0" indent="0">
+              <a:lnSpc>
+                <a:spcPts val="1050"/>
+              </a:lnSpc>
+              <a:buNone/>
+            </a:pPr>
+            <a:r>
+              <a:rPr lang="en-US" sz="1600" dirty="0">
                 <a:latin typeface="Courier" pitchFamily="2" charset="0"/>
               </a:rPr>
-              <a:t> Profile the nucleotide content of intervals</a:t>
-            </a:r>
-          </a:p>
-        </p:txBody>
-      </p:sp>
-      <p:sp>
-        <p:nvSpPr>
-          <p:cNvPr id="4" name="Rectangle 3">
-            <a:extLst>
-              <a:ext uri="{FF2B5EF4-FFF2-40B4-BE49-F238E27FC236}">
-                <a16:creationId xmlns:a16="http://schemas.microsoft.com/office/drawing/2014/main" id="{43E5DD3A-8E6E-DB4C-AAE3-3FD3EF35FEC0}"/>
-              </a:ext>
-            </a:extLst>
-          </p:cNvPr>
-          <p:cNvSpPr/>
-          <p:nvPr/>
-        </p:nvSpPr>
-        <p:spPr>
-          <a:xfrm>
-            <a:off x="1358251" y="5485472"/>
-            <a:ext cx="5865837" cy="646331"/>
-          </a:xfrm>
-          <a:prstGeom prst="rect">
-            <a:avLst/>
-          </a:prstGeom>
-        </p:spPr>
-        <p:txBody>
-          <a:bodyPr wrap="none">
-            <a:spAutoFit/>
-          </a:bodyPr>
-          <a:lstStyle/>
-          <a:p>
-            <a:r>
-              <a:rPr lang="en-US" sz="3600" dirty="0" err="1"/>
-              <a:t>Beocat</a:t>
-            </a:r>
-            <a:r>
-              <a:rPr lang="en-US" sz="3600" dirty="0"/>
-              <a:t>: module load </a:t>
-            </a:r>
-            <a:r>
-              <a:rPr lang="en-US" sz="3600" dirty="0" err="1"/>
-              <a:t>BEDTools</a:t>
-            </a:r>
-            <a:endParaRPr lang="en-US" sz="3600" dirty="0"/>
+              <a:t>cluster     Cluster (but don't merge) overlapping/nearby intervals.</a:t>
+            </a:r>
+          </a:p>
+          <a:p>
+            <a:pPr marL="0" indent="0">
+              <a:lnSpc>
+                <a:spcPts val="1050"/>
+              </a:lnSpc>
+              <a:buNone/>
+            </a:pPr>
+            <a:r>
+              <a:rPr lang="en-US" sz="1600" dirty="0">
+                <a:latin typeface="Courier" pitchFamily="2" charset="0"/>
+              </a:rPr>
+              <a:t>complement  Extract intervals _not_ represented by an interval file.</a:t>
+            </a:r>
+          </a:p>
+          <a:p>
+            <a:pPr marL="0" indent="0">
+              <a:lnSpc>
+                <a:spcPts val="1050"/>
+              </a:lnSpc>
+              <a:buNone/>
+            </a:pPr>
+            <a:r>
+              <a:rPr lang="en-US" sz="1600" dirty="0">
+                <a:latin typeface="Courier" pitchFamily="2" charset="0"/>
+              </a:rPr>
+              <a:t>shift       Adjust the position of intervals.</a:t>
+            </a:r>
+          </a:p>
+          <a:p>
+            <a:pPr marL="0" indent="0">
+              <a:lnSpc>
+                <a:spcPts val="1050"/>
+              </a:lnSpc>
+              <a:buNone/>
+            </a:pPr>
+            <a:r>
+              <a:rPr lang="en-US" sz="1600" dirty="0">
+                <a:latin typeface="Courier" pitchFamily="2" charset="0"/>
+              </a:rPr>
+              <a:t>subtract    Remove intervals based on overlaps b/w two files.</a:t>
+            </a:r>
+          </a:p>
+          <a:p>
+            <a:pPr marL="0" indent="0">
+              <a:lnSpc>
+                <a:spcPts val="1050"/>
+              </a:lnSpc>
+              <a:buNone/>
+            </a:pPr>
+            <a:r>
+              <a:rPr lang="en-US" sz="1600" dirty="0">
+                <a:latin typeface="Courier" pitchFamily="2" charset="0"/>
+              </a:rPr>
+              <a:t>slop        Adjust the size of intervals.</a:t>
+            </a:r>
+          </a:p>
+          <a:p>
+            <a:pPr marL="0" indent="0">
+              <a:lnSpc>
+                <a:spcPts val="1050"/>
+              </a:lnSpc>
+              <a:buNone/>
+            </a:pPr>
+            <a:r>
+              <a:rPr lang="en-US" sz="1600" b="1" dirty="0">
+                <a:latin typeface="Courier" pitchFamily="2" charset="0"/>
+              </a:rPr>
+              <a:t>flank       Create new intervals from flanks of existing intervals.</a:t>
+            </a:r>
+          </a:p>
+          <a:p>
+            <a:pPr marL="0" indent="0">
+              <a:lnSpc>
+                <a:spcPts val="1050"/>
+              </a:lnSpc>
+              <a:buNone/>
+            </a:pPr>
+            <a:r>
+              <a:rPr lang="en-US" sz="1600" dirty="0">
+                <a:latin typeface="Courier" pitchFamily="2" charset="0"/>
+              </a:rPr>
+              <a:t>sort        Order the intervals in a file.</a:t>
+            </a:r>
+          </a:p>
+          <a:p>
+            <a:pPr marL="0" indent="0">
+              <a:lnSpc>
+                <a:spcPts val="1050"/>
+              </a:lnSpc>
+              <a:buNone/>
+            </a:pPr>
+            <a:r>
+              <a:rPr lang="en-US" sz="1600" dirty="0">
+                <a:latin typeface="Courier" pitchFamily="2" charset="0"/>
+              </a:rPr>
+              <a:t>random      Generate random intervals in a genome.</a:t>
+            </a:r>
+          </a:p>
+          <a:p>
+            <a:pPr marL="0" indent="0">
+              <a:lnSpc>
+                <a:spcPts val="1050"/>
+              </a:lnSpc>
+              <a:buNone/>
+            </a:pPr>
+            <a:r>
+              <a:rPr lang="en-US" sz="1600" dirty="0">
+                <a:latin typeface="Courier" pitchFamily="2" charset="0"/>
+              </a:rPr>
+              <a:t>shuffle     Randomly redistribute intervals in a genome.</a:t>
+            </a:r>
+          </a:p>
+          <a:p>
+            <a:pPr marL="0" indent="0">
+              <a:lnSpc>
+                <a:spcPts val="1050"/>
+              </a:lnSpc>
+              <a:buNone/>
+            </a:pPr>
+            <a:r>
+              <a:rPr lang="en-US" sz="1600" dirty="0">
+                <a:latin typeface="Courier" pitchFamily="2" charset="0"/>
+              </a:rPr>
+              <a:t>sample      Sample random records from file using reservoir sampling.</a:t>
+            </a:r>
+          </a:p>
+          <a:p>
+            <a:pPr marL="0" indent="0">
+              <a:lnSpc>
+                <a:spcPts val="1050"/>
+              </a:lnSpc>
+              <a:buNone/>
+            </a:pPr>
+            <a:r>
+              <a:rPr lang="en-US" sz="1600" dirty="0">
+                <a:latin typeface="Courier" pitchFamily="2" charset="0"/>
+              </a:rPr>
+              <a:t>spacing     Report the gap lengths between intervals in a file.</a:t>
+            </a:r>
+          </a:p>
+          <a:p>
+            <a:pPr marL="0" indent="0">
+              <a:lnSpc>
+                <a:spcPts val="1050"/>
+              </a:lnSpc>
+              <a:buNone/>
+            </a:pPr>
+            <a:r>
+              <a:rPr lang="en-US" sz="1600" dirty="0">
+                <a:latin typeface="Courier" pitchFamily="2" charset="0"/>
+              </a:rPr>
+              <a:t>annotate    Annotate coverage of features from multiple files.</a:t>
+            </a:r>
           </a:p>
         </p:txBody>
       </p:sp>
     </p:spTree>
     <p:extLst>
       <p:ext uri="{BB962C8B-B14F-4D97-AF65-F5344CB8AC3E}">
-        <p14:creationId xmlns:p14="http://schemas.microsoft.com/office/powerpoint/2010/main" val="1728625045"/>
+        <p14:creationId xmlns:p14="http://schemas.microsoft.com/office/powerpoint/2010/main" val="2669094253"/>
       </p:ext>
     </p:extLst>
   </p:cSld>
@@ -13448,7 +13606,13 @@
       </p:grpSpPr>
       <p:sp>
         <p:nvSpPr>
-          <p:cNvPr id="2" name="Title 1"/>
+          <p:cNvPr id="2" name="Title 1">
+            <a:extLst>
+              <a:ext uri="{FF2B5EF4-FFF2-40B4-BE49-F238E27FC236}">
+                <a16:creationId xmlns:a16="http://schemas.microsoft.com/office/drawing/2014/main" id="{C2B771A0-17DD-904B-BBA2-ECFD898798C3}"/>
+              </a:ext>
+            </a:extLst>
+          </p:cNvPr>
           <p:cNvSpPr>
             <a:spLocks noGrp="1"/>
           </p:cNvSpPr>
@@ -13459,152 +13623,193 @@
         <p:spPr>
           <a:xfrm>
             <a:off x="628650" y="365127"/>
-            <a:ext cx="7886700" cy="698564"/>
+            <a:ext cx="7886700" cy="466146"/>
           </a:xfrm>
         </p:spPr>
         <p:txBody>
           <a:bodyPr>
-            <a:normAutofit/>
+            <a:normAutofit fontScale="90000"/>
           </a:bodyPr>
           <a:lstStyle/>
           <a:p>
             <a:pPr algn="ctr"/>
             <a:r>
+              <a:rPr lang="en-US" sz="3200" dirty="0" err="1"/>
+              <a:t>BEDtools</a:t>
+            </a:r>
+            <a:r>
               <a:rPr lang="en-US" sz="3200" dirty="0"/>
-              <a:t>BED format (Tab-separated file) (I)</a:t>
-            </a:r>
-          </a:p>
-        </p:txBody>
-      </p:sp>
-      <p:sp>
-        <p:nvSpPr>
-          <p:cNvPr id="4" name="TextBox 3"/>
-          <p:cNvSpPr txBox="1"/>
-          <p:nvPr/>
+              <a:t> (II) - </a:t>
+            </a:r>
+            <a:r>
+              <a:rPr lang="en-US" sz="3200" dirty="0" err="1"/>
+              <a:t>Fasta</a:t>
+            </a:r>
+            <a:r>
+              <a:rPr lang="en-US" sz="3200" dirty="0"/>
+              <a:t> manipulation </a:t>
+            </a:r>
+          </a:p>
+        </p:txBody>
+      </p:sp>
+      <p:sp>
+        <p:nvSpPr>
+          <p:cNvPr id="3" name="Content Placeholder 2">
+            <a:extLst>
+              <a:ext uri="{FF2B5EF4-FFF2-40B4-BE49-F238E27FC236}">
+                <a16:creationId xmlns:a16="http://schemas.microsoft.com/office/drawing/2014/main" id="{3661A253-6582-8B4F-8100-89DD262132B8}"/>
+              </a:ext>
+            </a:extLst>
+          </p:cNvPr>
+          <p:cNvSpPr>
+            <a:spLocks noGrp="1"/>
+          </p:cNvSpPr>
+          <p:nvPr>
+            <p:ph idx="1"/>
+          </p:nvPr>
         </p:nvSpPr>
         <p:spPr>
           <a:xfrm>
-            <a:off x="686735" y="1874728"/>
-            <a:ext cx="7486881" cy="3046988"/>
+            <a:off x="241137" y="1372528"/>
+            <a:ext cx="8661725" cy="3906054"/>
+          </a:xfrm>
+        </p:spPr>
+        <p:txBody>
+          <a:bodyPr>
+            <a:noAutofit/>
+          </a:bodyPr>
+          <a:lstStyle/>
+          <a:p>
+            <a:pPr marL="0" indent="0">
+              <a:lnSpc>
+                <a:spcPct val="100000"/>
+              </a:lnSpc>
+              <a:buNone/>
+            </a:pPr>
+            <a:r>
+              <a:rPr lang="en-US" sz="2400" b="1" dirty="0" err="1">
+                <a:latin typeface="Courier" pitchFamily="2" charset="0"/>
+              </a:rPr>
+              <a:t>getfasta</a:t>
+            </a:r>
+            <a:r>
+              <a:rPr lang="en-US" sz="2400" dirty="0">
+                <a:latin typeface="Courier" pitchFamily="2" charset="0"/>
+              </a:rPr>
+              <a:t> Use intervals to extract sequences from a FASTA file.</a:t>
+            </a:r>
+          </a:p>
+          <a:p>
+            <a:pPr marL="0" indent="0">
+              <a:lnSpc>
+                <a:spcPct val="100000"/>
+              </a:lnSpc>
+              <a:buNone/>
+            </a:pPr>
+            <a:endParaRPr lang="en-US" sz="2400" dirty="0">
+              <a:latin typeface="Courier" pitchFamily="2" charset="0"/>
+            </a:endParaRPr>
+          </a:p>
+          <a:p>
+            <a:pPr marL="0" indent="0">
+              <a:lnSpc>
+                <a:spcPct val="100000"/>
+              </a:lnSpc>
+              <a:buNone/>
+            </a:pPr>
+            <a:r>
+              <a:rPr lang="en-US" sz="2400" b="1" dirty="0" err="1">
+                <a:latin typeface="Courier" pitchFamily="2" charset="0"/>
+              </a:rPr>
+              <a:t>maskfasta</a:t>
+            </a:r>
+            <a:r>
+              <a:rPr lang="en-US" sz="2400" dirty="0">
+                <a:latin typeface="Courier" pitchFamily="2" charset="0"/>
+              </a:rPr>
+              <a:t> Use intervals to mask sequences from a FASTA file.</a:t>
+            </a:r>
+          </a:p>
+          <a:p>
+            <a:pPr marL="0" indent="0">
+              <a:lnSpc>
+                <a:spcPct val="100000"/>
+              </a:lnSpc>
+              <a:buNone/>
+            </a:pPr>
+            <a:endParaRPr lang="en-US" sz="2400" dirty="0">
+              <a:latin typeface="Courier" pitchFamily="2" charset="0"/>
+            </a:endParaRPr>
+          </a:p>
+          <a:p>
+            <a:pPr marL="0" indent="0">
+              <a:lnSpc>
+                <a:spcPct val="100000"/>
+              </a:lnSpc>
+              <a:buNone/>
+            </a:pPr>
+            <a:r>
+              <a:rPr lang="en-US" sz="2400" b="1" dirty="0" err="1">
+                <a:latin typeface="Courier" pitchFamily="2" charset="0"/>
+              </a:rPr>
+              <a:t>nuc</a:t>
+            </a:r>
+            <a:r>
+              <a:rPr lang="en-US" sz="2400" dirty="0">
+                <a:latin typeface="Courier" pitchFamily="2" charset="0"/>
+              </a:rPr>
+              <a:t> Profile the nucleotide content of intervals</a:t>
+            </a:r>
+          </a:p>
+        </p:txBody>
+      </p:sp>
+      <p:sp>
+        <p:nvSpPr>
+          <p:cNvPr id="4" name="Rectangle 3">
+            <a:extLst>
+              <a:ext uri="{FF2B5EF4-FFF2-40B4-BE49-F238E27FC236}">
+                <a16:creationId xmlns:a16="http://schemas.microsoft.com/office/drawing/2014/main" id="{43E5DD3A-8E6E-DB4C-AAE3-3FD3EF35FEC0}"/>
+              </a:ext>
+            </a:extLst>
+          </p:cNvPr>
+          <p:cNvSpPr/>
+          <p:nvPr/>
+        </p:nvSpPr>
+        <p:spPr>
+          <a:xfrm>
+            <a:off x="1358251" y="5485472"/>
+            <a:ext cx="5865837" cy="646331"/>
           </a:xfrm>
           <a:prstGeom prst="rect">
             <a:avLst/>
           </a:prstGeom>
-          <a:noFill/>
         </p:spPr>
         <p:txBody>
-          <a:bodyPr wrap="square" rtlCol="0">
+          <a:bodyPr wrap="none">
             <a:spAutoFit/>
           </a:bodyPr>
           <a:lstStyle/>
           <a:p>
             <a:r>
-              <a:rPr lang="en-US" sz="2800" dirty="0">
-                <a:latin typeface="Calibri Light" panose="020F0302020204030204" pitchFamily="34" charset="0"/>
-                <a:cs typeface="Calibri Light" panose="020F0302020204030204" pitchFamily="34" charset="0"/>
-              </a:rPr>
-              <a:t>The first three required BED fields are:</a:t>
-            </a:r>
-          </a:p>
-          <a:p>
-            <a:r>
-              <a:rPr lang="en-US" sz="2800" b="1" dirty="0">
-                <a:latin typeface="Calibri Light" panose="020F0302020204030204" pitchFamily="34" charset="0"/>
-                <a:cs typeface="Calibri Light" panose="020F0302020204030204" pitchFamily="34" charset="0"/>
-              </a:rPr>
-              <a:t>1. </a:t>
-            </a:r>
-            <a:r>
-              <a:rPr lang="en-US" sz="2800" b="1" dirty="0" err="1">
-                <a:latin typeface="Calibri Light" panose="020F0302020204030204" pitchFamily="34" charset="0"/>
-                <a:cs typeface="Calibri Light" panose="020F0302020204030204" pitchFamily="34" charset="0"/>
-              </a:rPr>
-              <a:t>chrom</a:t>
-            </a:r>
-            <a:r>
-              <a:rPr lang="en-US" sz="2800" dirty="0">
-                <a:latin typeface="Calibri Light" panose="020F0302020204030204" pitchFamily="34" charset="0"/>
-                <a:cs typeface="Calibri Light" panose="020F0302020204030204" pitchFamily="34" charset="0"/>
-              </a:rPr>
-              <a:t> - the chromosome</a:t>
-            </a:r>
-          </a:p>
-          <a:p>
-            <a:r>
-              <a:rPr lang="en-US" sz="2800" b="1" dirty="0">
-                <a:latin typeface="Calibri Light" panose="020F0302020204030204" pitchFamily="34" charset="0"/>
-                <a:cs typeface="Calibri Light" panose="020F0302020204030204" pitchFamily="34" charset="0"/>
-              </a:rPr>
-              <a:t>2. </a:t>
-            </a:r>
-            <a:r>
-              <a:rPr lang="en-US" sz="2800" b="1" dirty="0" err="1">
-                <a:latin typeface="Calibri Light" panose="020F0302020204030204" pitchFamily="34" charset="0"/>
-                <a:cs typeface="Calibri Light" panose="020F0302020204030204" pitchFamily="34" charset="0"/>
-              </a:rPr>
-              <a:t>chromStart</a:t>
-            </a:r>
-            <a:r>
-              <a:rPr lang="en-US" sz="2800" dirty="0">
-                <a:latin typeface="Calibri Light" panose="020F0302020204030204" pitchFamily="34" charset="0"/>
-                <a:cs typeface="Calibri Light" panose="020F0302020204030204" pitchFamily="34" charset="0"/>
-              </a:rPr>
-              <a:t> - the starting position; 0-based</a:t>
-            </a:r>
-          </a:p>
-          <a:p>
-            <a:r>
-              <a:rPr lang="en-US" sz="2800" b="1" dirty="0">
-                <a:latin typeface="Calibri Light" panose="020F0302020204030204" pitchFamily="34" charset="0"/>
-                <a:cs typeface="Calibri Light" panose="020F0302020204030204" pitchFamily="34" charset="0"/>
-              </a:rPr>
-              <a:t>3. </a:t>
-            </a:r>
-            <a:r>
-              <a:rPr lang="en-US" sz="2800" b="1" dirty="0" err="1">
-                <a:latin typeface="Calibri Light" panose="020F0302020204030204" pitchFamily="34" charset="0"/>
-                <a:cs typeface="Calibri Light" panose="020F0302020204030204" pitchFamily="34" charset="0"/>
-              </a:rPr>
-              <a:t>chromEnd</a:t>
-            </a:r>
-            <a:r>
-              <a:rPr lang="en-US" sz="2800" dirty="0">
-                <a:latin typeface="Calibri Light" panose="020F0302020204030204" pitchFamily="34" charset="0"/>
-                <a:cs typeface="Calibri Light" panose="020F0302020204030204" pitchFamily="34" charset="0"/>
-              </a:rPr>
-              <a:t> - the ending position; 1-based</a:t>
-            </a:r>
-          </a:p>
-          <a:p>
-            <a:endParaRPr lang="en-US" sz="2800" dirty="0">
-              <a:latin typeface="Calibri Light" panose="020F0302020204030204" pitchFamily="34" charset="0"/>
-              <a:cs typeface="Calibri Light" panose="020F0302020204030204" pitchFamily="34" charset="0"/>
-            </a:endParaRPr>
-          </a:p>
-          <a:p>
-            <a:r>
-              <a:rPr lang="en-US" sz="2800" dirty="0">
-                <a:latin typeface="Calibri Light" panose="020F0302020204030204" pitchFamily="34" charset="0"/>
-                <a:cs typeface="Calibri Light" panose="020F0302020204030204" pitchFamily="34" charset="0"/>
-              </a:rPr>
-              <a:t>e.g., the first 100 bases of chromosome 1</a:t>
-            </a:r>
-          </a:p>
-          <a:p>
-            <a:r>
-              <a:rPr lang="en-US" sz="2400" dirty="0">
-                <a:latin typeface="Courier" pitchFamily="2" charset="0"/>
-                <a:cs typeface="Calibri Light" panose="020F0302020204030204" pitchFamily="34" charset="0"/>
-              </a:rPr>
-              <a:t>chr1	0	100</a:t>
-            </a:r>
+              <a:rPr lang="en-US" sz="3600" dirty="0" err="1"/>
+              <a:t>Beocat</a:t>
+            </a:r>
+            <a:r>
+              <a:rPr lang="en-US" sz="3600" dirty="0"/>
+              <a:t>: module load </a:t>
+            </a:r>
+            <a:r>
+              <a:rPr lang="en-US" sz="3600" dirty="0" err="1"/>
+              <a:t>BEDTools</a:t>
+            </a:r>
+            <a:endParaRPr lang="en-US" sz="3600" dirty="0"/>
           </a:p>
         </p:txBody>
       </p:sp>
     </p:spTree>
     <p:extLst>
       <p:ext uri="{BB962C8B-B14F-4D97-AF65-F5344CB8AC3E}">
-        <p14:creationId xmlns:p14="http://schemas.microsoft.com/office/powerpoint/2010/main" val="2395224470"/>
+        <p14:creationId xmlns:p14="http://schemas.microsoft.com/office/powerpoint/2010/main" val="1728625045"/>
       </p:ext>
     </p:extLst>
   </p:cSld>
@@ -13643,8 +13848,8 @@
         </p:nvSpPr>
         <p:spPr>
           <a:xfrm>
-            <a:off x="628650" y="365126"/>
-            <a:ext cx="7886700" cy="866515"/>
+            <a:off x="628650" y="365127"/>
+            <a:ext cx="7886700" cy="698564"/>
           </a:xfrm>
         </p:spPr>
         <p:txBody>
@@ -13656,7 +13861,7 @@
             <a:pPr algn="ctr"/>
             <a:r>
               <a:rPr lang="en-US" sz="3200" dirty="0"/>
-              <a:t>BED format (II)</a:t>
+              <a:t>BED format (Tab-separated file) (I)</a:t>
             </a:r>
           </a:p>
         </p:txBody>
@@ -13669,8 +13874,8 @@
         </p:nvSpPr>
         <p:spPr>
           <a:xfrm>
-            <a:off x="895739" y="1419220"/>
-            <a:ext cx="7619611" cy="4278094"/>
+            <a:off x="686735" y="1874728"/>
+            <a:ext cx="7486881" cy="3046988"/>
           </a:xfrm>
           <a:prstGeom prst="rect">
             <a:avLst/>
@@ -13688,7 +13893,7 @@
                 <a:latin typeface="Calibri Light" panose="020F0302020204030204" pitchFamily="34" charset="0"/>
                 <a:cs typeface="Calibri Light" panose="020F0302020204030204" pitchFamily="34" charset="0"/>
               </a:rPr>
-              <a:t>The additional optional BED fields are:</a:t>
+              <a:t>The first three required BED fields are:</a:t>
             </a:r>
           </a:p>
           <a:p>
@@ -13697,14 +13902,21 @@
                 <a:latin typeface="Calibri Light" panose="020F0302020204030204" pitchFamily="34" charset="0"/>
                 <a:cs typeface="Calibri Light" panose="020F0302020204030204" pitchFamily="34" charset="0"/>
               </a:rPr>
-              <a:t>4. name</a:t>
+              <a:t>1. </a:t>
+            </a:r>
+            <a:r>
+              <a:rPr lang="en-US" sz="2800" b="1" dirty="0" err="1">
+                <a:latin typeface="Calibri Light" panose="020F0302020204030204" pitchFamily="34" charset="0"/>
+                <a:cs typeface="Calibri Light" panose="020F0302020204030204" pitchFamily="34" charset="0"/>
+              </a:rPr>
+              <a:t>chrom</a:t>
             </a:r>
             <a:r>
               <a:rPr lang="en-US" sz="2800" dirty="0">
                 <a:latin typeface="Calibri Light" panose="020F0302020204030204" pitchFamily="34" charset="0"/>
                 <a:cs typeface="Calibri Light" panose="020F0302020204030204" pitchFamily="34" charset="0"/>
               </a:rPr>
-              <a:t> - Defines the name of the BED line.</a:t>
+              <a:t> - the chromosome</a:t>
             </a:r>
           </a:p>
           <a:p>
@@ -13713,14 +13925,21 @@
                 <a:latin typeface="Calibri Light" panose="020F0302020204030204" pitchFamily="34" charset="0"/>
                 <a:cs typeface="Calibri Light" panose="020F0302020204030204" pitchFamily="34" charset="0"/>
               </a:rPr>
-              <a:t>5. score</a:t>
+              <a:t>2. </a:t>
+            </a:r>
+            <a:r>
+              <a:rPr lang="en-US" sz="2800" b="1" dirty="0" err="1">
+                <a:latin typeface="Calibri Light" panose="020F0302020204030204" pitchFamily="34" charset="0"/>
+                <a:cs typeface="Calibri Light" panose="020F0302020204030204" pitchFamily="34" charset="0"/>
+              </a:rPr>
+              <a:t>chromStart</a:t>
             </a:r>
             <a:r>
               <a:rPr lang="en-US" sz="2800" dirty="0">
                 <a:latin typeface="Calibri Light" panose="020F0302020204030204" pitchFamily="34" charset="0"/>
                 <a:cs typeface="Calibri Light" panose="020F0302020204030204" pitchFamily="34" charset="0"/>
               </a:rPr>
-              <a:t> - A score between 0 and 1000</a:t>
+              <a:t> - the starting position; 0-based</a:t>
             </a:r>
           </a:p>
           <a:p>
@@ -13729,23 +13948,21 @@
                 <a:latin typeface="Calibri Light" panose="020F0302020204030204" pitchFamily="34" charset="0"/>
                 <a:cs typeface="Calibri Light" panose="020F0302020204030204" pitchFamily="34" charset="0"/>
               </a:rPr>
-              <a:t>6. strand</a:t>
+              <a:t>3. </a:t>
+            </a:r>
+            <a:r>
+              <a:rPr lang="en-US" sz="2800" b="1" dirty="0" err="1">
+                <a:latin typeface="Calibri Light" panose="020F0302020204030204" pitchFamily="34" charset="0"/>
+                <a:cs typeface="Calibri Light" panose="020F0302020204030204" pitchFamily="34" charset="0"/>
+              </a:rPr>
+              <a:t>chromEnd</a:t>
             </a:r>
             <a:r>
               <a:rPr lang="en-US" sz="2800" dirty="0">
                 <a:latin typeface="Calibri Light" panose="020F0302020204030204" pitchFamily="34" charset="0"/>
                 <a:cs typeface="Calibri Light" panose="020F0302020204030204" pitchFamily="34" charset="0"/>
               </a:rPr>
-              <a:t> - Defines the strand - either '+' or '-’</a:t>
-            </a:r>
-          </a:p>
-          <a:p>
-            <a:r>
-              <a:rPr lang="en-US" sz="2800" dirty="0">
-                <a:latin typeface="Calibri Light" panose="020F0302020204030204" pitchFamily="34" charset="0"/>
-                <a:cs typeface="Calibri Light" panose="020F0302020204030204" pitchFamily="34" charset="0"/>
-              </a:rPr>
-              <a:t>…</a:t>
+              <a:t> - the ending position; 1-based</a:t>
             </a:r>
           </a:p>
           <a:p>
@@ -13769,25 +13986,7 @@
                 <a:latin typeface="Courier" pitchFamily="2" charset="0"/>
                 <a:cs typeface="Calibri Light" panose="020F0302020204030204" pitchFamily="34" charset="0"/>
               </a:rPr>
-              <a:t>chr1	0	100	region1	.	+</a:t>
-            </a:r>
-          </a:p>
-          <a:p>
-            <a:r>
-              <a:rPr lang="en-US" sz="2400" dirty="0">
-                <a:latin typeface="Courier" pitchFamily="2" charset="0"/>
-                <a:cs typeface="Calibri Light" panose="020F0302020204030204" pitchFamily="34" charset="0"/>
-              </a:rPr>
-              <a:t>chr1	100	200	region2	.	-</a:t>
-            </a:r>
-          </a:p>
-          <a:p>
-            <a:r>
-              <a:rPr lang="en-US" sz="2800" dirty="0">
-                <a:latin typeface="Calibri Light" panose="020F0302020204030204" pitchFamily="34" charset="0"/>
-                <a:cs typeface="Calibri Light" panose="020F0302020204030204" pitchFamily="34" charset="0"/>
-              </a:rPr>
-              <a:t>…</a:t>
+              <a:t>chr1	0	100</a:t>
             </a:r>
           </a:p>
         </p:txBody>
@@ -13795,7 +13994,7 @@
     </p:spTree>
     <p:extLst>
       <p:ext uri="{BB962C8B-B14F-4D97-AF65-F5344CB8AC3E}">
-        <p14:creationId xmlns:p14="http://schemas.microsoft.com/office/powerpoint/2010/main" val="548648855"/>
+        <p14:creationId xmlns:p14="http://schemas.microsoft.com/office/powerpoint/2010/main" val="2395224470"/>
       </p:ext>
     </p:extLst>
   </p:cSld>
@@ -13824,13 +14023,7 @@
       </p:grpSpPr>
       <p:sp>
         <p:nvSpPr>
-          <p:cNvPr id="2" name="Title 1">
-            <a:extLst>
-              <a:ext uri="{FF2B5EF4-FFF2-40B4-BE49-F238E27FC236}">
-                <a16:creationId xmlns:a16="http://schemas.microsoft.com/office/drawing/2014/main" id="{03587BBD-E283-7847-A1C7-9CF779409989}"/>
-              </a:ext>
-            </a:extLst>
-          </p:cNvPr>
+          <p:cNvPr id="2" name="Title 1"/>
           <p:cNvSpPr>
             <a:spLocks noGrp="1"/>
           </p:cNvSpPr>
@@ -13840,8 +14033,8 @@
         </p:nvSpPr>
         <p:spPr>
           <a:xfrm>
-            <a:off x="628650" y="365127"/>
-            <a:ext cx="7886700" cy="791870"/>
+            <a:off x="628650" y="365126"/>
+            <a:ext cx="7886700" cy="866515"/>
           </a:xfrm>
         </p:spPr>
         <p:txBody>
@@ -13853,161 +14046,138 @@
             <a:pPr algn="ctr"/>
             <a:r>
               <a:rPr lang="en-US" sz="3200" dirty="0"/>
-              <a:t>BED format (III)</a:t>
-            </a:r>
-          </a:p>
-        </p:txBody>
-      </p:sp>
-      <p:sp>
-        <p:nvSpPr>
-          <p:cNvPr id="3" name="Content Placeholder 2">
-            <a:extLst>
-              <a:ext uri="{FF2B5EF4-FFF2-40B4-BE49-F238E27FC236}">
-                <a16:creationId xmlns:a16="http://schemas.microsoft.com/office/drawing/2014/main" id="{D8130794-3060-874C-A820-B8972DF0ACB7}"/>
-              </a:ext>
-            </a:extLst>
-          </p:cNvPr>
-          <p:cNvSpPr>
-            <a:spLocks noGrp="1"/>
-          </p:cNvSpPr>
-          <p:nvPr>
-            <p:ph idx="1"/>
-          </p:nvPr>
+              <a:t>BED format (II)</a:t>
+            </a:r>
+          </a:p>
+        </p:txBody>
+      </p:sp>
+      <p:sp>
+        <p:nvSpPr>
+          <p:cNvPr id="4" name="TextBox 3"/>
+          <p:cNvSpPr txBox="1"/>
+          <p:nvPr/>
         </p:nvSpPr>
         <p:spPr>
           <a:xfrm>
-            <a:off x="222476" y="1290652"/>
-            <a:ext cx="8699047" cy="4755583"/>
+            <a:off x="895739" y="1419220"/>
+            <a:ext cx="7619611" cy="4278094"/>
           </a:xfrm>
+          <a:prstGeom prst="rect">
+            <a:avLst/>
+          </a:prstGeom>
+          <a:noFill/>
         </p:spPr>
         <p:txBody>
-          <a:bodyPr>
-            <a:normAutofit/>
+          <a:bodyPr wrap="square" rtlCol="0">
+            <a:spAutoFit/>
           </a:bodyPr>
           <a:lstStyle/>
           <a:p>
             <a:r>
-              <a:rPr lang="en-US" sz="3000" dirty="0">
+              <a:rPr lang="en-US" sz="2800" dirty="0">
                 <a:latin typeface="Calibri Light" panose="020F0302020204030204" pitchFamily="34" charset="0"/>
                 <a:cs typeface="Calibri Light" panose="020F0302020204030204" pitchFamily="34" charset="0"/>
               </a:rPr>
-              <a:t>Other optional fields</a:t>
-            </a:r>
-          </a:p>
-          <a:p>
-            <a:pPr marL="0" indent="0">
-              <a:buNone/>
-            </a:pPr>
-            <a:r>
-              <a:rPr lang="en-US" sz="3000" dirty="0">
+              <a:t>The additional optional BED fields are:</a:t>
+            </a:r>
+          </a:p>
+          <a:p>
+            <a:r>
+              <a:rPr lang="en-US" sz="2800" b="1" dirty="0">
                 <a:latin typeface="Calibri Light" panose="020F0302020204030204" pitchFamily="34" charset="0"/>
                 <a:cs typeface="Calibri Light" panose="020F0302020204030204" pitchFamily="34" charset="0"/>
               </a:rPr>
-              <a:t>(could be flexible and more fields)</a:t>
-            </a:r>
-          </a:p>
-          <a:p>
-            <a:pPr marL="0" indent="0">
-              <a:buNone/>
-            </a:pPr>
-            <a:r>
-              <a:rPr lang="en-US" sz="3000" b="1" dirty="0" err="1">
+              <a:t>4. name</a:t>
+            </a:r>
+            <a:r>
+              <a:rPr lang="en-US" sz="2800" dirty="0">
                 <a:latin typeface="Calibri Light" panose="020F0302020204030204" pitchFamily="34" charset="0"/>
                 <a:cs typeface="Calibri Light" panose="020F0302020204030204" pitchFamily="34" charset="0"/>
               </a:rPr>
-              <a:t>thickStart</a:t>
-            </a:r>
-            <a:r>
-              <a:rPr lang="en-US" sz="3000" dirty="0">
+              <a:t> - Defines the name of the BED line.</a:t>
+            </a:r>
+          </a:p>
+          <a:p>
+            <a:r>
+              <a:rPr lang="en-US" sz="2800" b="1" dirty="0">
                 <a:latin typeface="Calibri Light" panose="020F0302020204030204" pitchFamily="34" charset="0"/>
                 <a:cs typeface="Calibri Light" panose="020F0302020204030204" pitchFamily="34" charset="0"/>
               </a:rPr>
-              <a:t> - coordinate to start drawing a solid rectangle</a:t>
-            </a:r>
-          </a:p>
-          <a:p>
-            <a:pPr marL="0" indent="0">
-              <a:buNone/>
-            </a:pPr>
-            <a:r>
-              <a:rPr lang="en-US" sz="3000" b="1" dirty="0" err="1">
+              <a:t>5. score</a:t>
+            </a:r>
+            <a:r>
+              <a:rPr lang="en-US" sz="2800" dirty="0">
                 <a:latin typeface="Calibri Light" panose="020F0302020204030204" pitchFamily="34" charset="0"/>
                 <a:cs typeface="Calibri Light" panose="020F0302020204030204" pitchFamily="34" charset="0"/>
               </a:rPr>
-              <a:t>thickEnd</a:t>
-            </a:r>
-            <a:r>
-              <a:rPr lang="en-US" sz="3000" dirty="0">
+              <a:t> - A score between 0 and 1000</a:t>
+            </a:r>
+          </a:p>
+          <a:p>
+            <a:r>
+              <a:rPr lang="en-US" sz="2800" b="1" dirty="0">
                 <a:latin typeface="Calibri Light" panose="020F0302020204030204" pitchFamily="34" charset="0"/>
                 <a:cs typeface="Calibri Light" panose="020F0302020204030204" pitchFamily="34" charset="0"/>
               </a:rPr>
-              <a:t> - coordinate to stop drawing a solid rectangle</a:t>
-            </a:r>
-          </a:p>
-          <a:p>
-            <a:pPr marL="0" indent="0">
-              <a:buNone/>
-            </a:pPr>
-            <a:r>
-              <a:rPr lang="en-US" sz="3000" b="1" dirty="0" err="1">
+              <a:t>6. strand</a:t>
+            </a:r>
+            <a:r>
+              <a:rPr lang="en-US" sz="2800" dirty="0">
                 <a:latin typeface="Calibri Light" panose="020F0302020204030204" pitchFamily="34" charset="0"/>
                 <a:cs typeface="Calibri Light" panose="020F0302020204030204" pitchFamily="34" charset="0"/>
               </a:rPr>
-              <a:t>itemRgb</a:t>
-            </a:r>
-            <a:r>
-              <a:rPr lang="en-US" sz="3000" dirty="0">
+              <a:t> - Defines the strand - either '+' or '-’</a:t>
+            </a:r>
+          </a:p>
+          <a:p>
+            <a:r>
+              <a:rPr lang="en-US" sz="2800" dirty="0">
                 <a:latin typeface="Calibri Light" panose="020F0302020204030204" pitchFamily="34" charset="0"/>
                 <a:cs typeface="Calibri Light" panose="020F0302020204030204" pitchFamily="34" charset="0"/>
               </a:rPr>
-              <a:t> - an RGB </a:t>
-            </a:r>
-            <a:r>
-              <a:rPr lang="en-US" sz="3000" dirty="0" err="1">
-                <a:latin typeface="Calibri Light" panose="020F0302020204030204" pitchFamily="34" charset="0"/>
-                <a:cs typeface="Calibri Light" panose="020F0302020204030204" pitchFamily="34" charset="0"/>
-              </a:rPr>
-              <a:t>colour</a:t>
-            </a:r>
-            <a:r>
-              <a:rPr lang="en-US" sz="3000" dirty="0">
-                <a:latin typeface="Calibri Light" panose="020F0302020204030204" pitchFamily="34" charset="0"/>
-                <a:cs typeface="Calibri Light" panose="020F0302020204030204" pitchFamily="34" charset="0"/>
-              </a:rPr>
-              <a:t> value (e.g. 0,0,255).</a:t>
-            </a:r>
-          </a:p>
-          <a:p>
-            <a:pPr marL="0" indent="0">
-              <a:buNone/>
-            </a:pPr>
-            <a:endParaRPr lang="en-US" dirty="0">
+              <a:t>…</a:t>
+            </a:r>
+          </a:p>
+          <a:p>
+            <a:endParaRPr lang="en-US" sz="2800" dirty="0">
               <a:latin typeface="Calibri Light" panose="020F0302020204030204" pitchFamily="34" charset="0"/>
               <a:cs typeface="Calibri Light" panose="020F0302020204030204" pitchFamily="34" charset="0"/>
             </a:endParaRPr>
           </a:p>
           <a:p>
-            <a:pPr marL="0" indent="0">
-              <a:buNone/>
-            </a:pPr>
-            <a:r>
-              <a:rPr lang="en-US" dirty="0">
+            <a:r>
+              <a:rPr lang="en-US" sz="2800" dirty="0">
                 <a:latin typeface="Calibri Light" panose="020F0302020204030204" pitchFamily="34" charset="0"/>
                 <a:cs typeface="Calibri Light" panose="020F0302020204030204" pitchFamily="34" charset="0"/>
               </a:rPr>
-              <a:t>e.g.,</a:t>
-            </a:r>
-          </a:p>
-          <a:p>
-            <a:pPr marL="0" indent="0">
-              <a:buNone/>
-            </a:pPr>
-            <a:r>
-              <a:rPr lang="en-US" sz="2100" dirty="0">
+              <a:t>e.g., the first 100 bases of chromosome 1</a:t>
+            </a:r>
+          </a:p>
+          <a:p>
+            <a:r>
+              <a:rPr lang="en-US" sz="2400" dirty="0">
+                <a:latin typeface="Courier" pitchFamily="2" charset="0"/>
+                <a:cs typeface="Calibri Light" panose="020F0302020204030204" pitchFamily="34" charset="0"/>
+              </a:rPr>
+              <a:t>chr1	0	100	region1	.	+</a:t>
+            </a:r>
+          </a:p>
+          <a:p>
+            <a:r>
+              <a:rPr lang="en-US" sz="2400" dirty="0">
+                <a:latin typeface="Courier" pitchFamily="2" charset="0"/>
+                <a:cs typeface="Calibri Light" panose="020F0302020204030204" pitchFamily="34" charset="0"/>
+              </a:rPr>
+              <a:t>chr1	100	200	region2	.	-</a:t>
+            </a:r>
+          </a:p>
+          <a:p>
+            <a:r>
+              <a:rPr lang="en-US" sz="2800" dirty="0">
                 <a:latin typeface="Calibri Light" panose="020F0302020204030204" pitchFamily="34" charset="0"/>
                 <a:cs typeface="Calibri Light" panose="020F0302020204030204" pitchFamily="34" charset="0"/>
               </a:rPr>
-              <a:t>chr1	0	100	region1	.	+	0	100	255,0.0</a:t>
+              <a:t>…</a:t>
             </a:r>
           </a:p>
         </p:txBody>
@@ -14015,7 +14185,7 @@
     </p:spTree>
     <p:extLst>
       <p:ext uri="{BB962C8B-B14F-4D97-AF65-F5344CB8AC3E}">
-        <p14:creationId xmlns:p14="http://schemas.microsoft.com/office/powerpoint/2010/main" val="3590496826"/>
+        <p14:creationId xmlns:p14="http://schemas.microsoft.com/office/powerpoint/2010/main" val="548648855"/>
       </p:ext>
     </p:extLst>
   </p:cSld>
@@ -14047,7 +14217,7 @@
           <p:cNvPr id="2" name="Title 1">
             <a:extLst>
               <a:ext uri="{FF2B5EF4-FFF2-40B4-BE49-F238E27FC236}">
-                <a16:creationId xmlns:a16="http://schemas.microsoft.com/office/drawing/2014/main" id="{C2B771A0-17DD-904B-BBA2-ECFD898798C3}"/>
+                <a16:creationId xmlns:a16="http://schemas.microsoft.com/office/drawing/2014/main" id="{03587BBD-E283-7847-A1C7-9CF779409989}"/>
               </a:ext>
             </a:extLst>
           </p:cNvPr>
@@ -14060,8 +14230,8 @@
         </p:nvSpPr>
         <p:spPr>
           <a:xfrm>
-            <a:off x="487507" y="406693"/>
-            <a:ext cx="8168986" cy="787018"/>
+            <a:off x="628650" y="365127"/>
+            <a:ext cx="7886700" cy="791870"/>
           </a:xfrm>
         </p:spPr>
         <p:txBody>
@@ -14072,205 +14242,170 @@
           <a:p>
             <a:pPr algn="ctr"/>
             <a:r>
-              <a:rPr lang="en-US" sz="3200" b="1" dirty="0">
-                <a:solidFill>
-                  <a:srgbClr val="333333"/>
-                </a:solidFill>
-                <a:latin typeface="Calibri Light" panose="020F0302020204030204" pitchFamily="34" charset="0"/>
-                <a:cs typeface="Calibri Light" panose="020F0302020204030204" pitchFamily="34" charset="0"/>
-              </a:rPr>
-              <a:t>Extract promoter sequences of genes (I)</a:t>
-            </a:r>
-          </a:p>
-        </p:txBody>
-      </p:sp>
-      <p:sp>
-        <p:nvSpPr>
-          <p:cNvPr id="5" name="Rectangle 4">
+              <a:rPr lang="en-US" sz="3200" dirty="0"/>
+              <a:t>BED format (III)</a:t>
+            </a:r>
+          </a:p>
+        </p:txBody>
+      </p:sp>
+      <p:sp>
+        <p:nvSpPr>
+          <p:cNvPr id="3" name="Content Placeholder 2">
             <a:extLst>
               <a:ext uri="{FF2B5EF4-FFF2-40B4-BE49-F238E27FC236}">
-                <a16:creationId xmlns:a16="http://schemas.microsoft.com/office/drawing/2014/main" id="{62A512CD-D95C-3845-90F7-4548A186B559}"/>
+                <a16:creationId xmlns:a16="http://schemas.microsoft.com/office/drawing/2014/main" id="{D8130794-3060-874C-A820-B8972DF0ACB7}"/>
               </a:ext>
             </a:extLst>
           </p:cNvPr>
-          <p:cNvSpPr/>
-          <p:nvPr/>
+          <p:cNvSpPr>
+            <a:spLocks noGrp="1"/>
+          </p:cNvSpPr>
+          <p:nvPr>
+            <p:ph idx="1"/>
+          </p:nvPr>
         </p:nvSpPr>
         <p:spPr>
           <a:xfrm>
-            <a:off x="616527" y="2441048"/>
-            <a:ext cx="7910946" cy="1569660"/>
+            <a:off x="222476" y="1290652"/>
+            <a:ext cx="8699047" cy="4755583"/>
           </a:xfrm>
-          <a:prstGeom prst="rect">
-            <a:avLst/>
-          </a:prstGeom>
         </p:spPr>
         <p:txBody>
-          <a:bodyPr wrap="square">
-            <a:spAutoFit/>
+          <a:bodyPr>
+            <a:normAutofit/>
           </a:bodyPr>
           <a:lstStyle/>
           <a:p>
-            <a:pPr marL="457200" indent="-457200">
-              <a:buFont typeface="+mj-lt"/>
-              <a:buAutoNum type="arabicPeriod"/>
-            </a:pPr>
-            <a:r>
-              <a:rPr lang="en-US" sz="2400" dirty="0">
-                <a:solidFill>
-                  <a:srgbClr val="333333"/>
-                </a:solidFill>
-                <a:latin typeface="Courier" pitchFamily="2" charset="0"/>
-              </a:rPr>
-              <a:t>a BED file of genes (.bed)</a:t>
-            </a:r>
-          </a:p>
-          <a:p>
-            <a:pPr marL="457200" indent="-457200">
-              <a:buFont typeface="+mj-lt"/>
-              <a:buAutoNum type="arabicPeriod"/>
-            </a:pPr>
-            <a:r>
-              <a:rPr lang="en-US" sz="2400" dirty="0">
-                <a:solidFill>
-                  <a:srgbClr val="333333"/>
-                </a:solidFill>
-                <a:latin typeface="Courier" pitchFamily="2" charset="0"/>
-              </a:rPr>
-              <a:t>Genome sequences (.</a:t>
-            </a:r>
-            <a:r>
-              <a:rPr lang="en-US" sz="2400" dirty="0" err="1">
-                <a:solidFill>
-                  <a:srgbClr val="333333"/>
-                </a:solidFill>
-                <a:latin typeface="Courier" pitchFamily="2" charset="0"/>
-              </a:rPr>
-              <a:t>fasta</a:t>
-            </a:r>
-            <a:r>
-              <a:rPr lang="en-US" sz="2400" dirty="0">
-                <a:solidFill>
-                  <a:srgbClr val="333333"/>
-                </a:solidFill>
-                <a:latin typeface="Courier" pitchFamily="2" charset="0"/>
-              </a:rPr>
-              <a:t>)</a:t>
-            </a:r>
-          </a:p>
-          <a:p>
-            <a:pPr marL="457200" indent="-457200">
-              <a:buFont typeface="+mj-lt"/>
-              <a:buAutoNum type="arabicPeriod"/>
-            </a:pPr>
-            <a:r>
-              <a:rPr lang="en-US" sz="2400" dirty="0">
-                <a:solidFill>
-                  <a:srgbClr val="333333"/>
-                </a:solidFill>
-                <a:latin typeface="Courier" pitchFamily="2" charset="0"/>
-              </a:rPr>
-              <a:t>Chromosome/contig lengths (.length)</a:t>
-            </a:r>
-          </a:p>
-          <a:p>
-            <a:pPr marL="457200" indent="-457200">
-              <a:buFont typeface="+mj-lt"/>
-              <a:buAutoNum type="arabicPeriod"/>
-            </a:pPr>
-            <a:r>
-              <a:rPr lang="en-US" sz="2400" dirty="0">
-                <a:solidFill>
-                  <a:srgbClr val="333333"/>
-                </a:solidFill>
-                <a:latin typeface="Courier" pitchFamily="2" charset="0"/>
-              </a:rPr>
-              <a:t>length of promoters to be extracted</a:t>
-            </a:r>
-          </a:p>
-        </p:txBody>
-      </p:sp>
-      <p:sp>
-        <p:nvSpPr>
-          <p:cNvPr id="6" name="TextBox 5">
-            <a:extLst>
-              <a:ext uri="{FF2B5EF4-FFF2-40B4-BE49-F238E27FC236}">
-                <a16:creationId xmlns:a16="http://schemas.microsoft.com/office/drawing/2014/main" id="{365806A7-83A9-074C-8CB5-C0E16B229FDC}"/>
-              </a:ext>
-            </a:extLst>
-          </p:cNvPr>
-          <p:cNvSpPr txBox="1"/>
-          <p:nvPr/>
-        </p:nvSpPr>
-        <p:spPr>
-          <a:xfrm>
-            <a:off x="487507" y="1593273"/>
-            <a:ext cx="5769528" cy="523220"/>
-          </a:xfrm>
-          <a:prstGeom prst="rect">
-            <a:avLst/>
-          </a:prstGeom>
-          <a:noFill/>
-        </p:spPr>
-        <p:txBody>
-          <a:bodyPr wrap="none" rtlCol="0">
-            <a:spAutoFit/>
-          </a:bodyPr>
-          <a:lstStyle/>
-          <a:p>
-            <a:r>
-              <a:rPr lang="en-US" sz="2800" dirty="0">
-                <a:solidFill>
-                  <a:srgbClr val="333333"/>
-                </a:solidFill>
-                <a:latin typeface="Courier" pitchFamily="2" charset="0"/>
-              </a:rPr>
-              <a:t>Required input information</a:t>
-            </a:r>
-          </a:p>
-        </p:txBody>
-      </p:sp>
-      <p:sp>
-        <p:nvSpPr>
-          <p:cNvPr id="7" name="Rectangle 6">
-            <a:extLst>
-              <a:ext uri="{FF2B5EF4-FFF2-40B4-BE49-F238E27FC236}">
-                <a16:creationId xmlns:a16="http://schemas.microsoft.com/office/drawing/2014/main" id="{A6DBABEA-EE6D-D649-AE8C-214AAF457F41}"/>
-              </a:ext>
-            </a:extLst>
-          </p:cNvPr>
-          <p:cNvSpPr/>
-          <p:nvPr/>
-        </p:nvSpPr>
-        <p:spPr>
-          <a:xfrm>
-            <a:off x="616527" y="5003117"/>
-            <a:ext cx="6542625" cy="523220"/>
-          </a:xfrm>
-          <a:prstGeom prst="rect">
-            <a:avLst/>
-          </a:prstGeom>
-        </p:spPr>
-        <p:txBody>
-          <a:bodyPr wrap="none">
-            <a:spAutoFit/>
-          </a:bodyPr>
-          <a:lstStyle/>
-          <a:p>
-            <a:r>
-              <a:rPr lang="en-US" sz="2800" dirty="0">
-                <a:hlinkClick r:id="rId2"/>
-              </a:rPr>
-              <a:t>How To Use Bedtools To Extract Promoters?</a:t>
-            </a:r>
-            <a:endParaRPr lang="en-US" sz="2800" dirty="0"/>
+            <a:r>
+              <a:rPr lang="en-US" sz="3000" dirty="0">
+                <a:latin typeface="Calibri Light" panose="020F0302020204030204" pitchFamily="34" charset="0"/>
+                <a:cs typeface="Calibri Light" panose="020F0302020204030204" pitchFamily="34" charset="0"/>
+              </a:rPr>
+              <a:t>Other optional fields</a:t>
+            </a:r>
+          </a:p>
+          <a:p>
+            <a:pPr marL="0" indent="0">
+              <a:buNone/>
+            </a:pPr>
+            <a:r>
+              <a:rPr lang="en-US" sz="3000" dirty="0">
+                <a:latin typeface="Calibri Light" panose="020F0302020204030204" pitchFamily="34" charset="0"/>
+                <a:cs typeface="Calibri Light" panose="020F0302020204030204" pitchFamily="34" charset="0"/>
+              </a:rPr>
+              <a:t>(could be flexible and more fields)</a:t>
+            </a:r>
+          </a:p>
+          <a:p>
+            <a:pPr marL="0" indent="0">
+              <a:buNone/>
+            </a:pPr>
+            <a:r>
+              <a:rPr lang="en-US" sz="3000" b="1" dirty="0" err="1">
+                <a:latin typeface="Calibri Light" panose="020F0302020204030204" pitchFamily="34" charset="0"/>
+                <a:cs typeface="Calibri Light" panose="020F0302020204030204" pitchFamily="34" charset="0"/>
+              </a:rPr>
+              <a:t>thickStart</a:t>
+            </a:r>
+            <a:r>
+              <a:rPr lang="en-US" sz="3000" dirty="0">
+                <a:latin typeface="Calibri Light" panose="020F0302020204030204" pitchFamily="34" charset="0"/>
+                <a:cs typeface="Calibri Light" panose="020F0302020204030204" pitchFamily="34" charset="0"/>
+              </a:rPr>
+              <a:t> - coordinate to start drawing a solid rectangle</a:t>
+            </a:r>
+          </a:p>
+          <a:p>
+            <a:pPr marL="0" indent="0">
+              <a:buNone/>
+            </a:pPr>
+            <a:r>
+              <a:rPr lang="en-US" sz="3000" b="1" dirty="0" err="1">
+                <a:latin typeface="Calibri Light" panose="020F0302020204030204" pitchFamily="34" charset="0"/>
+                <a:cs typeface="Calibri Light" panose="020F0302020204030204" pitchFamily="34" charset="0"/>
+              </a:rPr>
+              <a:t>thickEnd</a:t>
+            </a:r>
+            <a:r>
+              <a:rPr lang="en-US" sz="3000" dirty="0">
+                <a:latin typeface="Calibri Light" panose="020F0302020204030204" pitchFamily="34" charset="0"/>
+                <a:cs typeface="Calibri Light" panose="020F0302020204030204" pitchFamily="34" charset="0"/>
+              </a:rPr>
+              <a:t> - coordinate to stop drawing a solid rectangle</a:t>
+            </a:r>
+          </a:p>
+          <a:p>
+            <a:pPr marL="0" indent="0">
+              <a:buNone/>
+            </a:pPr>
+            <a:r>
+              <a:rPr lang="en-US" sz="3000" b="1" dirty="0" err="1">
+                <a:latin typeface="Calibri Light" panose="020F0302020204030204" pitchFamily="34" charset="0"/>
+                <a:cs typeface="Calibri Light" panose="020F0302020204030204" pitchFamily="34" charset="0"/>
+              </a:rPr>
+              <a:t>itemRgb</a:t>
+            </a:r>
+            <a:r>
+              <a:rPr lang="en-US" sz="3000" dirty="0">
+                <a:latin typeface="Calibri Light" panose="020F0302020204030204" pitchFamily="34" charset="0"/>
+                <a:cs typeface="Calibri Light" panose="020F0302020204030204" pitchFamily="34" charset="0"/>
+              </a:rPr>
+              <a:t> - an RGB </a:t>
+            </a:r>
+            <a:r>
+              <a:rPr lang="en-US" sz="3000" dirty="0" err="1">
+                <a:latin typeface="Calibri Light" panose="020F0302020204030204" pitchFamily="34" charset="0"/>
+                <a:cs typeface="Calibri Light" panose="020F0302020204030204" pitchFamily="34" charset="0"/>
+              </a:rPr>
+              <a:t>colour</a:t>
+            </a:r>
+            <a:r>
+              <a:rPr lang="en-US" sz="3000" dirty="0">
+                <a:latin typeface="Calibri Light" panose="020F0302020204030204" pitchFamily="34" charset="0"/>
+                <a:cs typeface="Calibri Light" panose="020F0302020204030204" pitchFamily="34" charset="0"/>
+              </a:rPr>
+              <a:t> value (e.g. 0,0,255).</a:t>
+            </a:r>
+          </a:p>
+          <a:p>
+            <a:pPr marL="0" indent="0">
+              <a:buNone/>
+            </a:pPr>
+            <a:endParaRPr lang="en-US" dirty="0">
+              <a:latin typeface="Calibri Light" panose="020F0302020204030204" pitchFamily="34" charset="0"/>
+              <a:cs typeface="Calibri Light" panose="020F0302020204030204" pitchFamily="34" charset="0"/>
+            </a:endParaRPr>
+          </a:p>
+          <a:p>
+            <a:pPr marL="0" indent="0">
+              <a:buNone/>
+            </a:pPr>
+            <a:r>
+              <a:rPr lang="en-US" dirty="0">
+                <a:latin typeface="Calibri Light" panose="020F0302020204030204" pitchFamily="34" charset="0"/>
+                <a:cs typeface="Calibri Light" panose="020F0302020204030204" pitchFamily="34" charset="0"/>
+              </a:rPr>
+              <a:t>e.g.,</a:t>
+            </a:r>
+          </a:p>
+          <a:p>
+            <a:pPr marL="0" indent="0">
+              <a:buNone/>
+            </a:pPr>
+            <a:r>
+              <a:rPr lang="en-US" sz="2100" dirty="0">
+                <a:latin typeface="Calibri Light" panose="020F0302020204030204" pitchFamily="34" charset="0"/>
+                <a:cs typeface="Calibri Light" panose="020F0302020204030204" pitchFamily="34" charset="0"/>
+              </a:rPr>
+              <a:t>chr1	0	100	region1	.	+	0	100	255,0.0</a:t>
+            </a:r>
           </a:p>
         </p:txBody>
       </p:sp>
     </p:spTree>
     <p:extLst>
       <p:ext uri="{BB962C8B-B14F-4D97-AF65-F5344CB8AC3E}">
-        <p14:creationId xmlns:p14="http://schemas.microsoft.com/office/powerpoint/2010/main" val="1279823496"/>
+        <p14:creationId xmlns:p14="http://schemas.microsoft.com/office/powerpoint/2010/main" val="3590496826"/>
       </p:ext>
     </p:extLst>
   </p:cSld>
